--- a/ВКР/ВКР_Василения_21ПГ.pptx
+++ b/ВКР/ВКР_Василения_21ПГ.pptx
@@ -202,7 +202,7 @@
           <a:p>
             <a:fld id="{DC9D613D-7F9B-4E42-A6ED-9695358EDB07}" type="datetimeFigureOut">
               <a:rPr lang="ru-RU" smtClean="0"/>
-              <a:t>04.10.2025</a:t>
+              <a:t>05.10.2025</a:t>
             </a:fld>
             <a:endParaRPr lang="ru-RU"/>
           </a:p>
@@ -601,7 +601,7 @@
           <a:p>
             <a:fld id="{134615A2-30B3-416A-BAD5-95B1BE314A54}" type="datetime1">
               <a:rPr lang="ru-RU" smtClean="0"/>
-              <a:t>04.10.2025</a:t>
+              <a:t>05.10.2025</a:t>
             </a:fld>
             <a:endParaRPr lang="ru-RU"/>
           </a:p>
@@ -774,7 +774,7 @@
           <a:p>
             <a:fld id="{A0474D6D-E951-4260-98B9-66D920AA0D79}" type="datetime1">
               <a:rPr lang="ru-RU" smtClean="0"/>
-              <a:t>04.10.2025</a:t>
+              <a:t>05.10.2025</a:t>
             </a:fld>
             <a:endParaRPr lang="ru-RU"/>
           </a:p>
@@ -957,7 +957,7 @@
           <a:p>
             <a:fld id="{E260E25A-81F6-4E06-8056-5EE8F0636AA9}" type="datetime1">
               <a:rPr lang="ru-RU" smtClean="0"/>
-              <a:t>04.10.2025</a:t>
+              <a:t>05.10.2025</a:t>
             </a:fld>
             <a:endParaRPr lang="ru-RU"/>
           </a:p>
@@ -1130,7 +1130,7 @@
           <a:p>
             <a:fld id="{D26F0890-C51C-4616-BA92-31E98ECE5B68}" type="datetime1">
               <a:rPr lang="ru-RU" smtClean="0"/>
-              <a:t>04.10.2025</a:t>
+              <a:t>05.10.2025</a:t>
             </a:fld>
             <a:endParaRPr lang="ru-RU"/>
           </a:p>
@@ -1377,7 +1377,7 @@
           <a:p>
             <a:fld id="{6F764D2E-4112-4938-891A-6F3A791DFF66}" type="datetime1">
               <a:rPr lang="ru-RU" smtClean="0"/>
-              <a:t>04.10.2025</a:t>
+              <a:t>05.10.2025</a:t>
             </a:fld>
             <a:endParaRPr lang="ru-RU"/>
           </a:p>
@@ -1612,7 +1612,7 @@
           <a:p>
             <a:fld id="{CD8164B3-E779-4292-BEF5-D8CEC6D821A0}" type="datetime1">
               <a:rPr lang="ru-RU" smtClean="0"/>
-              <a:t>04.10.2025</a:t>
+              <a:t>05.10.2025</a:t>
             </a:fld>
             <a:endParaRPr lang="ru-RU"/>
           </a:p>
@@ -1982,7 +1982,7 @@
           <a:p>
             <a:fld id="{CDC9A13E-91ED-4F6D-BBD4-F3D60BCC2C98}" type="datetime1">
               <a:rPr lang="ru-RU" smtClean="0"/>
-              <a:t>04.10.2025</a:t>
+              <a:t>05.10.2025</a:t>
             </a:fld>
             <a:endParaRPr lang="ru-RU"/>
           </a:p>
@@ -2103,7 +2103,7 @@
           <a:p>
             <a:fld id="{23F1224B-DFC9-4FEB-8691-D4DF460BE9AB}" type="datetime1">
               <a:rPr lang="ru-RU" smtClean="0"/>
-              <a:t>04.10.2025</a:t>
+              <a:t>05.10.2025</a:t>
             </a:fld>
             <a:endParaRPr lang="ru-RU"/>
           </a:p>
@@ -2201,7 +2201,7 @@
           <a:p>
             <a:fld id="{1A44754D-5A89-4538-B4B0-681B83032999}" type="datetime1">
               <a:rPr lang="ru-RU" smtClean="0"/>
-              <a:t>04.10.2025</a:t>
+              <a:t>05.10.2025</a:t>
             </a:fld>
             <a:endParaRPr lang="ru-RU"/>
           </a:p>
@@ -2481,7 +2481,7 @@
           <a:p>
             <a:fld id="{E85CE03C-B778-4234-AF27-27A7E8676B7F}" type="datetime1">
               <a:rPr lang="ru-RU" smtClean="0"/>
-              <a:t>04.10.2025</a:t>
+              <a:t>05.10.2025</a:t>
             </a:fld>
             <a:endParaRPr lang="ru-RU"/>
           </a:p>
@@ -2741,7 +2741,7 @@
           <a:p>
             <a:fld id="{346656DA-8ADC-4140-8391-C5372C970DDA}" type="datetime1">
               <a:rPr lang="ru-RU" smtClean="0"/>
-              <a:t>04.10.2025</a:t>
+              <a:t>05.10.2025</a:t>
             </a:fld>
             <a:endParaRPr lang="ru-RU"/>
           </a:p>
@@ -2957,7 +2957,7 @@
           <a:p>
             <a:fld id="{B547DFDD-7F61-483E-A380-F061898845E2}" type="datetime1">
               <a:rPr lang="ru-RU" smtClean="0"/>
-              <a:t>04.10.2025</a:t>
+              <a:t>05.10.2025</a:t>
             </a:fld>
             <a:endParaRPr lang="ru-RU"/>
           </a:p>
@@ -3540,10 +3540,6 @@
               </a:rPr>
               <a:t>«Разработка программного обеспечения подсистемы «Контроль и учет посещаемости и работы студентов на занятиях» для сайта ОГУ им. И.С. Тургенева»</a:t>
             </a:r>
-            <a:endParaRPr lang="ru-RU" sz="1800" dirty="0">
-              <a:latin typeface="Times New Roman" panose="02020603050405020304" pitchFamily="18" charset="0"/>
-              <a:cs typeface="Times New Roman" panose="02020603050405020304" pitchFamily="18" charset="0"/>
-            </a:endParaRPr>
           </a:p>
           <a:p>
             <a:pPr>
@@ -4361,8 +4357,8 @@
         </p:nvSpPr>
         <p:spPr>
           <a:xfrm>
-            <a:off x="1729359" y="444177"/>
-            <a:ext cx="5685282" cy="1200329"/>
+            <a:off x="1729359" y="277123"/>
+            <a:ext cx="5685282" cy="1477328"/>
           </a:xfrm>
           <a:prstGeom prst="rect">
             <a:avLst/>
@@ -4383,18 +4379,32 @@
               <a:t>	Цель выпускной квалификационной работы: </a:t>
             </a:r>
             <a:r>
-              <a:rPr lang="ru-RU" dirty="0" err="1">
+              <a:rPr lang="ru-RU" dirty="0" smtClean="0">
                 <a:latin typeface="Times New Roman" panose="02020603050405020304" pitchFamily="18" charset="0"/>
                 <a:ea typeface="Times New Roman" panose="02020603050405020304" pitchFamily="18" charset="0"/>
               </a:rPr>
-              <a:t>цифровизация</a:t>
+              <a:t>улучшение существующей системы </a:t>
+            </a:r>
+            <a:r>
+              <a:rPr lang="ru-RU" dirty="0" err="1" smtClean="0">
+                <a:latin typeface="Times New Roman" panose="02020603050405020304" pitchFamily="18" charset="0"/>
+                <a:ea typeface="Times New Roman" panose="02020603050405020304" pitchFamily="18" charset="0"/>
+              </a:rPr>
+              <a:t>цифровизации</a:t>
+            </a:r>
+            <a:r>
+              <a:rPr lang="ru-RU" dirty="0" smtClean="0">
+                <a:latin typeface="Times New Roman" panose="02020603050405020304" pitchFamily="18" charset="0"/>
+                <a:ea typeface="Times New Roman" panose="02020603050405020304" pitchFamily="18" charset="0"/>
+              </a:rPr>
+              <a:t> </a:t>
             </a:r>
             <a:r>
               <a:rPr lang="ru-RU" dirty="0">
                 <a:latin typeface="Times New Roman" panose="02020603050405020304" pitchFamily="18" charset="0"/>
                 <a:ea typeface="Times New Roman" panose="02020603050405020304" pitchFamily="18" charset="0"/>
               </a:rPr>
-              <a:t> процесса заполнения журнала обучения преподавателями ОГУ имени И.С. Тургенева для прекращения использования бумажного носителя.</a:t>
+              <a:t>процесса заполнения журнала обучения преподавателями ОГУ имени И.С. Тургенева для прекращения использования бумажного носителя.</a:t>
             </a:r>
             <a:endParaRPr lang="ru-RU" dirty="0"/>
           </a:p>
@@ -4637,7 +4647,7 @@
         <p:spPr>
           <a:xfrm>
             <a:off x="641838" y="1063869"/>
-            <a:ext cx="3763108" cy="3416320"/>
+            <a:ext cx="3763108" cy="2862322"/>
           </a:xfrm>
           <a:prstGeom prst="rect">
             <a:avLst/>
@@ -4686,11 +4696,61 @@
               <a:t>среды. </a:t>
             </a:r>
             <a:r>
-              <a:rPr lang="ru-RU" dirty="0">
+              <a:rPr lang="ru-RU" dirty="0" smtClean="0">
                 <a:latin typeface="Times New Roman" panose="02020603050405020304" pitchFamily="18" charset="0"/>
                 <a:ea typeface="Times New Roman" panose="02020603050405020304" pitchFamily="18" charset="0"/>
               </a:rPr>
-              <a:t>Внедрение электронных систем управления учебным процессом является ключевым фактором повышения конкурентоспособности вуза и соответствия ожиданиям цифрового поколения студентов и преподавателей</a:t>
+              <a:t>Разработка новой подсистемы на основе существующей позволит полностью отказаться от бумажного носителя, в виду чего разработку можно считать актуальной.</a:t>
+            </a:r>
+            <a:endParaRPr lang="ru-RU" dirty="0">
+              <a:latin typeface="Times New Roman" panose="02020603050405020304" pitchFamily="18" charset="0"/>
+              <a:ea typeface="Times New Roman" panose="02020603050405020304" pitchFamily="18" charset="0"/>
+            </a:endParaRPr>
+          </a:p>
+        </p:txBody>
+      </p:sp>
+      <p:sp>
+        <p:nvSpPr>
+          <p:cNvPr id="4" name="Прямоугольник 3"/>
+          <p:cNvSpPr/>
+          <p:nvPr/>
+        </p:nvSpPr>
+        <p:spPr>
+          <a:xfrm>
+            <a:off x="4818184" y="1063869"/>
+            <a:ext cx="3903785" cy="1754326"/>
+          </a:xfrm>
+          <a:prstGeom prst="rect">
+            <a:avLst/>
+          </a:prstGeom>
+        </p:spPr>
+        <p:txBody>
+          <a:bodyPr wrap="square">
+            <a:spAutoFit/>
+          </a:bodyPr>
+          <a:lstStyle/>
+          <a:p>
+            <a:pPr algn="just" defTabSz="342892"/>
+            <a:r>
+              <a:rPr lang="ru-RU" b="1" dirty="0" smtClean="0">
+                <a:latin typeface="Times New Roman" panose="02020603050405020304" pitchFamily="18" charset="0"/>
+                <a:ea typeface="Times New Roman" panose="02020603050405020304" pitchFamily="18" charset="0"/>
+              </a:rPr>
+              <a:t>Проблема: </a:t>
+            </a:r>
+            <a:r>
+              <a:rPr lang="ru-RU" dirty="0" smtClean="0">
+                <a:latin typeface="Times New Roman" panose="02020603050405020304" pitchFamily="18" charset="0"/>
+                <a:ea typeface="Times New Roman" panose="02020603050405020304" pitchFamily="18" charset="0"/>
+              </a:rPr>
+              <a:t>несоответствие</a:t>
+            </a:r>
+            <a:r>
+              <a:rPr lang="ru-RU" dirty="0" smtClean="0">
+                <a:latin typeface="Times New Roman" panose="02020603050405020304" pitchFamily="18" charset="0"/>
+                <a:ea typeface="Times New Roman" panose="02020603050405020304" pitchFamily="18" charset="0"/>
+              </a:rPr>
+              <a:t> существующей подсистемы контроля посещаемости и сдачи работ требованиям, необходимым для полного отказа от бумажного журнала посещаемости</a:t>
             </a:r>
             <a:r>
               <a:rPr lang="ru-RU" dirty="0" smtClean="0">
@@ -4698,56 +4758,6 @@
                 <a:ea typeface="Times New Roman" panose="02020603050405020304" pitchFamily="18" charset="0"/>
               </a:rPr>
               <a:t>.</a:t>
-            </a:r>
-            <a:endParaRPr lang="ru-RU" dirty="0">
-              <a:latin typeface="Times New Roman" panose="02020603050405020304" pitchFamily="18" charset="0"/>
-              <a:ea typeface="Times New Roman" panose="02020603050405020304" pitchFamily="18" charset="0"/>
-            </a:endParaRPr>
-          </a:p>
-        </p:txBody>
-      </p:sp>
-      <p:sp>
-        <p:nvSpPr>
-          <p:cNvPr id="4" name="Прямоугольник 3"/>
-          <p:cNvSpPr/>
-          <p:nvPr/>
-        </p:nvSpPr>
-        <p:spPr>
-          <a:xfrm>
-            <a:off x="4818184" y="1063869"/>
-            <a:ext cx="3903785" cy="3139321"/>
-          </a:xfrm>
-          <a:prstGeom prst="rect">
-            <a:avLst/>
-          </a:prstGeom>
-        </p:spPr>
-        <p:txBody>
-          <a:bodyPr wrap="square">
-            <a:spAutoFit/>
-          </a:bodyPr>
-          <a:lstStyle/>
-          <a:p>
-            <a:pPr algn="just" defTabSz="342892"/>
-            <a:r>
-              <a:rPr lang="ru-RU" b="1" dirty="0" smtClean="0">
-                <a:latin typeface="Times New Roman" panose="02020603050405020304" pitchFamily="18" charset="0"/>
-                <a:ea typeface="Times New Roman" panose="02020603050405020304" pitchFamily="18" charset="0"/>
-              </a:rPr>
-              <a:t>Проблема: </a:t>
-            </a:r>
-            <a:r>
-              <a:rPr lang="ru-RU" dirty="0" smtClean="0">
-                <a:latin typeface="Times New Roman" panose="02020603050405020304" pitchFamily="18" charset="0"/>
-                <a:ea typeface="Times New Roman" panose="02020603050405020304" pitchFamily="18" charset="0"/>
-              </a:rPr>
-              <a:t>несоответствие </a:t>
-            </a:r>
-            <a:r>
-              <a:rPr lang="ru-RU" dirty="0">
-                <a:latin typeface="Times New Roman" panose="02020603050405020304" pitchFamily="18" charset="0"/>
-                <a:ea typeface="Times New Roman" panose="02020603050405020304" pitchFamily="18" charset="0"/>
-              </a:rPr>
-              <a:t>существующей, основанной на бумажном носителе, системы учета посещаемости современным требованиям к оперативности, доступности и интеграции данных, что приводит к значительным временным затратам, повышению риска ошибок и снижению общей эффективности управления учебным процессом.</a:t>
             </a:r>
             <a:endParaRPr lang="ru-RU" dirty="0"/>
           </a:p>

--- a/ВКР/ВКР_Василения_21ПГ.pptx
+++ b/ВКР/ВКР_Василения_21ПГ.pptx
@@ -202,7 +202,7 @@
           <a:p>
             <a:fld id="{DC9D613D-7F9B-4E42-A6ED-9695358EDB07}" type="datetimeFigureOut">
               <a:rPr lang="ru-RU" smtClean="0"/>
-              <a:t>05.10.2025</a:t>
+              <a:t>11.10.2025</a:t>
             </a:fld>
             <a:endParaRPr lang="ru-RU"/>
           </a:p>
@@ -601,7 +601,7 @@
           <a:p>
             <a:fld id="{134615A2-30B3-416A-BAD5-95B1BE314A54}" type="datetime1">
               <a:rPr lang="ru-RU" smtClean="0"/>
-              <a:t>05.10.2025</a:t>
+              <a:t>11.10.2025</a:t>
             </a:fld>
             <a:endParaRPr lang="ru-RU"/>
           </a:p>
@@ -774,7 +774,7 @@
           <a:p>
             <a:fld id="{A0474D6D-E951-4260-98B9-66D920AA0D79}" type="datetime1">
               <a:rPr lang="ru-RU" smtClean="0"/>
-              <a:t>05.10.2025</a:t>
+              <a:t>11.10.2025</a:t>
             </a:fld>
             <a:endParaRPr lang="ru-RU"/>
           </a:p>
@@ -957,7 +957,7 @@
           <a:p>
             <a:fld id="{E260E25A-81F6-4E06-8056-5EE8F0636AA9}" type="datetime1">
               <a:rPr lang="ru-RU" smtClean="0"/>
-              <a:t>05.10.2025</a:t>
+              <a:t>11.10.2025</a:t>
             </a:fld>
             <a:endParaRPr lang="ru-RU"/>
           </a:p>
@@ -1130,7 +1130,7 @@
           <a:p>
             <a:fld id="{D26F0890-C51C-4616-BA92-31E98ECE5B68}" type="datetime1">
               <a:rPr lang="ru-RU" smtClean="0"/>
-              <a:t>05.10.2025</a:t>
+              <a:t>11.10.2025</a:t>
             </a:fld>
             <a:endParaRPr lang="ru-RU"/>
           </a:p>
@@ -1377,7 +1377,7 @@
           <a:p>
             <a:fld id="{6F764D2E-4112-4938-891A-6F3A791DFF66}" type="datetime1">
               <a:rPr lang="ru-RU" smtClean="0"/>
-              <a:t>05.10.2025</a:t>
+              <a:t>11.10.2025</a:t>
             </a:fld>
             <a:endParaRPr lang="ru-RU"/>
           </a:p>
@@ -1612,7 +1612,7 @@
           <a:p>
             <a:fld id="{CD8164B3-E779-4292-BEF5-D8CEC6D821A0}" type="datetime1">
               <a:rPr lang="ru-RU" smtClean="0"/>
-              <a:t>05.10.2025</a:t>
+              <a:t>11.10.2025</a:t>
             </a:fld>
             <a:endParaRPr lang="ru-RU"/>
           </a:p>
@@ -1982,7 +1982,7 @@
           <a:p>
             <a:fld id="{CDC9A13E-91ED-4F6D-BBD4-F3D60BCC2C98}" type="datetime1">
               <a:rPr lang="ru-RU" smtClean="0"/>
-              <a:t>05.10.2025</a:t>
+              <a:t>11.10.2025</a:t>
             </a:fld>
             <a:endParaRPr lang="ru-RU"/>
           </a:p>
@@ -2103,7 +2103,7 @@
           <a:p>
             <a:fld id="{23F1224B-DFC9-4FEB-8691-D4DF460BE9AB}" type="datetime1">
               <a:rPr lang="ru-RU" smtClean="0"/>
-              <a:t>05.10.2025</a:t>
+              <a:t>11.10.2025</a:t>
             </a:fld>
             <a:endParaRPr lang="ru-RU"/>
           </a:p>
@@ -2201,7 +2201,7 @@
           <a:p>
             <a:fld id="{1A44754D-5A89-4538-B4B0-681B83032999}" type="datetime1">
               <a:rPr lang="ru-RU" smtClean="0"/>
-              <a:t>05.10.2025</a:t>
+              <a:t>11.10.2025</a:t>
             </a:fld>
             <a:endParaRPr lang="ru-RU"/>
           </a:p>
@@ -2481,7 +2481,7 @@
           <a:p>
             <a:fld id="{E85CE03C-B778-4234-AF27-27A7E8676B7F}" type="datetime1">
               <a:rPr lang="ru-RU" smtClean="0"/>
-              <a:t>05.10.2025</a:t>
+              <a:t>11.10.2025</a:t>
             </a:fld>
             <a:endParaRPr lang="ru-RU"/>
           </a:p>
@@ -2741,7 +2741,7 @@
           <a:p>
             <a:fld id="{346656DA-8ADC-4140-8391-C5372C970DDA}" type="datetime1">
               <a:rPr lang="ru-RU" smtClean="0"/>
-              <a:t>05.10.2025</a:t>
+              <a:t>11.10.2025</a:t>
             </a:fld>
             <a:endParaRPr lang="ru-RU"/>
           </a:p>
@@ -2957,7 +2957,7 @@
           <a:p>
             <a:fld id="{B547DFDD-7F61-483E-A380-F061898845E2}" type="datetime1">
               <a:rPr lang="ru-RU" smtClean="0"/>
-              <a:t>05.10.2025</a:t>
+              <a:t>11.10.2025</a:t>
             </a:fld>
             <a:endParaRPr lang="ru-RU"/>
           </a:p>
@@ -4357,8 +4357,8 @@
         </p:nvSpPr>
         <p:spPr>
           <a:xfrm>
-            <a:off x="1729359" y="277123"/>
-            <a:ext cx="5685282" cy="1477328"/>
+            <a:off x="1729359" y="567269"/>
+            <a:ext cx="5685282" cy="2308324"/>
           </a:xfrm>
           <a:prstGeom prst="rect">
             <a:avLst/>
@@ -4404,7 +4404,28 @@
                 <a:latin typeface="Times New Roman" panose="02020603050405020304" pitchFamily="18" charset="0"/>
                 <a:ea typeface="Times New Roman" panose="02020603050405020304" pitchFamily="18" charset="0"/>
               </a:rPr>
-              <a:t>процесса заполнения журнала обучения преподавателями ОГУ имени И.С. Тургенева для прекращения использования бумажного носителя.</a:t>
+              <a:t>процесса заполнения журнала обучения преподавателями ОГУ имени И.С. Тургенева для прекращения использования бумажного носителя</a:t>
+            </a:r>
+            <a:r>
+              <a:rPr lang="ru-RU" dirty="0" smtClean="0">
+                <a:latin typeface="Times New Roman" panose="02020603050405020304" pitchFamily="18" charset="0"/>
+                <a:ea typeface="Times New Roman" panose="02020603050405020304" pitchFamily="18" charset="0"/>
+              </a:rPr>
+              <a:t>. Добавление троичной логики, </a:t>
+            </a:r>
+            <a:r>
+              <a:rPr lang="ru-RU" dirty="0" err="1" smtClean="0">
+                <a:latin typeface="Times New Roman" panose="02020603050405020304" pitchFamily="18" charset="0"/>
+                <a:ea typeface="Times New Roman" panose="02020603050405020304" pitchFamily="18" charset="0"/>
+              </a:rPr>
+              <a:t>логирования</a:t>
+            </a:r>
+            <a:r>
+              <a:rPr lang="ru-RU" dirty="0" smtClean="0">
+                <a:latin typeface="Times New Roman" panose="02020603050405020304" pitchFamily="18" charset="0"/>
+                <a:ea typeface="Times New Roman" panose="02020603050405020304" pitchFamily="18" charset="0"/>
+              </a:rPr>
+              <a:t> событий, страницы с актуальным на данный момент времени занятием.</a:t>
             </a:r>
             <a:endParaRPr lang="ru-RU" dirty="0"/>
           </a:p>
@@ -4418,8 +4439,8 @@
         </p:nvSpPr>
         <p:spPr>
           <a:xfrm>
-            <a:off x="1729359" y="1644506"/>
-            <a:ext cx="5685282" cy="4708981"/>
+            <a:off x="1729359" y="3184186"/>
+            <a:ext cx="5685282" cy="3108543"/>
           </a:xfrm>
           <a:prstGeom prst="rect">
             <a:avLst/>
@@ -4431,11 +4452,7 @@
           </a:bodyPr>
           <a:lstStyle/>
           <a:p>
-            <a:pPr indent="337652" algn="just">
-              <a:lnSpc>
-                <a:spcPct val="150000"/>
-              </a:lnSpc>
-            </a:pPr>
+            <a:pPr indent="337652" algn="just"/>
             <a:r>
               <a:rPr lang="ru-RU" b="1" dirty="0">
                 <a:latin typeface="Times New Roman" panose="02020603050405020304" pitchFamily="18" charset="0"/>
@@ -4453,9 +4470,6 @@
           </a:p>
           <a:p>
             <a:pPr marL="257168" indent="-257168" algn="just">
-              <a:lnSpc>
-                <a:spcPct val="150000"/>
-              </a:lnSpc>
               <a:buFont typeface="+mj-lt"/>
               <a:buAutoNum type="arabicPeriod"/>
             </a:pPr>
@@ -4469,9 +4483,6 @@
           </a:p>
           <a:p>
             <a:pPr marL="257168" indent="-257168" algn="just">
-              <a:lnSpc>
-                <a:spcPct val="150000"/>
-              </a:lnSpc>
               <a:buFont typeface="+mj-lt"/>
               <a:buAutoNum type="arabicPeriod"/>
             </a:pPr>
@@ -4499,9 +4510,6 @@
           </a:p>
           <a:p>
             <a:pPr marL="257168" indent="-257168" algn="just">
-              <a:lnSpc>
-                <a:spcPct val="150000"/>
-              </a:lnSpc>
               <a:buFont typeface="+mj-lt"/>
               <a:buAutoNum type="arabicPeriod"/>
             </a:pPr>
@@ -4515,9 +4523,6 @@
           </a:p>
           <a:p>
             <a:pPr marL="257168" indent="-257168" algn="just">
-              <a:lnSpc>
-                <a:spcPct val="150000"/>
-              </a:lnSpc>
               <a:buFont typeface="+mj-lt"/>
               <a:buAutoNum type="arabicPeriod"/>
             </a:pPr>
@@ -4531,9 +4536,6 @@
           </a:p>
           <a:p>
             <a:pPr marL="257168" indent="-257168" algn="just">
-              <a:lnSpc>
-                <a:spcPct val="150000"/>
-              </a:lnSpc>
               <a:buFont typeface="+mj-lt"/>
               <a:buAutoNum type="arabicPeriod"/>
             </a:pPr>
@@ -4693,14 +4695,7 @@
                 <a:latin typeface="Times New Roman" panose="02020603050405020304" pitchFamily="18" charset="0"/>
                 <a:ea typeface="Times New Roman" panose="02020603050405020304" pitchFamily="18" charset="0"/>
               </a:rPr>
-              <a:t>среды. </a:t>
-            </a:r>
-            <a:r>
-              <a:rPr lang="ru-RU" dirty="0" smtClean="0">
-                <a:latin typeface="Times New Roman" panose="02020603050405020304" pitchFamily="18" charset="0"/>
-                <a:ea typeface="Times New Roman" panose="02020603050405020304" pitchFamily="18" charset="0"/>
-              </a:rPr>
-              <a:t>Разработка новой подсистемы на основе существующей позволит полностью отказаться от бумажного носителя, в виду чего разработку можно считать актуальной.</a:t>
+              <a:t>среды. Разработка новой подсистемы на основе существующей позволит полностью отказаться от бумажного носителя, в виду чего разработку можно считать актуальной.</a:t>
             </a:r>
             <a:endParaRPr lang="ru-RU" dirty="0">
               <a:latin typeface="Times New Roman" panose="02020603050405020304" pitchFamily="18" charset="0"/>
@@ -4718,7 +4713,7 @@
         <p:spPr>
           <a:xfrm>
             <a:off x="4818184" y="1063869"/>
-            <a:ext cx="3903785" cy="1754326"/>
+            <a:ext cx="3903785" cy="3693319"/>
           </a:xfrm>
           <a:prstGeom prst="rect">
             <a:avLst/>
@@ -4743,21 +4738,42 @@
                 <a:latin typeface="Times New Roman" panose="02020603050405020304" pitchFamily="18" charset="0"/>
                 <a:ea typeface="Times New Roman" panose="02020603050405020304" pitchFamily="18" charset="0"/>
               </a:rPr>
-              <a:t>несоответствие</a:t>
+              <a:t>несоответствие существующей подсистемы контроля посещаемости и сдачи работ требованиям, необходимым для полного отказа от бумажного журнала посещаемости. В </a:t>
             </a:r>
             <a:r>
               <a:rPr lang="ru-RU" dirty="0" smtClean="0">
                 <a:latin typeface="Times New Roman" panose="02020603050405020304" pitchFamily="18" charset="0"/>
                 <a:ea typeface="Times New Roman" panose="02020603050405020304" pitchFamily="18" charset="0"/>
               </a:rPr>
-              <a:t> существующей подсистемы контроля посещаемости и сдачи работ требованиям, необходимым для полного отказа от бумажного журнала посещаемости</a:t>
+              <a:t>соответствии </a:t>
             </a:r>
             <a:r>
               <a:rPr lang="ru-RU" dirty="0" smtClean="0">
                 <a:latin typeface="Times New Roman" panose="02020603050405020304" pitchFamily="18" charset="0"/>
                 <a:ea typeface="Times New Roman" panose="02020603050405020304" pitchFamily="18" charset="0"/>
               </a:rPr>
-              <a:t>.</a:t>
+              <a:t>с распоряжением </a:t>
+            </a:r>
+            <a:r>
+              <a:rPr lang="ru-RU" dirty="0" err="1" smtClean="0">
+                <a:latin typeface="Times New Roman" panose="02020603050405020304" pitchFamily="18" charset="0"/>
+                <a:ea typeface="Times New Roman" panose="02020603050405020304" pitchFamily="18" charset="0"/>
+              </a:rPr>
+              <a:t>и.о</a:t>
+            </a:r>
+            <a:r>
+              <a:rPr lang="ru-RU" dirty="0" smtClean="0">
+                <a:latin typeface="Times New Roman" panose="02020603050405020304" pitchFamily="18" charset="0"/>
+                <a:ea typeface="Times New Roman" panose="02020603050405020304" pitchFamily="18" charset="0"/>
+              </a:rPr>
+              <a:t>. ректора ОГУ от 10.02.2025 </a:t>
+            </a:r>
+            <a:r>
+              <a:rPr lang="ru-RU" dirty="0" smtClean="0">
+                <a:latin typeface="Times New Roman" panose="02020603050405020304" pitchFamily="18" charset="0"/>
+                <a:ea typeface="Times New Roman" panose="02020603050405020304" pitchFamily="18" charset="0"/>
+              </a:rPr>
+              <a:t>и просьбами пользователей необходимо контролировать своевременность заполнения журнала, иметь доступ к аналитическим данным и ускорить процесс заполнения.</a:t>
             </a:r>
             <a:endParaRPr lang="ru-RU" dirty="0"/>
           </a:p>
@@ -5181,42 +5197,49 @@
           <p:nvPr>
             <p:extLst>
               <p:ext uri="{D42A27DB-BD31-4B8C-83A1-F6EECF244321}">
-                <p14:modId xmlns:p14="http://schemas.microsoft.com/office/powerpoint/2010/main" val="2906321311"/>
+                <p14:modId xmlns:p14="http://schemas.microsoft.com/office/powerpoint/2010/main" val="3159868142"/>
               </p:ext>
             </p:extLst>
           </p:nvPr>
         </p:nvGraphicFramePr>
         <p:xfrm>
-          <a:off x="1896037" y="556261"/>
-          <a:ext cx="5351929" cy="6187440"/>
+          <a:off x="535578" y="618567"/>
+          <a:ext cx="6949440" cy="5986946"/>
         </p:xfrm>
         <a:graphic>
           <a:graphicData uri="http://schemas.openxmlformats.org/drawingml/2006/table">
             <a:tbl>
               <a:tblPr firstRow="1" firstCol="1" bandRow="1"/>
               <a:tblGrid>
-                <a:gridCol w="1337850">
+                <a:gridCol w="1389668">
                   <a:extLst>
                     <a:ext uri="{9D8B030D-6E8A-4147-A177-3AD203B41FA5}">
                       <a16:colId xmlns:a16="http://schemas.microsoft.com/office/drawing/2014/main" val="3526716100"/>
                     </a:ext>
                   </a:extLst>
                 </a:gridCol>
-                <a:gridCol w="1337850">
+                <a:gridCol w="1389668">
                   <a:extLst>
                     <a:ext uri="{9D8B030D-6E8A-4147-A177-3AD203B41FA5}">
                       <a16:colId xmlns:a16="http://schemas.microsoft.com/office/drawing/2014/main" val="2546153467"/>
                     </a:ext>
                   </a:extLst>
                 </a:gridCol>
-                <a:gridCol w="1337850">
+                <a:gridCol w="1389668">
                   <a:extLst>
                     <a:ext uri="{9D8B030D-6E8A-4147-A177-3AD203B41FA5}">
                       <a16:colId xmlns:a16="http://schemas.microsoft.com/office/drawing/2014/main" val="3803525882"/>
                     </a:ext>
                   </a:extLst>
                 </a:gridCol>
-                <a:gridCol w="1338379">
+                <a:gridCol w="1390218">
+                  <a:extLst>
+                    <a:ext uri="{9D8B030D-6E8A-4147-A177-3AD203B41FA5}">
+                      <a16:colId xmlns:a16="http://schemas.microsoft.com/office/drawing/2014/main" val="770711497"/>
+                    </a:ext>
+                  </a:extLst>
+                </a:gridCol>
+                <a:gridCol w="1390218">
                   <a:extLst>
                     <a:ext uri="{9D8B030D-6E8A-4147-A177-3AD203B41FA5}">
                       <a16:colId xmlns:a16="http://schemas.microsoft.com/office/drawing/2014/main" val="3121759838"/>
@@ -5224,7 +5247,7 @@
                   </a:extLst>
                 </a:gridCol>
               </a:tblGrid>
-              <a:tr h="822631">
+              <a:tr h="586114">
                 <a:tc>
                   <a:txBody>
                     <a:bodyPr/>
@@ -5446,6 +5469,81 @@
                         </a:spcAft>
                       </a:pPr>
                       <a:r>
+                        <a:rPr lang="ru-RU" sz="1400" dirty="0" smtClean="0">
+                          <a:solidFill>
+                            <a:srgbClr val="000000"/>
+                          </a:solidFill>
+                          <a:effectLst/>
+                          <a:latin typeface="Times New Roman" panose="02020603050405020304" pitchFamily="18" charset="0"/>
+                          <a:ea typeface="Calibri" panose="020F0502020204030204" pitchFamily="34" charset="0"/>
+                          <a:cs typeface="Times New Roman" panose="02020603050405020304" pitchFamily="18" charset="0"/>
+                        </a:rPr>
+                        <a:t>Существующая система</a:t>
+                      </a:r>
+                      <a:endParaRPr lang="ru-RU" sz="1400" dirty="0">
+                        <a:solidFill>
+                          <a:srgbClr val="000000"/>
+                        </a:solidFill>
+                        <a:effectLst/>
+                        <a:latin typeface="Times New Roman" panose="02020603050405020304" pitchFamily="18" charset="0"/>
+                        <a:ea typeface="Calibri" panose="020F0502020204030204" pitchFamily="34" charset="0"/>
+                        <a:cs typeface="Times New Roman" panose="02020603050405020304" pitchFamily="18" charset="0"/>
+                      </a:endParaRPr>
+                    </a:p>
+                  </a:txBody>
+                  <a:tcPr marL="34534" marR="34534" marT="0" marB="0">
+                    <a:lnL w="12700" cap="flat" cmpd="sng" algn="ctr">
+                      <a:solidFill>
+                        <a:srgbClr val="000000"/>
+                      </a:solidFill>
+                      <a:prstDash val="solid"/>
+                      <a:round/>
+                      <a:headEnd type="none" w="med" len="med"/>
+                      <a:tailEnd type="none" w="med" len="med"/>
+                    </a:lnL>
+                    <a:lnR w="12700" cap="flat" cmpd="sng" algn="ctr">
+                      <a:solidFill>
+                        <a:srgbClr val="000000"/>
+                      </a:solidFill>
+                      <a:prstDash val="solid"/>
+                      <a:round/>
+                      <a:headEnd type="none" w="med" len="med"/>
+                      <a:tailEnd type="none" w="med" len="med"/>
+                    </a:lnR>
+                    <a:lnT w="12700" cap="flat" cmpd="sng" algn="ctr">
+                      <a:solidFill>
+                        <a:srgbClr val="000000"/>
+                      </a:solidFill>
+                      <a:prstDash val="solid"/>
+                      <a:round/>
+                      <a:headEnd type="none" w="med" len="med"/>
+                      <a:tailEnd type="none" w="med" len="med"/>
+                    </a:lnT>
+                    <a:lnB w="12700" cap="flat" cmpd="sng" algn="ctr">
+                      <a:solidFill>
+                        <a:srgbClr val="000000"/>
+                      </a:solidFill>
+                      <a:prstDash val="solid"/>
+                      <a:round/>
+                      <a:headEnd type="none" w="med" len="med"/>
+                      <a:tailEnd type="none" w="med" len="med"/>
+                    </a:lnB>
+                  </a:tcPr>
+                </a:tc>
+                <a:tc>
+                  <a:txBody>
+                    <a:bodyPr/>
+                    <a:lstStyle/>
+                    <a:p>
+                      <a:pPr indent="0" algn="ctr">
+                        <a:lnSpc>
+                          <a:spcPct val="100000"/>
+                        </a:lnSpc>
+                        <a:spcAft>
+                          <a:spcPts val="0"/>
+                        </a:spcAft>
+                      </a:pPr>
+                      <a:r>
                         <a:rPr lang="ru-RU" sz="1400" dirty="0">
                           <a:solidFill>
                             <a:srgbClr val="000000"/>
@@ -5504,7 +5602,7 @@
                   </a:ext>
                 </a:extLst>
               </a:tr>
-              <a:tr h="616973">
+              <a:tr h="439586">
                 <a:tc>
                   <a:txBody>
                     <a:bodyPr/>
@@ -5717,6 +5815,81 @@
                         </a:spcAft>
                       </a:pPr>
                       <a:r>
+                        <a:rPr lang="ru-RU" sz="2400" b="0" dirty="0" smtClean="0">
+                          <a:solidFill>
+                            <a:srgbClr val="000000"/>
+                          </a:solidFill>
+                          <a:effectLst/>
+                          <a:latin typeface="Times New Roman" panose="02020603050405020304" pitchFamily="18" charset="0"/>
+                          <a:ea typeface="Calibri" panose="020F0502020204030204" pitchFamily="34" charset="0"/>
+                          <a:cs typeface="Times New Roman" panose="02020603050405020304" pitchFamily="18" charset="0"/>
+                        </a:rPr>
+                        <a:t>+</a:t>
+                      </a:r>
+                      <a:endParaRPr lang="ru-RU" sz="2400" b="0" dirty="0">
+                        <a:solidFill>
+                          <a:srgbClr val="000000"/>
+                        </a:solidFill>
+                        <a:effectLst/>
+                        <a:latin typeface="Times New Roman" panose="02020603050405020304" pitchFamily="18" charset="0"/>
+                        <a:ea typeface="Calibri" panose="020F0502020204030204" pitchFamily="34" charset="0"/>
+                        <a:cs typeface="Times New Roman" panose="02020603050405020304" pitchFamily="18" charset="0"/>
+                      </a:endParaRPr>
+                    </a:p>
+                  </a:txBody>
+                  <a:tcPr marL="34534" marR="34534" marT="0" marB="0" anchor="ctr">
+                    <a:lnL w="12700" cap="flat" cmpd="sng" algn="ctr">
+                      <a:solidFill>
+                        <a:srgbClr val="000000"/>
+                      </a:solidFill>
+                      <a:prstDash val="solid"/>
+                      <a:round/>
+                      <a:headEnd type="none" w="med" len="med"/>
+                      <a:tailEnd type="none" w="med" len="med"/>
+                    </a:lnL>
+                    <a:lnR w="12700" cap="flat" cmpd="sng" algn="ctr">
+                      <a:solidFill>
+                        <a:srgbClr val="000000"/>
+                      </a:solidFill>
+                      <a:prstDash val="solid"/>
+                      <a:round/>
+                      <a:headEnd type="none" w="med" len="med"/>
+                      <a:tailEnd type="none" w="med" len="med"/>
+                    </a:lnR>
+                    <a:lnT w="12700" cap="flat" cmpd="sng" algn="ctr">
+                      <a:solidFill>
+                        <a:srgbClr val="000000"/>
+                      </a:solidFill>
+                      <a:prstDash val="solid"/>
+                      <a:round/>
+                      <a:headEnd type="none" w="med" len="med"/>
+                      <a:tailEnd type="none" w="med" len="med"/>
+                    </a:lnT>
+                    <a:lnB w="12700" cap="flat" cmpd="sng" algn="ctr">
+                      <a:solidFill>
+                        <a:srgbClr val="000000"/>
+                      </a:solidFill>
+                      <a:prstDash val="solid"/>
+                      <a:round/>
+                      <a:headEnd type="none" w="med" len="med"/>
+                      <a:tailEnd type="none" w="med" len="med"/>
+                    </a:lnB>
+                  </a:tcPr>
+                </a:tc>
+                <a:tc>
+                  <a:txBody>
+                    <a:bodyPr/>
+                    <a:lstStyle/>
+                    <a:p>
+                      <a:pPr indent="0" algn="ctr">
+                        <a:lnSpc>
+                          <a:spcPct val="100000"/>
+                        </a:lnSpc>
+                        <a:spcAft>
+                          <a:spcPts val="0"/>
+                        </a:spcAft>
+                      </a:pPr>
+                      <a:r>
                         <a:rPr lang="ru-RU" sz="2400" b="0">
                           <a:solidFill>
                             <a:srgbClr val="000000"/>
@@ -5775,7 +5948,7 @@
                   </a:ext>
                 </a:extLst>
               </a:tr>
-              <a:tr h="616973">
+              <a:tr h="439586">
                 <a:tc>
                   <a:txBody>
                     <a:bodyPr/>
@@ -5988,6 +6161,81 @@
                         </a:spcAft>
                       </a:pPr>
                       <a:r>
+                        <a:rPr lang="ru-RU" sz="2400" b="0" dirty="0" smtClean="0">
+                          <a:solidFill>
+                            <a:srgbClr val="000000"/>
+                          </a:solidFill>
+                          <a:effectLst/>
+                          <a:latin typeface="Times New Roman" panose="02020603050405020304" pitchFamily="18" charset="0"/>
+                          <a:ea typeface="Calibri" panose="020F0502020204030204" pitchFamily="34" charset="0"/>
+                          <a:cs typeface="Times New Roman" panose="02020603050405020304" pitchFamily="18" charset="0"/>
+                        </a:rPr>
+                        <a:t>+</a:t>
+                      </a:r>
+                      <a:endParaRPr lang="ru-RU" sz="2400" b="0" dirty="0">
+                        <a:solidFill>
+                          <a:srgbClr val="000000"/>
+                        </a:solidFill>
+                        <a:effectLst/>
+                        <a:latin typeface="Times New Roman" panose="02020603050405020304" pitchFamily="18" charset="0"/>
+                        <a:ea typeface="Calibri" panose="020F0502020204030204" pitchFamily="34" charset="0"/>
+                        <a:cs typeface="Times New Roman" panose="02020603050405020304" pitchFamily="18" charset="0"/>
+                      </a:endParaRPr>
+                    </a:p>
+                  </a:txBody>
+                  <a:tcPr marL="34534" marR="34534" marT="0" marB="0" anchor="ctr">
+                    <a:lnL w="12700" cap="flat" cmpd="sng" algn="ctr">
+                      <a:solidFill>
+                        <a:srgbClr val="000000"/>
+                      </a:solidFill>
+                      <a:prstDash val="solid"/>
+                      <a:round/>
+                      <a:headEnd type="none" w="med" len="med"/>
+                      <a:tailEnd type="none" w="med" len="med"/>
+                    </a:lnL>
+                    <a:lnR w="12700" cap="flat" cmpd="sng" algn="ctr">
+                      <a:solidFill>
+                        <a:srgbClr val="000000"/>
+                      </a:solidFill>
+                      <a:prstDash val="solid"/>
+                      <a:round/>
+                      <a:headEnd type="none" w="med" len="med"/>
+                      <a:tailEnd type="none" w="med" len="med"/>
+                    </a:lnR>
+                    <a:lnT w="12700" cap="flat" cmpd="sng" algn="ctr">
+                      <a:solidFill>
+                        <a:srgbClr val="000000"/>
+                      </a:solidFill>
+                      <a:prstDash val="solid"/>
+                      <a:round/>
+                      <a:headEnd type="none" w="med" len="med"/>
+                      <a:tailEnd type="none" w="med" len="med"/>
+                    </a:lnT>
+                    <a:lnB w="12700" cap="flat" cmpd="sng" algn="ctr">
+                      <a:solidFill>
+                        <a:srgbClr val="000000"/>
+                      </a:solidFill>
+                      <a:prstDash val="solid"/>
+                      <a:round/>
+                      <a:headEnd type="none" w="med" len="med"/>
+                      <a:tailEnd type="none" w="med" len="med"/>
+                    </a:lnB>
+                  </a:tcPr>
+                </a:tc>
+                <a:tc>
+                  <a:txBody>
+                    <a:bodyPr/>
+                    <a:lstStyle/>
+                    <a:p>
+                      <a:pPr indent="0" algn="ctr">
+                        <a:lnSpc>
+                          <a:spcPct val="100000"/>
+                        </a:lnSpc>
+                        <a:spcAft>
+                          <a:spcPts val="0"/>
+                        </a:spcAft>
+                      </a:pPr>
+                      <a:r>
                         <a:rPr lang="ru-RU" sz="2400" b="0">
                           <a:solidFill>
                             <a:srgbClr val="000000"/>
@@ -6046,7 +6294,7 @@
                   </a:ext>
                 </a:extLst>
               </a:tr>
-              <a:tr h="616973">
+              <a:tr h="439586">
                 <a:tc>
                   <a:txBody>
                     <a:bodyPr/>
@@ -6070,11 +6318,77 @@
                           <a:ea typeface="Calibri" panose="020F0502020204030204" pitchFamily="34" charset="0"/>
                           <a:cs typeface="Times New Roman" panose="02020603050405020304" pitchFamily="18" charset="0"/>
                         </a:rPr>
-                        <a:t>Доступ с использованием сети Интернет</a:t>
+                        <a:t>Проставление отметок о сдаче работ</a:t>
                       </a:r>
                     </a:p>
                   </a:txBody>
                   <a:tcPr marL="34534" marR="34534" marT="0" marB="0">
+                    <a:lnL w="12700" cap="flat" cmpd="sng" algn="ctr">
+                      <a:solidFill>
+                        <a:srgbClr val="000000"/>
+                      </a:solidFill>
+                      <a:prstDash val="solid"/>
+                      <a:round/>
+                      <a:headEnd type="none" w="med" len="med"/>
+                      <a:tailEnd type="none" w="med" len="med"/>
+                    </a:lnL>
+                    <a:lnR w="12700" cap="flat" cmpd="sng" algn="ctr">
+                      <a:solidFill>
+                        <a:srgbClr val="000000"/>
+                      </a:solidFill>
+                      <a:prstDash val="solid"/>
+                      <a:round/>
+                      <a:headEnd type="none" w="med" len="med"/>
+                      <a:tailEnd type="none" w="med" len="med"/>
+                    </a:lnR>
+                    <a:lnT w="12700" cap="flat" cmpd="sng" algn="ctr">
+                      <a:solidFill>
+                        <a:srgbClr val="000000"/>
+                      </a:solidFill>
+                      <a:prstDash val="solid"/>
+                      <a:round/>
+                      <a:headEnd type="none" w="med" len="med"/>
+                      <a:tailEnd type="none" w="med" len="med"/>
+                    </a:lnT>
+                    <a:lnB w="12700" cap="flat" cmpd="sng" algn="ctr">
+                      <a:solidFill>
+                        <a:srgbClr val="000000"/>
+                      </a:solidFill>
+                      <a:prstDash val="solid"/>
+                      <a:round/>
+                      <a:headEnd type="none" w="med" len="med"/>
+                      <a:tailEnd type="none" w="med" len="med"/>
+                    </a:lnB>
+                  </a:tcPr>
+                </a:tc>
+                <a:tc>
+                  <a:txBody>
+                    <a:bodyPr/>
+                    <a:lstStyle/>
+                    <a:p>
+                      <a:pPr indent="0" algn="ctr">
+                        <a:lnSpc>
+                          <a:spcPct val="100000"/>
+                        </a:lnSpc>
+                        <a:spcAft>
+                          <a:spcPts val="0"/>
+                        </a:spcAft>
+                      </a:pPr>
+                      <a:r>
+                        <a:rPr lang="ru-RU" sz="2400" b="0">
+                          <a:solidFill>
+                            <a:srgbClr val="000000"/>
+                          </a:solidFill>
+                          <a:effectLst/>
+                          <a:latin typeface="Times New Roman" panose="02020603050405020304" pitchFamily="18" charset="0"/>
+                          <a:ea typeface="Calibri" panose="020F0502020204030204" pitchFamily="34" charset="0"/>
+                          <a:cs typeface="Times New Roman" panose="02020603050405020304" pitchFamily="18" charset="0"/>
+                        </a:rPr>
+                        <a:t>-</a:t>
+                      </a:r>
+                    </a:p>
+                  </a:txBody>
+                  <a:tcPr marL="34534" marR="34534" marT="0" marB="0" anchor="ctr">
                     <a:lnL w="12700" cap="flat" cmpd="sng" algn="ctr">
                       <a:solidFill>
                         <a:srgbClr val="000000"/>
@@ -6193,7 +6507,7 @@
                         </a:spcAft>
                       </a:pPr>
                       <a:r>
-                        <a:rPr lang="ru-RU" sz="2400" b="0" dirty="0">
+                        <a:rPr lang="ru-RU" sz="2400" b="0" dirty="0" smtClean="0">
                           <a:solidFill>
                             <a:srgbClr val="000000"/>
                           </a:solidFill>
@@ -6204,6 +6518,15 @@
                         </a:rPr>
                         <a:t>+</a:t>
                       </a:r>
+                      <a:endParaRPr lang="ru-RU" sz="2400" b="0" dirty="0">
+                        <a:solidFill>
+                          <a:srgbClr val="000000"/>
+                        </a:solidFill>
+                        <a:effectLst/>
+                        <a:latin typeface="Times New Roman" panose="02020603050405020304" pitchFamily="18" charset="0"/>
+                        <a:ea typeface="Calibri" panose="020F0502020204030204" pitchFamily="34" charset="0"/>
+                        <a:cs typeface="Times New Roman" panose="02020603050405020304" pitchFamily="18" charset="0"/>
+                      </a:endParaRPr>
                     </a:p>
                   </a:txBody>
                   <a:tcPr marL="34534" marR="34534" marT="0" marB="0" anchor="ctr">
@@ -6313,282 +6636,11 @@
                 </a:tc>
                 <a:extLst>
                   <a:ext uri="{0D108BD9-81ED-4DB2-BD59-A6C34878D82A}">
-                    <a16:rowId xmlns:a16="http://schemas.microsoft.com/office/drawing/2014/main" val="931581044"/>
-                  </a:ext>
-                </a:extLst>
-              </a:tr>
-              <a:tr h="616973">
-                <a:tc>
-                  <a:txBody>
-                    <a:bodyPr/>
-                    <a:lstStyle/>
-                    <a:p>
-                      <a:pPr indent="0" algn="l">
-                        <a:lnSpc>
-                          <a:spcPct val="100000"/>
-                        </a:lnSpc>
-                        <a:spcAft>
-                          <a:spcPts val="0"/>
-                        </a:spcAft>
-                      </a:pPr>
-                      <a:r>
-                        <a:rPr lang="ru-RU" sz="1400" dirty="0">
-                          <a:solidFill>
-                            <a:srgbClr val="000000"/>
-                          </a:solidFill>
-                          <a:effectLst/>
-                          <a:latin typeface="Times New Roman" panose="02020603050405020304" pitchFamily="18" charset="0"/>
-                          <a:ea typeface="Calibri" panose="020F0502020204030204" pitchFamily="34" charset="0"/>
-                          <a:cs typeface="Times New Roman" panose="02020603050405020304" pitchFamily="18" charset="0"/>
-                        </a:rPr>
-                        <a:t>Проставление отметок о сдаче работ</a:t>
-                      </a:r>
-                    </a:p>
-                  </a:txBody>
-                  <a:tcPr marL="34534" marR="34534" marT="0" marB="0">
-                    <a:lnL w="12700" cap="flat" cmpd="sng" algn="ctr">
-                      <a:solidFill>
-                        <a:srgbClr val="000000"/>
-                      </a:solidFill>
-                      <a:prstDash val="solid"/>
-                      <a:round/>
-                      <a:headEnd type="none" w="med" len="med"/>
-                      <a:tailEnd type="none" w="med" len="med"/>
-                    </a:lnL>
-                    <a:lnR w="12700" cap="flat" cmpd="sng" algn="ctr">
-                      <a:solidFill>
-                        <a:srgbClr val="000000"/>
-                      </a:solidFill>
-                      <a:prstDash val="solid"/>
-                      <a:round/>
-                      <a:headEnd type="none" w="med" len="med"/>
-                      <a:tailEnd type="none" w="med" len="med"/>
-                    </a:lnR>
-                    <a:lnT w="12700" cap="flat" cmpd="sng" algn="ctr">
-                      <a:solidFill>
-                        <a:srgbClr val="000000"/>
-                      </a:solidFill>
-                      <a:prstDash val="solid"/>
-                      <a:round/>
-                      <a:headEnd type="none" w="med" len="med"/>
-                      <a:tailEnd type="none" w="med" len="med"/>
-                    </a:lnT>
-                    <a:lnB w="12700" cap="flat" cmpd="sng" algn="ctr">
-                      <a:solidFill>
-                        <a:srgbClr val="000000"/>
-                      </a:solidFill>
-                      <a:prstDash val="solid"/>
-                      <a:round/>
-                      <a:headEnd type="none" w="med" len="med"/>
-                      <a:tailEnd type="none" w="med" len="med"/>
-                    </a:lnB>
-                  </a:tcPr>
-                </a:tc>
-                <a:tc>
-                  <a:txBody>
-                    <a:bodyPr/>
-                    <a:lstStyle/>
-                    <a:p>
-                      <a:pPr indent="0" algn="ctr">
-                        <a:lnSpc>
-                          <a:spcPct val="100000"/>
-                        </a:lnSpc>
-                        <a:spcAft>
-                          <a:spcPts val="0"/>
-                        </a:spcAft>
-                      </a:pPr>
-                      <a:r>
-                        <a:rPr lang="ru-RU" sz="2400" b="0">
-                          <a:solidFill>
-                            <a:srgbClr val="000000"/>
-                          </a:solidFill>
-                          <a:effectLst/>
-                          <a:latin typeface="Times New Roman" panose="02020603050405020304" pitchFamily="18" charset="0"/>
-                          <a:ea typeface="Calibri" panose="020F0502020204030204" pitchFamily="34" charset="0"/>
-                          <a:cs typeface="Times New Roman" panose="02020603050405020304" pitchFamily="18" charset="0"/>
-                        </a:rPr>
-                        <a:t>-</a:t>
-                      </a:r>
-                    </a:p>
-                  </a:txBody>
-                  <a:tcPr marL="34534" marR="34534" marT="0" marB="0" anchor="ctr">
-                    <a:lnL w="12700" cap="flat" cmpd="sng" algn="ctr">
-                      <a:solidFill>
-                        <a:srgbClr val="000000"/>
-                      </a:solidFill>
-                      <a:prstDash val="solid"/>
-                      <a:round/>
-                      <a:headEnd type="none" w="med" len="med"/>
-                      <a:tailEnd type="none" w="med" len="med"/>
-                    </a:lnL>
-                    <a:lnR w="12700" cap="flat" cmpd="sng" algn="ctr">
-                      <a:solidFill>
-                        <a:srgbClr val="000000"/>
-                      </a:solidFill>
-                      <a:prstDash val="solid"/>
-                      <a:round/>
-                      <a:headEnd type="none" w="med" len="med"/>
-                      <a:tailEnd type="none" w="med" len="med"/>
-                    </a:lnR>
-                    <a:lnT w="12700" cap="flat" cmpd="sng" algn="ctr">
-                      <a:solidFill>
-                        <a:srgbClr val="000000"/>
-                      </a:solidFill>
-                      <a:prstDash val="solid"/>
-                      <a:round/>
-                      <a:headEnd type="none" w="med" len="med"/>
-                      <a:tailEnd type="none" w="med" len="med"/>
-                    </a:lnT>
-                    <a:lnB w="12700" cap="flat" cmpd="sng" algn="ctr">
-                      <a:solidFill>
-                        <a:srgbClr val="000000"/>
-                      </a:solidFill>
-                      <a:prstDash val="solid"/>
-                      <a:round/>
-                      <a:headEnd type="none" w="med" len="med"/>
-                      <a:tailEnd type="none" w="med" len="med"/>
-                    </a:lnB>
-                  </a:tcPr>
-                </a:tc>
-                <a:tc>
-                  <a:txBody>
-                    <a:bodyPr/>
-                    <a:lstStyle/>
-                    <a:p>
-                      <a:pPr indent="0" algn="ctr">
-                        <a:lnSpc>
-                          <a:spcPct val="100000"/>
-                        </a:lnSpc>
-                        <a:spcAft>
-                          <a:spcPts val="0"/>
-                        </a:spcAft>
-                      </a:pPr>
-                      <a:r>
-                        <a:rPr lang="ru-RU" sz="2400" b="0" dirty="0">
-                          <a:solidFill>
-                            <a:srgbClr val="000000"/>
-                          </a:solidFill>
-                          <a:effectLst/>
-                          <a:latin typeface="Times New Roman" panose="02020603050405020304" pitchFamily="18" charset="0"/>
-                          <a:ea typeface="Calibri" panose="020F0502020204030204" pitchFamily="34" charset="0"/>
-                          <a:cs typeface="Times New Roman" panose="02020603050405020304" pitchFamily="18" charset="0"/>
-                        </a:rPr>
-                        <a:t>+</a:t>
-                      </a:r>
-                    </a:p>
-                  </a:txBody>
-                  <a:tcPr marL="34534" marR="34534" marT="0" marB="0" anchor="ctr">
-                    <a:lnL w="12700" cap="flat" cmpd="sng" algn="ctr">
-                      <a:solidFill>
-                        <a:srgbClr val="000000"/>
-                      </a:solidFill>
-                      <a:prstDash val="solid"/>
-                      <a:round/>
-                      <a:headEnd type="none" w="med" len="med"/>
-                      <a:tailEnd type="none" w="med" len="med"/>
-                    </a:lnL>
-                    <a:lnR w="12700" cap="flat" cmpd="sng" algn="ctr">
-                      <a:solidFill>
-                        <a:srgbClr val="000000"/>
-                      </a:solidFill>
-                      <a:prstDash val="solid"/>
-                      <a:round/>
-                      <a:headEnd type="none" w="med" len="med"/>
-                      <a:tailEnd type="none" w="med" len="med"/>
-                    </a:lnR>
-                    <a:lnT w="12700" cap="flat" cmpd="sng" algn="ctr">
-                      <a:solidFill>
-                        <a:srgbClr val="000000"/>
-                      </a:solidFill>
-                      <a:prstDash val="solid"/>
-                      <a:round/>
-                      <a:headEnd type="none" w="med" len="med"/>
-                      <a:tailEnd type="none" w="med" len="med"/>
-                    </a:lnT>
-                    <a:lnB w="12700" cap="flat" cmpd="sng" algn="ctr">
-                      <a:solidFill>
-                        <a:srgbClr val="000000"/>
-                      </a:solidFill>
-                      <a:prstDash val="solid"/>
-                      <a:round/>
-                      <a:headEnd type="none" w="med" len="med"/>
-                      <a:tailEnd type="none" w="med" len="med"/>
-                    </a:lnB>
-                  </a:tcPr>
-                </a:tc>
-                <a:tc>
-                  <a:txBody>
-                    <a:bodyPr/>
-                    <a:lstStyle/>
-                    <a:p>
-                      <a:pPr indent="0" algn="ctr">
-                        <a:lnSpc>
-                          <a:spcPct val="100000"/>
-                        </a:lnSpc>
-                        <a:spcAft>
-                          <a:spcPts val="0"/>
-                        </a:spcAft>
-                      </a:pPr>
-                      <a:r>
-                        <a:rPr lang="ru-RU" sz="2400" b="0">
-                          <a:solidFill>
-                            <a:srgbClr val="000000"/>
-                          </a:solidFill>
-                          <a:effectLst/>
-                          <a:latin typeface="Times New Roman" panose="02020603050405020304" pitchFamily="18" charset="0"/>
-                          <a:ea typeface="Calibri" panose="020F0502020204030204" pitchFamily="34" charset="0"/>
-                          <a:cs typeface="Times New Roman" panose="02020603050405020304" pitchFamily="18" charset="0"/>
-                        </a:rPr>
-                        <a:t>+</a:t>
-                      </a:r>
-                    </a:p>
-                  </a:txBody>
-                  <a:tcPr marL="34534" marR="34534" marT="0" marB="0" anchor="ctr">
-                    <a:lnL w="12700" cap="flat" cmpd="sng" algn="ctr">
-                      <a:solidFill>
-                        <a:srgbClr val="000000"/>
-                      </a:solidFill>
-                      <a:prstDash val="solid"/>
-                      <a:round/>
-                      <a:headEnd type="none" w="med" len="med"/>
-                      <a:tailEnd type="none" w="med" len="med"/>
-                    </a:lnL>
-                    <a:lnR w="12700" cap="flat" cmpd="sng" algn="ctr">
-                      <a:solidFill>
-                        <a:srgbClr val="000000"/>
-                      </a:solidFill>
-                      <a:prstDash val="solid"/>
-                      <a:round/>
-                      <a:headEnd type="none" w="med" len="med"/>
-                      <a:tailEnd type="none" w="med" len="med"/>
-                    </a:lnR>
-                    <a:lnT w="12700" cap="flat" cmpd="sng" algn="ctr">
-                      <a:solidFill>
-                        <a:srgbClr val="000000"/>
-                      </a:solidFill>
-                      <a:prstDash val="solid"/>
-                      <a:round/>
-                      <a:headEnd type="none" w="med" len="med"/>
-                      <a:tailEnd type="none" w="med" len="med"/>
-                    </a:lnT>
-                    <a:lnB w="12700" cap="flat" cmpd="sng" algn="ctr">
-                      <a:solidFill>
-                        <a:srgbClr val="000000"/>
-                      </a:solidFill>
-                      <a:prstDash val="solid"/>
-                      <a:round/>
-                      <a:headEnd type="none" w="med" len="med"/>
-                      <a:tailEnd type="none" w="med" len="med"/>
-                    </a:lnB>
-                  </a:tcPr>
-                </a:tc>
-                <a:extLst>
-                  <a:ext uri="{0D108BD9-81ED-4DB2-BD59-A6C34878D82A}">
                     <a16:rowId xmlns:a16="http://schemas.microsoft.com/office/drawing/2014/main" val="879484880"/>
                   </a:ext>
                 </a:extLst>
               </a:tr>
-              <a:tr h="616973">
+              <a:tr h="439586">
                 <a:tc>
                   <a:txBody>
                     <a:bodyPr/>
@@ -6819,6 +6871,81 @@
                         </a:spcAft>
                       </a:pPr>
                       <a:r>
+                        <a:rPr lang="ru-RU" sz="2400" b="0" dirty="0" smtClean="0">
+                          <a:solidFill>
+                            <a:srgbClr val="000000"/>
+                          </a:solidFill>
+                          <a:effectLst/>
+                          <a:latin typeface="Times New Roman" panose="02020603050405020304" pitchFamily="18" charset="0"/>
+                          <a:ea typeface="Calibri" panose="020F0502020204030204" pitchFamily="34" charset="0"/>
+                          <a:cs typeface="Times New Roman" panose="02020603050405020304" pitchFamily="18" charset="0"/>
+                        </a:rPr>
+                        <a:t>+</a:t>
+                      </a:r>
+                      <a:endParaRPr lang="ru-RU" sz="2400" b="0" dirty="0">
+                        <a:solidFill>
+                          <a:srgbClr val="000000"/>
+                        </a:solidFill>
+                        <a:effectLst/>
+                        <a:latin typeface="Times New Roman" panose="02020603050405020304" pitchFamily="18" charset="0"/>
+                        <a:ea typeface="Calibri" panose="020F0502020204030204" pitchFamily="34" charset="0"/>
+                        <a:cs typeface="Times New Roman" panose="02020603050405020304" pitchFamily="18" charset="0"/>
+                      </a:endParaRPr>
+                    </a:p>
+                  </a:txBody>
+                  <a:tcPr marL="34534" marR="34534" marT="0" marB="0" anchor="ctr">
+                    <a:lnL w="12700" cap="flat" cmpd="sng" algn="ctr">
+                      <a:solidFill>
+                        <a:srgbClr val="000000"/>
+                      </a:solidFill>
+                      <a:prstDash val="solid"/>
+                      <a:round/>
+                      <a:headEnd type="none" w="med" len="med"/>
+                      <a:tailEnd type="none" w="med" len="med"/>
+                    </a:lnL>
+                    <a:lnR w="12700" cap="flat" cmpd="sng" algn="ctr">
+                      <a:solidFill>
+                        <a:srgbClr val="000000"/>
+                      </a:solidFill>
+                      <a:prstDash val="solid"/>
+                      <a:round/>
+                      <a:headEnd type="none" w="med" len="med"/>
+                      <a:tailEnd type="none" w="med" len="med"/>
+                    </a:lnR>
+                    <a:lnT w="12700" cap="flat" cmpd="sng" algn="ctr">
+                      <a:solidFill>
+                        <a:srgbClr val="000000"/>
+                      </a:solidFill>
+                      <a:prstDash val="solid"/>
+                      <a:round/>
+                      <a:headEnd type="none" w="med" len="med"/>
+                      <a:tailEnd type="none" w="med" len="med"/>
+                    </a:lnT>
+                    <a:lnB w="12700" cap="flat" cmpd="sng" algn="ctr">
+                      <a:solidFill>
+                        <a:srgbClr val="000000"/>
+                      </a:solidFill>
+                      <a:prstDash val="solid"/>
+                      <a:round/>
+                      <a:headEnd type="none" w="med" len="med"/>
+                      <a:tailEnd type="none" w="med" len="med"/>
+                    </a:lnB>
+                  </a:tcPr>
+                </a:tc>
+                <a:tc>
+                  <a:txBody>
+                    <a:bodyPr/>
+                    <a:lstStyle/>
+                    <a:p>
+                      <a:pPr indent="0" algn="ctr">
+                        <a:lnSpc>
+                          <a:spcPct val="100000"/>
+                        </a:lnSpc>
+                        <a:spcAft>
+                          <a:spcPts val="0"/>
+                        </a:spcAft>
+                      </a:pPr>
+                      <a:r>
                         <a:rPr lang="ru-RU" sz="2400" b="0" dirty="0">
                           <a:solidFill>
                             <a:srgbClr val="000000"/>
@@ -6877,7 +7004,7 @@
                   </a:ext>
                 </a:extLst>
               </a:tr>
-              <a:tr h="616973">
+              <a:tr h="439586">
                 <a:tc>
                   <a:txBody>
                     <a:bodyPr/>
@@ -7090,6 +7217,81 @@
                         </a:spcAft>
                       </a:pPr>
                       <a:r>
+                        <a:rPr lang="ru-RU" sz="2400" b="0" dirty="0" smtClean="0">
+                          <a:solidFill>
+                            <a:srgbClr val="000000"/>
+                          </a:solidFill>
+                          <a:effectLst/>
+                          <a:latin typeface="Times New Roman" panose="02020603050405020304" pitchFamily="18" charset="0"/>
+                          <a:ea typeface="Calibri" panose="020F0502020204030204" pitchFamily="34" charset="0"/>
+                          <a:cs typeface="Times New Roman" panose="02020603050405020304" pitchFamily="18" charset="0"/>
+                        </a:rPr>
+                        <a:t>+</a:t>
+                      </a:r>
+                      <a:endParaRPr lang="ru-RU" sz="2400" b="0" dirty="0">
+                        <a:solidFill>
+                          <a:srgbClr val="000000"/>
+                        </a:solidFill>
+                        <a:effectLst/>
+                        <a:latin typeface="Times New Roman" panose="02020603050405020304" pitchFamily="18" charset="0"/>
+                        <a:ea typeface="Calibri" panose="020F0502020204030204" pitchFamily="34" charset="0"/>
+                        <a:cs typeface="Times New Roman" panose="02020603050405020304" pitchFamily="18" charset="0"/>
+                      </a:endParaRPr>
+                    </a:p>
+                  </a:txBody>
+                  <a:tcPr marL="34534" marR="34534" marT="0" marB="0" anchor="ctr">
+                    <a:lnL w="12700" cap="flat" cmpd="sng" algn="ctr">
+                      <a:solidFill>
+                        <a:srgbClr val="000000"/>
+                      </a:solidFill>
+                      <a:prstDash val="solid"/>
+                      <a:round/>
+                      <a:headEnd type="none" w="med" len="med"/>
+                      <a:tailEnd type="none" w="med" len="med"/>
+                    </a:lnL>
+                    <a:lnR w="12700" cap="flat" cmpd="sng" algn="ctr">
+                      <a:solidFill>
+                        <a:srgbClr val="000000"/>
+                      </a:solidFill>
+                      <a:prstDash val="solid"/>
+                      <a:round/>
+                      <a:headEnd type="none" w="med" len="med"/>
+                      <a:tailEnd type="none" w="med" len="med"/>
+                    </a:lnR>
+                    <a:lnT w="12700" cap="flat" cmpd="sng" algn="ctr">
+                      <a:solidFill>
+                        <a:srgbClr val="000000"/>
+                      </a:solidFill>
+                      <a:prstDash val="solid"/>
+                      <a:round/>
+                      <a:headEnd type="none" w="med" len="med"/>
+                      <a:tailEnd type="none" w="med" len="med"/>
+                    </a:lnT>
+                    <a:lnB w="12700" cap="flat" cmpd="sng" algn="ctr">
+                      <a:solidFill>
+                        <a:srgbClr val="000000"/>
+                      </a:solidFill>
+                      <a:prstDash val="solid"/>
+                      <a:round/>
+                      <a:headEnd type="none" w="med" len="med"/>
+                      <a:tailEnd type="none" w="med" len="med"/>
+                    </a:lnB>
+                  </a:tcPr>
+                </a:tc>
+                <a:tc>
+                  <a:txBody>
+                    <a:bodyPr/>
+                    <a:lstStyle/>
+                    <a:p>
+                      <a:pPr indent="0" algn="ctr">
+                        <a:lnSpc>
+                          <a:spcPct val="100000"/>
+                        </a:lnSpc>
+                        <a:spcAft>
+                          <a:spcPts val="0"/>
+                        </a:spcAft>
+                      </a:pPr>
+                      <a:r>
                         <a:rPr lang="ru-RU" sz="2400" b="0" dirty="0">
                           <a:solidFill>
                             <a:srgbClr val="000000"/>
@@ -7148,7 +7350,7 @@
                   </a:ext>
                 </a:extLst>
               </a:tr>
-              <a:tr h="822631">
+              <a:tr h="586114">
                 <a:tc>
                   <a:txBody>
                     <a:bodyPr/>
@@ -7409,6 +7611,81 @@
                           <a:ea typeface="Calibri" panose="020F0502020204030204" pitchFamily="34" charset="0"/>
                           <a:cs typeface="Times New Roman" panose="02020603050405020304" pitchFamily="18" charset="0"/>
                         </a:rPr>
+                        <a:t>-</a:t>
+                      </a:r>
+                      <a:endParaRPr lang="ru-RU" sz="2400" b="0" dirty="0">
+                        <a:solidFill>
+                          <a:srgbClr val="000000"/>
+                        </a:solidFill>
+                        <a:effectLst/>
+                        <a:latin typeface="Times New Roman" panose="02020603050405020304" pitchFamily="18" charset="0"/>
+                        <a:ea typeface="Calibri" panose="020F0502020204030204" pitchFamily="34" charset="0"/>
+                        <a:cs typeface="Times New Roman" panose="02020603050405020304" pitchFamily="18" charset="0"/>
+                      </a:endParaRPr>
+                    </a:p>
+                  </a:txBody>
+                  <a:tcPr marL="34534" marR="34534" marT="0" marB="0" anchor="ctr">
+                    <a:lnL w="12700" cap="flat" cmpd="sng" algn="ctr">
+                      <a:solidFill>
+                        <a:srgbClr val="000000"/>
+                      </a:solidFill>
+                      <a:prstDash val="solid"/>
+                      <a:round/>
+                      <a:headEnd type="none" w="med" len="med"/>
+                      <a:tailEnd type="none" w="med" len="med"/>
+                    </a:lnL>
+                    <a:lnR w="12700" cap="flat" cmpd="sng" algn="ctr">
+                      <a:solidFill>
+                        <a:srgbClr val="000000"/>
+                      </a:solidFill>
+                      <a:prstDash val="solid"/>
+                      <a:round/>
+                      <a:headEnd type="none" w="med" len="med"/>
+                      <a:tailEnd type="none" w="med" len="med"/>
+                    </a:lnR>
+                    <a:lnT w="12700" cap="flat" cmpd="sng" algn="ctr">
+                      <a:solidFill>
+                        <a:srgbClr val="000000"/>
+                      </a:solidFill>
+                      <a:prstDash val="solid"/>
+                      <a:round/>
+                      <a:headEnd type="none" w="med" len="med"/>
+                      <a:tailEnd type="none" w="med" len="med"/>
+                    </a:lnT>
+                    <a:lnB w="12700" cap="flat" cmpd="sng" algn="ctr">
+                      <a:solidFill>
+                        <a:srgbClr val="000000"/>
+                      </a:solidFill>
+                      <a:prstDash val="solid"/>
+                      <a:round/>
+                      <a:headEnd type="none" w="med" len="med"/>
+                      <a:tailEnd type="none" w="med" len="med"/>
+                    </a:lnB>
+                  </a:tcPr>
+                </a:tc>
+                <a:tc>
+                  <a:txBody>
+                    <a:bodyPr/>
+                    <a:lstStyle/>
+                    <a:p>
+                      <a:pPr indent="0" algn="ctr">
+                        <a:lnSpc>
+                          <a:spcPct val="100000"/>
+                        </a:lnSpc>
+                        <a:spcAft>
+                          <a:spcPts val="0"/>
+                        </a:spcAft>
+                      </a:pPr>
+                      <a:r>
+                        <a:rPr lang="ru-RU" sz="2400" b="0" dirty="0" smtClean="0">
+                          <a:solidFill>
+                            <a:srgbClr val="000000"/>
+                          </a:solidFill>
+                          <a:effectLst/>
+                          <a:latin typeface="Times New Roman" panose="02020603050405020304" pitchFamily="18" charset="0"/>
+                          <a:ea typeface="Calibri" panose="020F0502020204030204" pitchFamily="34" charset="0"/>
+                          <a:cs typeface="Times New Roman" panose="02020603050405020304" pitchFamily="18" charset="0"/>
+                        </a:rPr>
                         <a:t>+</a:t>
                       </a:r>
                       <a:endParaRPr lang="ru-RU" sz="2400" b="0" dirty="0">
@@ -7467,7 +7744,7 @@
                   </a:ext>
                 </a:extLst>
               </a:tr>
-              <a:tr h="577773">
+              <a:tr h="439586">
                 <a:tc>
                   <a:txBody>
                     <a:bodyPr/>
@@ -7496,72 +7773,6 @@
                     </a:p>
                   </a:txBody>
                   <a:tcPr marL="34534" marR="34534" marT="0" marB="0">
-                    <a:lnL w="12700" cap="flat" cmpd="sng" algn="ctr">
-                      <a:solidFill>
-                        <a:srgbClr val="000000"/>
-                      </a:solidFill>
-                      <a:prstDash val="solid"/>
-                      <a:round/>
-                      <a:headEnd type="none" w="med" len="med"/>
-                      <a:tailEnd type="none" w="med" len="med"/>
-                    </a:lnL>
-                    <a:lnR w="12700" cap="flat" cmpd="sng" algn="ctr">
-                      <a:solidFill>
-                        <a:srgbClr val="000000"/>
-                      </a:solidFill>
-                      <a:prstDash val="solid"/>
-                      <a:round/>
-                      <a:headEnd type="none" w="med" len="med"/>
-                      <a:tailEnd type="none" w="med" len="med"/>
-                    </a:lnR>
-                    <a:lnT w="12700" cap="flat" cmpd="sng" algn="ctr">
-                      <a:solidFill>
-                        <a:srgbClr val="000000"/>
-                      </a:solidFill>
-                      <a:prstDash val="solid"/>
-                      <a:round/>
-                      <a:headEnd type="none" w="med" len="med"/>
-                      <a:tailEnd type="none" w="med" len="med"/>
-                    </a:lnT>
-                    <a:lnB w="12700" cap="flat" cmpd="sng" algn="ctr">
-                      <a:solidFill>
-                        <a:srgbClr val="000000"/>
-                      </a:solidFill>
-                      <a:prstDash val="solid"/>
-                      <a:round/>
-                      <a:headEnd type="none" w="med" len="med"/>
-                      <a:tailEnd type="none" w="med" len="med"/>
-                    </a:lnB>
-                  </a:tcPr>
-                </a:tc>
-                <a:tc>
-                  <a:txBody>
-                    <a:bodyPr/>
-                    <a:lstStyle/>
-                    <a:p>
-                      <a:pPr indent="0" algn="ctr">
-                        <a:lnSpc>
-                          <a:spcPct val="100000"/>
-                        </a:lnSpc>
-                        <a:spcAft>
-                          <a:spcPts val="0"/>
-                        </a:spcAft>
-                      </a:pPr>
-                      <a:r>
-                        <a:rPr lang="ru-RU" sz="2400" b="0">
-                          <a:solidFill>
-                            <a:srgbClr val="000000"/>
-                          </a:solidFill>
-                          <a:effectLst/>
-                          <a:latin typeface="Times New Roman" panose="02020603050405020304" pitchFamily="18" charset="0"/>
-                          <a:ea typeface="Calibri" panose="020F0502020204030204" pitchFamily="34" charset="0"/>
-                          <a:cs typeface="Times New Roman" panose="02020603050405020304" pitchFamily="18" charset="0"/>
-                        </a:rPr>
-                        <a:t>-</a:t>
-                      </a:r>
-                    </a:p>
-                  </a:txBody>
-                  <a:tcPr marL="34534" marR="34534" marT="0" marB="0" anchor="ctr">
                     <a:lnL w="12700" cap="flat" cmpd="sng" algn="ctr">
                       <a:solidFill>
                         <a:srgbClr val="000000"/>
@@ -7689,6 +7900,147 @@
                           <a:ea typeface="Calibri" panose="020F0502020204030204" pitchFamily="34" charset="0"/>
                           <a:cs typeface="Times New Roman" panose="02020603050405020304" pitchFamily="18" charset="0"/>
                         </a:rPr>
+                        <a:t>-</a:t>
+                      </a:r>
+                    </a:p>
+                  </a:txBody>
+                  <a:tcPr marL="34534" marR="34534" marT="0" marB="0" anchor="ctr">
+                    <a:lnL w="12700" cap="flat" cmpd="sng" algn="ctr">
+                      <a:solidFill>
+                        <a:srgbClr val="000000"/>
+                      </a:solidFill>
+                      <a:prstDash val="solid"/>
+                      <a:round/>
+                      <a:headEnd type="none" w="med" len="med"/>
+                      <a:tailEnd type="none" w="med" len="med"/>
+                    </a:lnL>
+                    <a:lnR w="12700" cap="flat" cmpd="sng" algn="ctr">
+                      <a:solidFill>
+                        <a:srgbClr val="000000"/>
+                      </a:solidFill>
+                      <a:prstDash val="solid"/>
+                      <a:round/>
+                      <a:headEnd type="none" w="med" len="med"/>
+                      <a:tailEnd type="none" w="med" len="med"/>
+                    </a:lnR>
+                    <a:lnT w="12700" cap="flat" cmpd="sng" algn="ctr">
+                      <a:solidFill>
+                        <a:srgbClr val="000000"/>
+                      </a:solidFill>
+                      <a:prstDash val="solid"/>
+                      <a:round/>
+                      <a:headEnd type="none" w="med" len="med"/>
+                      <a:tailEnd type="none" w="med" len="med"/>
+                    </a:lnT>
+                    <a:lnB w="12700" cap="flat" cmpd="sng" algn="ctr">
+                      <a:solidFill>
+                        <a:srgbClr val="000000"/>
+                      </a:solidFill>
+                      <a:prstDash val="solid"/>
+                      <a:round/>
+                      <a:headEnd type="none" w="med" len="med"/>
+                      <a:tailEnd type="none" w="med" len="med"/>
+                    </a:lnB>
+                  </a:tcPr>
+                </a:tc>
+                <a:tc>
+                  <a:txBody>
+                    <a:bodyPr/>
+                    <a:lstStyle/>
+                    <a:p>
+                      <a:pPr indent="0" algn="ctr">
+                        <a:lnSpc>
+                          <a:spcPct val="100000"/>
+                        </a:lnSpc>
+                        <a:spcAft>
+                          <a:spcPts val="0"/>
+                        </a:spcAft>
+                      </a:pPr>
+                      <a:r>
+                        <a:rPr lang="ru-RU" sz="2400" b="0" dirty="0" smtClean="0">
+                          <a:solidFill>
+                            <a:srgbClr val="000000"/>
+                          </a:solidFill>
+                          <a:effectLst/>
+                          <a:latin typeface="Times New Roman" panose="02020603050405020304" pitchFamily="18" charset="0"/>
+                          <a:ea typeface="Calibri" panose="020F0502020204030204" pitchFamily="34" charset="0"/>
+                          <a:cs typeface="Times New Roman" panose="02020603050405020304" pitchFamily="18" charset="0"/>
+                        </a:rPr>
+                        <a:t>+</a:t>
+                      </a:r>
+                      <a:endParaRPr lang="ru-RU" sz="2400" b="0" dirty="0">
+                        <a:solidFill>
+                          <a:srgbClr val="000000"/>
+                        </a:solidFill>
+                        <a:effectLst/>
+                        <a:latin typeface="Times New Roman" panose="02020603050405020304" pitchFamily="18" charset="0"/>
+                        <a:ea typeface="Calibri" panose="020F0502020204030204" pitchFamily="34" charset="0"/>
+                        <a:cs typeface="Times New Roman" panose="02020603050405020304" pitchFamily="18" charset="0"/>
+                      </a:endParaRPr>
+                    </a:p>
+                  </a:txBody>
+                  <a:tcPr marL="34534" marR="34534" marT="0" marB="0" anchor="ctr">
+                    <a:lnL w="12700" cap="flat" cmpd="sng" algn="ctr">
+                      <a:solidFill>
+                        <a:srgbClr val="000000"/>
+                      </a:solidFill>
+                      <a:prstDash val="solid"/>
+                      <a:round/>
+                      <a:headEnd type="none" w="med" len="med"/>
+                      <a:tailEnd type="none" w="med" len="med"/>
+                    </a:lnL>
+                    <a:lnR w="12700" cap="flat" cmpd="sng" algn="ctr">
+                      <a:solidFill>
+                        <a:srgbClr val="000000"/>
+                      </a:solidFill>
+                      <a:prstDash val="solid"/>
+                      <a:round/>
+                      <a:headEnd type="none" w="med" len="med"/>
+                      <a:tailEnd type="none" w="med" len="med"/>
+                    </a:lnR>
+                    <a:lnT w="12700" cap="flat" cmpd="sng" algn="ctr">
+                      <a:solidFill>
+                        <a:srgbClr val="000000"/>
+                      </a:solidFill>
+                      <a:prstDash val="solid"/>
+                      <a:round/>
+                      <a:headEnd type="none" w="med" len="med"/>
+                      <a:tailEnd type="none" w="med" len="med"/>
+                    </a:lnT>
+                    <a:lnB w="12700" cap="flat" cmpd="sng" algn="ctr">
+                      <a:solidFill>
+                        <a:srgbClr val="000000"/>
+                      </a:solidFill>
+                      <a:prstDash val="solid"/>
+                      <a:round/>
+                      <a:headEnd type="none" w="med" len="med"/>
+                      <a:tailEnd type="none" w="med" len="med"/>
+                    </a:lnB>
+                  </a:tcPr>
+                </a:tc>
+                <a:tc>
+                  <a:txBody>
+                    <a:bodyPr/>
+                    <a:lstStyle/>
+                    <a:p>
+                      <a:pPr indent="0" algn="ctr">
+                        <a:lnSpc>
+                          <a:spcPct val="100000"/>
+                        </a:lnSpc>
+                        <a:spcAft>
+                          <a:spcPts val="0"/>
+                        </a:spcAft>
+                      </a:pPr>
+                      <a:r>
+                        <a:rPr lang="ru-RU" sz="2400" b="0" dirty="0">
+                          <a:solidFill>
+                            <a:srgbClr val="000000"/>
+                          </a:solidFill>
+                          <a:effectLst/>
+                          <a:latin typeface="Times New Roman" panose="02020603050405020304" pitchFamily="18" charset="0"/>
+                          <a:ea typeface="Calibri" panose="020F0502020204030204" pitchFamily="34" charset="0"/>
+                          <a:cs typeface="Times New Roman" panose="02020603050405020304" pitchFamily="18" charset="0"/>
+                        </a:rPr>
                         <a:t>+</a:t>
                       </a:r>
                     </a:p>
@@ -7735,6 +8087,388 @@
                 <a:extLst>
                   <a:ext uri="{0D108BD9-81ED-4DB2-BD59-A6C34878D82A}">
                     <a16:rowId xmlns:a16="http://schemas.microsoft.com/office/drawing/2014/main" val="1918470140"/>
+                  </a:ext>
+                </a:extLst>
+              </a:tr>
+              <a:tr h="439586">
+                <a:tc>
+                  <a:txBody>
+                    <a:bodyPr/>
+                    <a:lstStyle/>
+                    <a:p>
+                      <a:pPr indent="0" algn="l">
+                        <a:lnSpc>
+                          <a:spcPct val="100000"/>
+                        </a:lnSpc>
+                        <a:spcAft>
+                          <a:spcPts val="0"/>
+                        </a:spcAft>
+                      </a:pPr>
+                      <a:r>
+                        <a:rPr lang="ru-RU" sz="1400" dirty="0" smtClean="0">
+                          <a:solidFill>
+                            <a:srgbClr val="000000"/>
+                          </a:solidFill>
+                          <a:effectLst/>
+                          <a:latin typeface="Times New Roman" panose="02020603050405020304" pitchFamily="18" charset="0"/>
+                          <a:ea typeface="Calibri" panose="020F0502020204030204" pitchFamily="34" charset="0"/>
+                          <a:cs typeface="Times New Roman" panose="02020603050405020304" pitchFamily="18" charset="0"/>
+                        </a:rPr>
+                        <a:t>Троичная логика</a:t>
+                      </a:r>
+                      <a:endParaRPr lang="ru-RU" sz="1400" dirty="0">
+                        <a:solidFill>
+                          <a:srgbClr val="000000"/>
+                        </a:solidFill>
+                        <a:effectLst/>
+                        <a:latin typeface="Times New Roman" panose="02020603050405020304" pitchFamily="18" charset="0"/>
+                        <a:ea typeface="Calibri" panose="020F0502020204030204" pitchFamily="34" charset="0"/>
+                        <a:cs typeface="Times New Roman" panose="02020603050405020304" pitchFamily="18" charset="0"/>
+                      </a:endParaRPr>
+                    </a:p>
+                  </a:txBody>
+                  <a:tcPr marL="34534" marR="34534" marT="0" marB="0">
+                    <a:lnL w="12700" cap="flat" cmpd="sng" algn="ctr">
+                      <a:solidFill>
+                        <a:srgbClr val="000000"/>
+                      </a:solidFill>
+                      <a:prstDash val="solid"/>
+                      <a:round/>
+                      <a:headEnd type="none" w="med" len="med"/>
+                      <a:tailEnd type="none" w="med" len="med"/>
+                    </a:lnL>
+                    <a:lnR w="12700" cap="flat" cmpd="sng" algn="ctr">
+                      <a:solidFill>
+                        <a:srgbClr val="000000"/>
+                      </a:solidFill>
+                      <a:prstDash val="solid"/>
+                      <a:round/>
+                      <a:headEnd type="none" w="med" len="med"/>
+                      <a:tailEnd type="none" w="med" len="med"/>
+                    </a:lnR>
+                    <a:lnT w="12700" cap="flat" cmpd="sng" algn="ctr">
+                      <a:solidFill>
+                        <a:srgbClr val="000000"/>
+                      </a:solidFill>
+                      <a:prstDash val="solid"/>
+                      <a:round/>
+                      <a:headEnd type="none" w="med" len="med"/>
+                      <a:tailEnd type="none" w="med" len="med"/>
+                    </a:lnT>
+                    <a:lnB w="12700" cap="flat" cmpd="sng" algn="ctr">
+                      <a:solidFill>
+                        <a:srgbClr val="000000"/>
+                      </a:solidFill>
+                      <a:prstDash val="solid"/>
+                      <a:round/>
+                      <a:headEnd type="none" w="med" len="med"/>
+                      <a:tailEnd type="none" w="med" len="med"/>
+                    </a:lnB>
+                  </a:tcPr>
+                </a:tc>
+                <a:tc>
+                  <a:txBody>
+                    <a:bodyPr/>
+                    <a:lstStyle/>
+                    <a:p>
+                      <a:pPr indent="0" algn="ctr">
+                        <a:lnSpc>
+                          <a:spcPct val="100000"/>
+                        </a:lnSpc>
+                        <a:spcAft>
+                          <a:spcPts val="0"/>
+                        </a:spcAft>
+                      </a:pPr>
+                      <a:r>
+                        <a:rPr lang="ru-RU" sz="2400" b="0" dirty="0" smtClean="0">
+                          <a:solidFill>
+                            <a:srgbClr val="000000"/>
+                          </a:solidFill>
+                          <a:effectLst/>
+                          <a:latin typeface="Times New Roman" panose="02020603050405020304" pitchFamily="18" charset="0"/>
+                          <a:ea typeface="Calibri" panose="020F0502020204030204" pitchFamily="34" charset="0"/>
+                          <a:cs typeface="Times New Roman" panose="02020603050405020304" pitchFamily="18" charset="0"/>
+                        </a:rPr>
+                        <a:t>-</a:t>
+                      </a:r>
+                      <a:endParaRPr lang="ru-RU" sz="2400" b="0" dirty="0">
+                        <a:solidFill>
+                          <a:srgbClr val="000000"/>
+                        </a:solidFill>
+                        <a:effectLst/>
+                        <a:latin typeface="Times New Roman" panose="02020603050405020304" pitchFamily="18" charset="0"/>
+                        <a:ea typeface="Calibri" panose="020F0502020204030204" pitchFamily="34" charset="0"/>
+                        <a:cs typeface="Times New Roman" panose="02020603050405020304" pitchFamily="18" charset="0"/>
+                      </a:endParaRPr>
+                    </a:p>
+                  </a:txBody>
+                  <a:tcPr marL="34534" marR="34534" marT="0" marB="0" anchor="ctr">
+                    <a:lnL w="12700" cap="flat" cmpd="sng" algn="ctr">
+                      <a:solidFill>
+                        <a:srgbClr val="000000"/>
+                      </a:solidFill>
+                      <a:prstDash val="solid"/>
+                      <a:round/>
+                      <a:headEnd type="none" w="med" len="med"/>
+                      <a:tailEnd type="none" w="med" len="med"/>
+                    </a:lnL>
+                    <a:lnR w="12700" cap="flat" cmpd="sng" algn="ctr">
+                      <a:solidFill>
+                        <a:srgbClr val="000000"/>
+                      </a:solidFill>
+                      <a:prstDash val="solid"/>
+                      <a:round/>
+                      <a:headEnd type="none" w="med" len="med"/>
+                      <a:tailEnd type="none" w="med" len="med"/>
+                    </a:lnR>
+                    <a:lnT w="12700" cap="flat" cmpd="sng" algn="ctr">
+                      <a:solidFill>
+                        <a:srgbClr val="000000"/>
+                      </a:solidFill>
+                      <a:prstDash val="solid"/>
+                      <a:round/>
+                      <a:headEnd type="none" w="med" len="med"/>
+                      <a:tailEnd type="none" w="med" len="med"/>
+                    </a:lnT>
+                    <a:lnB w="12700" cap="flat" cmpd="sng" algn="ctr">
+                      <a:solidFill>
+                        <a:srgbClr val="000000"/>
+                      </a:solidFill>
+                      <a:prstDash val="solid"/>
+                      <a:round/>
+                      <a:headEnd type="none" w="med" len="med"/>
+                      <a:tailEnd type="none" w="med" len="med"/>
+                    </a:lnB>
+                  </a:tcPr>
+                </a:tc>
+                <a:tc>
+                  <a:txBody>
+                    <a:bodyPr/>
+                    <a:lstStyle/>
+                    <a:p>
+                      <a:pPr indent="0" algn="ctr">
+                        <a:lnSpc>
+                          <a:spcPct val="100000"/>
+                        </a:lnSpc>
+                        <a:spcAft>
+                          <a:spcPts val="0"/>
+                        </a:spcAft>
+                      </a:pPr>
+                      <a:r>
+                        <a:rPr lang="ru-RU" sz="2400" b="0" dirty="0" smtClean="0">
+                          <a:solidFill>
+                            <a:srgbClr val="000000"/>
+                          </a:solidFill>
+                          <a:effectLst/>
+                          <a:latin typeface="Times New Roman" panose="02020603050405020304" pitchFamily="18" charset="0"/>
+                          <a:ea typeface="Calibri" panose="020F0502020204030204" pitchFamily="34" charset="0"/>
+                          <a:cs typeface="Times New Roman" panose="02020603050405020304" pitchFamily="18" charset="0"/>
+                        </a:rPr>
+                        <a:t>-</a:t>
+                      </a:r>
+                      <a:endParaRPr lang="ru-RU" sz="2400" b="0" dirty="0">
+                        <a:solidFill>
+                          <a:srgbClr val="000000"/>
+                        </a:solidFill>
+                        <a:effectLst/>
+                        <a:latin typeface="Times New Roman" panose="02020603050405020304" pitchFamily="18" charset="0"/>
+                        <a:ea typeface="Calibri" panose="020F0502020204030204" pitchFamily="34" charset="0"/>
+                        <a:cs typeface="Times New Roman" panose="02020603050405020304" pitchFamily="18" charset="0"/>
+                      </a:endParaRPr>
+                    </a:p>
+                  </a:txBody>
+                  <a:tcPr marL="34534" marR="34534" marT="0" marB="0" anchor="ctr">
+                    <a:lnL w="12700" cap="flat" cmpd="sng" algn="ctr">
+                      <a:solidFill>
+                        <a:srgbClr val="000000"/>
+                      </a:solidFill>
+                      <a:prstDash val="solid"/>
+                      <a:round/>
+                      <a:headEnd type="none" w="med" len="med"/>
+                      <a:tailEnd type="none" w="med" len="med"/>
+                    </a:lnL>
+                    <a:lnR w="12700" cap="flat" cmpd="sng" algn="ctr">
+                      <a:solidFill>
+                        <a:srgbClr val="000000"/>
+                      </a:solidFill>
+                      <a:prstDash val="solid"/>
+                      <a:round/>
+                      <a:headEnd type="none" w="med" len="med"/>
+                      <a:tailEnd type="none" w="med" len="med"/>
+                    </a:lnR>
+                    <a:lnT w="12700" cap="flat" cmpd="sng" algn="ctr">
+                      <a:solidFill>
+                        <a:srgbClr val="000000"/>
+                      </a:solidFill>
+                      <a:prstDash val="solid"/>
+                      <a:round/>
+                      <a:headEnd type="none" w="med" len="med"/>
+                      <a:tailEnd type="none" w="med" len="med"/>
+                    </a:lnT>
+                    <a:lnB w="12700" cap="flat" cmpd="sng" algn="ctr">
+                      <a:solidFill>
+                        <a:srgbClr val="000000"/>
+                      </a:solidFill>
+                      <a:prstDash val="solid"/>
+                      <a:round/>
+                      <a:headEnd type="none" w="med" len="med"/>
+                      <a:tailEnd type="none" w="med" len="med"/>
+                    </a:lnB>
+                  </a:tcPr>
+                </a:tc>
+                <a:tc>
+                  <a:txBody>
+                    <a:bodyPr/>
+                    <a:lstStyle/>
+                    <a:p>
+                      <a:pPr indent="0" algn="ctr">
+                        <a:lnSpc>
+                          <a:spcPct val="100000"/>
+                        </a:lnSpc>
+                        <a:spcAft>
+                          <a:spcPts val="0"/>
+                        </a:spcAft>
+                      </a:pPr>
+                      <a:r>
+                        <a:rPr lang="ru-RU" sz="2400" b="0" dirty="0" smtClean="0">
+                          <a:solidFill>
+                            <a:srgbClr val="000000"/>
+                          </a:solidFill>
+                          <a:effectLst/>
+                          <a:latin typeface="Times New Roman" panose="02020603050405020304" pitchFamily="18" charset="0"/>
+                          <a:ea typeface="Calibri" panose="020F0502020204030204" pitchFamily="34" charset="0"/>
+                          <a:cs typeface="Times New Roman" panose="02020603050405020304" pitchFamily="18" charset="0"/>
+                        </a:rPr>
+                        <a:t>-</a:t>
+                      </a:r>
+                      <a:endParaRPr lang="ru-RU" sz="2400" b="0" dirty="0">
+                        <a:solidFill>
+                          <a:srgbClr val="000000"/>
+                        </a:solidFill>
+                        <a:effectLst/>
+                        <a:latin typeface="Times New Roman" panose="02020603050405020304" pitchFamily="18" charset="0"/>
+                        <a:ea typeface="Calibri" panose="020F0502020204030204" pitchFamily="34" charset="0"/>
+                        <a:cs typeface="Times New Roman" panose="02020603050405020304" pitchFamily="18" charset="0"/>
+                      </a:endParaRPr>
+                    </a:p>
+                  </a:txBody>
+                  <a:tcPr marL="34534" marR="34534" marT="0" marB="0" anchor="ctr">
+                    <a:lnL w="12700" cap="flat" cmpd="sng" algn="ctr">
+                      <a:solidFill>
+                        <a:srgbClr val="000000"/>
+                      </a:solidFill>
+                      <a:prstDash val="solid"/>
+                      <a:round/>
+                      <a:headEnd type="none" w="med" len="med"/>
+                      <a:tailEnd type="none" w="med" len="med"/>
+                    </a:lnL>
+                    <a:lnR w="12700" cap="flat" cmpd="sng" algn="ctr">
+                      <a:solidFill>
+                        <a:srgbClr val="000000"/>
+                      </a:solidFill>
+                      <a:prstDash val="solid"/>
+                      <a:round/>
+                      <a:headEnd type="none" w="med" len="med"/>
+                      <a:tailEnd type="none" w="med" len="med"/>
+                    </a:lnR>
+                    <a:lnT w="12700" cap="flat" cmpd="sng" algn="ctr">
+                      <a:solidFill>
+                        <a:srgbClr val="000000"/>
+                      </a:solidFill>
+                      <a:prstDash val="solid"/>
+                      <a:round/>
+                      <a:headEnd type="none" w="med" len="med"/>
+                      <a:tailEnd type="none" w="med" len="med"/>
+                    </a:lnT>
+                    <a:lnB w="12700" cap="flat" cmpd="sng" algn="ctr">
+                      <a:solidFill>
+                        <a:srgbClr val="000000"/>
+                      </a:solidFill>
+                      <a:prstDash val="solid"/>
+                      <a:round/>
+                      <a:headEnd type="none" w="med" len="med"/>
+                      <a:tailEnd type="none" w="med" len="med"/>
+                    </a:lnB>
+                  </a:tcPr>
+                </a:tc>
+                <a:tc>
+                  <a:txBody>
+                    <a:bodyPr/>
+                    <a:lstStyle/>
+                    <a:p>
+                      <a:pPr indent="0" algn="ctr">
+                        <a:lnSpc>
+                          <a:spcPct val="100000"/>
+                        </a:lnSpc>
+                        <a:spcAft>
+                          <a:spcPts val="0"/>
+                        </a:spcAft>
+                      </a:pPr>
+                      <a:r>
+                        <a:rPr lang="ru-RU" sz="2400" b="0" dirty="0" smtClean="0">
+                          <a:solidFill>
+                            <a:srgbClr val="000000"/>
+                          </a:solidFill>
+                          <a:effectLst/>
+                          <a:latin typeface="Times New Roman" panose="02020603050405020304" pitchFamily="18" charset="0"/>
+                          <a:ea typeface="Calibri" panose="020F0502020204030204" pitchFamily="34" charset="0"/>
+                          <a:cs typeface="Times New Roman" panose="02020603050405020304" pitchFamily="18" charset="0"/>
+                        </a:rPr>
+                        <a:t>+</a:t>
+                      </a:r>
+                      <a:endParaRPr lang="ru-RU" sz="2400" b="0" dirty="0">
+                        <a:solidFill>
+                          <a:srgbClr val="000000"/>
+                        </a:solidFill>
+                        <a:effectLst/>
+                        <a:latin typeface="Times New Roman" panose="02020603050405020304" pitchFamily="18" charset="0"/>
+                        <a:ea typeface="Calibri" panose="020F0502020204030204" pitchFamily="34" charset="0"/>
+                        <a:cs typeface="Times New Roman" panose="02020603050405020304" pitchFamily="18" charset="0"/>
+                      </a:endParaRPr>
+                    </a:p>
+                  </a:txBody>
+                  <a:tcPr marL="34534" marR="34534" marT="0" marB="0" anchor="ctr">
+                    <a:lnL w="12700" cap="flat" cmpd="sng" algn="ctr">
+                      <a:solidFill>
+                        <a:srgbClr val="000000"/>
+                      </a:solidFill>
+                      <a:prstDash val="solid"/>
+                      <a:round/>
+                      <a:headEnd type="none" w="med" len="med"/>
+                      <a:tailEnd type="none" w="med" len="med"/>
+                    </a:lnL>
+                    <a:lnR w="12700" cap="flat" cmpd="sng" algn="ctr">
+                      <a:solidFill>
+                        <a:srgbClr val="000000"/>
+                      </a:solidFill>
+                      <a:prstDash val="solid"/>
+                      <a:round/>
+                      <a:headEnd type="none" w="med" len="med"/>
+                      <a:tailEnd type="none" w="med" len="med"/>
+                    </a:lnR>
+                    <a:lnT w="12700" cap="flat" cmpd="sng" algn="ctr">
+                      <a:solidFill>
+                        <a:srgbClr val="000000"/>
+                      </a:solidFill>
+                      <a:prstDash val="solid"/>
+                      <a:round/>
+                      <a:headEnd type="none" w="med" len="med"/>
+                      <a:tailEnd type="none" w="med" len="med"/>
+                    </a:lnT>
+                    <a:lnB w="12700" cap="flat" cmpd="sng" algn="ctr">
+                      <a:solidFill>
+                        <a:srgbClr val="000000"/>
+                      </a:solidFill>
+                      <a:prstDash val="solid"/>
+                      <a:round/>
+                      <a:headEnd type="none" w="med" len="med"/>
+                      <a:tailEnd type="none" w="med" len="med"/>
+                    </a:lnB>
+                  </a:tcPr>
+                </a:tc>
+                <a:extLst>
+                  <a:ext uri="{0D108BD9-81ED-4DB2-BD59-A6C34878D82A}">
+                    <a16:rowId xmlns:a16="http://schemas.microsoft.com/office/drawing/2014/main" val="1756237475"/>
                   </a:ext>
                 </a:extLst>
               </a:tr>

--- a/ВКР/ВКР_Василения_21ПГ.pptx
+++ b/ВКР/ВКР_Василения_21ПГ.pptx
@@ -202,7 +202,7 @@
           <a:p>
             <a:fld id="{DC9D613D-7F9B-4E42-A6ED-9695358EDB07}" type="datetimeFigureOut">
               <a:rPr lang="ru-RU" smtClean="0"/>
-              <a:t>11.10.2025</a:t>
+              <a:t>27.11.2025</a:t>
             </a:fld>
             <a:endParaRPr lang="ru-RU"/>
           </a:p>
@@ -266,38 +266,37 @@
           <a:p>
             <a:pPr lvl="0"/>
             <a:r>
-              <a:rPr lang="ru-RU" smtClean="0"/>
+              <a:rPr lang="ru-RU"/>
               <a:t>Образец текста</a:t>
             </a:r>
           </a:p>
           <a:p>
             <a:pPr lvl="1"/>
             <a:r>
-              <a:rPr lang="ru-RU" smtClean="0"/>
+              <a:rPr lang="ru-RU"/>
               <a:t>Второй уровень</a:t>
             </a:r>
           </a:p>
           <a:p>
             <a:pPr lvl="2"/>
             <a:r>
-              <a:rPr lang="ru-RU" smtClean="0"/>
+              <a:rPr lang="ru-RU"/>
               <a:t>Третий уровень</a:t>
             </a:r>
           </a:p>
           <a:p>
             <a:pPr lvl="3"/>
             <a:r>
-              <a:rPr lang="ru-RU" smtClean="0"/>
+              <a:rPr lang="ru-RU"/>
               <a:t>Четвертый уровень</a:t>
             </a:r>
           </a:p>
           <a:p>
             <a:pPr lvl="4"/>
             <a:r>
-              <a:rPr lang="ru-RU" smtClean="0"/>
+              <a:rPr lang="ru-RU"/>
               <a:t>Пятый уровень</a:t>
             </a:r>
-            <a:endParaRPr lang="ru-RU"/>
           </a:p>
         </p:txBody>
       </p:sp>
@@ -512,7 +511,7 @@
           </a:lstStyle>
           <a:p>
             <a:r>
-              <a:rPr lang="ru-RU" smtClean="0"/>
+              <a:rPr lang="ru-RU"/>
               <a:t>Образец заголовка</a:t>
             </a:r>
             <a:endParaRPr lang="en-US" dirty="0"/>
@@ -577,7 +576,7 @@
           </a:lstStyle>
           <a:p>
             <a:r>
-              <a:rPr lang="ru-RU" smtClean="0"/>
+              <a:rPr lang="ru-RU"/>
               <a:t>Образец подзаголовка</a:t>
             </a:r>
             <a:endParaRPr lang="en-US" dirty="0"/>
@@ -601,7 +600,7 @@
           <a:p>
             <a:fld id="{134615A2-30B3-416A-BAD5-95B1BE314A54}" type="datetime1">
               <a:rPr lang="ru-RU" smtClean="0"/>
-              <a:t>11.10.2025</a:t>
+              <a:t>27.11.2025</a:t>
             </a:fld>
             <a:endParaRPr lang="ru-RU"/>
           </a:p>
@@ -698,7 +697,7 @@
           <a:lstStyle/>
           <a:p>
             <a:r>
-              <a:rPr lang="ru-RU" smtClean="0"/>
+              <a:rPr lang="ru-RU"/>
               <a:t>Образец заголовка</a:t>
             </a:r>
             <a:endParaRPr lang="en-US" dirty="0"/>
@@ -722,35 +721,35 @@
           <a:p>
             <a:pPr lvl="0"/>
             <a:r>
-              <a:rPr lang="ru-RU" smtClean="0"/>
+              <a:rPr lang="ru-RU"/>
               <a:t>Образец текста</a:t>
             </a:r>
           </a:p>
           <a:p>
             <a:pPr lvl="1"/>
             <a:r>
-              <a:rPr lang="ru-RU" smtClean="0"/>
+              <a:rPr lang="ru-RU"/>
               <a:t>Второй уровень</a:t>
             </a:r>
           </a:p>
           <a:p>
             <a:pPr lvl="2"/>
             <a:r>
-              <a:rPr lang="ru-RU" smtClean="0"/>
+              <a:rPr lang="ru-RU"/>
               <a:t>Третий уровень</a:t>
             </a:r>
           </a:p>
           <a:p>
             <a:pPr lvl="3"/>
             <a:r>
-              <a:rPr lang="ru-RU" smtClean="0"/>
+              <a:rPr lang="ru-RU"/>
               <a:t>Четвертый уровень</a:t>
             </a:r>
           </a:p>
           <a:p>
             <a:pPr lvl="4"/>
             <a:r>
-              <a:rPr lang="ru-RU" smtClean="0"/>
+              <a:rPr lang="ru-RU"/>
               <a:t>Пятый уровень</a:t>
             </a:r>
             <a:endParaRPr lang="en-US" dirty="0"/>
@@ -774,7 +773,7 @@
           <a:p>
             <a:fld id="{A0474D6D-E951-4260-98B9-66D920AA0D79}" type="datetime1">
               <a:rPr lang="ru-RU" smtClean="0"/>
-              <a:t>11.10.2025</a:t>
+              <a:t>27.11.2025</a:t>
             </a:fld>
             <a:endParaRPr lang="ru-RU"/>
           </a:p>
@@ -876,7 +875,7 @@
           <a:lstStyle/>
           <a:p>
             <a:r>
-              <a:rPr lang="ru-RU" smtClean="0"/>
+              <a:rPr lang="ru-RU"/>
               <a:t>Образец заголовка</a:t>
             </a:r>
             <a:endParaRPr lang="en-US" dirty="0"/>
@@ -905,35 +904,35 @@
           <a:p>
             <a:pPr lvl="0"/>
             <a:r>
-              <a:rPr lang="ru-RU" smtClean="0"/>
+              <a:rPr lang="ru-RU"/>
               <a:t>Образец текста</a:t>
             </a:r>
           </a:p>
           <a:p>
             <a:pPr lvl="1"/>
             <a:r>
-              <a:rPr lang="ru-RU" smtClean="0"/>
+              <a:rPr lang="ru-RU"/>
               <a:t>Второй уровень</a:t>
             </a:r>
           </a:p>
           <a:p>
             <a:pPr lvl="2"/>
             <a:r>
-              <a:rPr lang="ru-RU" smtClean="0"/>
+              <a:rPr lang="ru-RU"/>
               <a:t>Третий уровень</a:t>
             </a:r>
           </a:p>
           <a:p>
             <a:pPr lvl="3"/>
             <a:r>
-              <a:rPr lang="ru-RU" smtClean="0"/>
+              <a:rPr lang="ru-RU"/>
               <a:t>Четвертый уровень</a:t>
             </a:r>
           </a:p>
           <a:p>
             <a:pPr lvl="4"/>
             <a:r>
-              <a:rPr lang="ru-RU" smtClean="0"/>
+              <a:rPr lang="ru-RU"/>
               <a:t>Пятый уровень</a:t>
             </a:r>
             <a:endParaRPr lang="en-US" dirty="0"/>
@@ -957,7 +956,7 @@
           <a:p>
             <a:fld id="{E260E25A-81F6-4E06-8056-5EE8F0636AA9}" type="datetime1">
               <a:rPr lang="ru-RU" smtClean="0"/>
-              <a:t>11.10.2025</a:t>
+              <a:t>27.11.2025</a:t>
             </a:fld>
             <a:endParaRPr lang="ru-RU"/>
           </a:p>
@@ -1054,7 +1053,7 @@
           <a:lstStyle/>
           <a:p>
             <a:r>
-              <a:rPr lang="ru-RU" smtClean="0"/>
+              <a:rPr lang="ru-RU"/>
               <a:t>Образец заголовка</a:t>
             </a:r>
             <a:endParaRPr lang="en-US" dirty="0"/>
@@ -1078,35 +1077,35 @@
           <a:p>
             <a:pPr lvl="0"/>
             <a:r>
-              <a:rPr lang="ru-RU" smtClean="0"/>
+              <a:rPr lang="ru-RU"/>
               <a:t>Образец текста</a:t>
             </a:r>
           </a:p>
           <a:p>
             <a:pPr lvl="1"/>
             <a:r>
-              <a:rPr lang="ru-RU" smtClean="0"/>
+              <a:rPr lang="ru-RU"/>
               <a:t>Второй уровень</a:t>
             </a:r>
           </a:p>
           <a:p>
             <a:pPr lvl="2"/>
             <a:r>
-              <a:rPr lang="ru-RU" smtClean="0"/>
+              <a:rPr lang="ru-RU"/>
               <a:t>Третий уровень</a:t>
             </a:r>
           </a:p>
           <a:p>
             <a:pPr lvl="3"/>
             <a:r>
-              <a:rPr lang="ru-RU" smtClean="0"/>
+              <a:rPr lang="ru-RU"/>
               <a:t>Четвертый уровень</a:t>
             </a:r>
           </a:p>
           <a:p>
             <a:pPr lvl="4"/>
             <a:r>
-              <a:rPr lang="ru-RU" smtClean="0"/>
+              <a:rPr lang="ru-RU"/>
               <a:t>Пятый уровень</a:t>
             </a:r>
             <a:endParaRPr lang="en-US" dirty="0"/>
@@ -1130,7 +1129,7 @@
           <a:p>
             <a:fld id="{D26F0890-C51C-4616-BA92-31E98ECE5B68}" type="datetime1">
               <a:rPr lang="ru-RU" smtClean="0"/>
-              <a:t>11.10.2025</a:t>
+              <a:t>27.11.2025</a:t>
             </a:fld>
             <a:endParaRPr lang="ru-RU"/>
           </a:p>
@@ -1236,7 +1235,7 @@
           </a:lstStyle>
           <a:p>
             <a:r>
-              <a:rPr lang="ru-RU" smtClean="0"/>
+              <a:rPr lang="ru-RU"/>
               <a:t>Образец заголовка</a:t>
             </a:r>
             <a:endParaRPr lang="en-US" dirty="0"/>
@@ -1354,7 +1353,7 @@
           <a:p>
             <a:pPr lvl="0"/>
             <a:r>
-              <a:rPr lang="ru-RU" smtClean="0"/>
+              <a:rPr lang="ru-RU"/>
               <a:t>Образец текста</a:t>
             </a:r>
           </a:p>
@@ -1377,7 +1376,7 @@
           <a:p>
             <a:fld id="{6F764D2E-4112-4938-891A-6F3A791DFF66}" type="datetime1">
               <a:rPr lang="ru-RU" smtClean="0"/>
-              <a:t>11.10.2025</a:t>
+              <a:t>27.11.2025</a:t>
             </a:fld>
             <a:endParaRPr lang="ru-RU"/>
           </a:p>
@@ -1474,7 +1473,7 @@
           <a:lstStyle/>
           <a:p>
             <a:r>
-              <a:rPr lang="ru-RU" smtClean="0"/>
+              <a:rPr lang="ru-RU"/>
               <a:t>Образец заголовка</a:t>
             </a:r>
             <a:endParaRPr lang="en-US" dirty="0"/>
@@ -1503,35 +1502,35 @@
           <a:p>
             <a:pPr lvl="0"/>
             <a:r>
-              <a:rPr lang="ru-RU" smtClean="0"/>
+              <a:rPr lang="ru-RU"/>
               <a:t>Образец текста</a:t>
             </a:r>
           </a:p>
           <a:p>
             <a:pPr lvl="1"/>
             <a:r>
-              <a:rPr lang="ru-RU" smtClean="0"/>
+              <a:rPr lang="ru-RU"/>
               <a:t>Второй уровень</a:t>
             </a:r>
           </a:p>
           <a:p>
             <a:pPr lvl="2"/>
             <a:r>
-              <a:rPr lang="ru-RU" smtClean="0"/>
+              <a:rPr lang="ru-RU"/>
               <a:t>Третий уровень</a:t>
             </a:r>
           </a:p>
           <a:p>
             <a:pPr lvl="3"/>
             <a:r>
-              <a:rPr lang="ru-RU" smtClean="0"/>
+              <a:rPr lang="ru-RU"/>
               <a:t>Четвертый уровень</a:t>
             </a:r>
           </a:p>
           <a:p>
             <a:pPr lvl="4"/>
             <a:r>
-              <a:rPr lang="ru-RU" smtClean="0"/>
+              <a:rPr lang="ru-RU"/>
               <a:t>Пятый уровень</a:t>
             </a:r>
             <a:endParaRPr lang="en-US" dirty="0"/>
@@ -1560,35 +1559,35 @@
           <a:p>
             <a:pPr lvl="0"/>
             <a:r>
-              <a:rPr lang="ru-RU" smtClean="0"/>
+              <a:rPr lang="ru-RU"/>
               <a:t>Образец текста</a:t>
             </a:r>
           </a:p>
           <a:p>
             <a:pPr lvl="1"/>
             <a:r>
-              <a:rPr lang="ru-RU" smtClean="0"/>
+              <a:rPr lang="ru-RU"/>
               <a:t>Второй уровень</a:t>
             </a:r>
           </a:p>
           <a:p>
             <a:pPr lvl="2"/>
             <a:r>
-              <a:rPr lang="ru-RU" smtClean="0"/>
+              <a:rPr lang="ru-RU"/>
               <a:t>Третий уровень</a:t>
             </a:r>
           </a:p>
           <a:p>
             <a:pPr lvl="3"/>
             <a:r>
-              <a:rPr lang="ru-RU" smtClean="0"/>
+              <a:rPr lang="ru-RU"/>
               <a:t>Четвертый уровень</a:t>
             </a:r>
           </a:p>
           <a:p>
             <a:pPr lvl="4"/>
             <a:r>
-              <a:rPr lang="ru-RU" smtClean="0"/>
+              <a:rPr lang="ru-RU"/>
               <a:t>Пятый уровень</a:t>
             </a:r>
             <a:endParaRPr lang="en-US" dirty="0"/>
@@ -1612,7 +1611,7 @@
           <a:p>
             <a:fld id="{CD8164B3-E779-4292-BEF5-D8CEC6D821A0}" type="datetime1">
               <a:rPr lang="ru-RU" smtClean="0"/>
-              <a:t>11.10.2025</a:t>
+              <a:t>27.11.2025</a:t>
             </a:fld>
             <a:endParaRPr lang="ru-RU"/>
           </a:p>
@@ -1714,7 +1713,7 @@
           <a:lstStyle/>
           <a:p>
             <a:r>
-              <a:rPr lang="ru-RU" smtClean="0"/>
+              <a:rPr lang="ru-RU"/>
               <a:t>Образец заголовка</a:t>
             </a:r>
             <a:endParaRPr lang="en-US" dirty="0"/>
@@ -1780,7 +1779,7 @@
           <a:p>
             <a:pPr lvl="0"/>
             <a:r>
-              <a:rPr lang="ru-RU" smtClean="0"/>
+              <a:rPr lang="ru-RU"/>
               <a:t>Образец текста</a:t>
             </a:r>
           </a:p>
@@ -1808,35 +1807,35 @@
           <a:p>
             <a:pPr lvl="0"/>
             <a:r>
-              <a:rPr lang="ru-RU" smtClean="0"/>
+              <a:rPr lang="ru-RU"/>
               <a:t>Образец текста</a:t>
             </a:r>
           </a:p>
           <a:p>
             <a:pPr lvl="1"/>
             <a:r>
-              <a:rPr lang="ru-RU" smtClean="0"/>
+              <a:rPr lang="ru-RU"/>
               <a:t>Второй уровень</a:t>
             </a:r>
           </a:p>
           <a:p>
             <a:pPr lvl="2"/>
             <a:r>
-              <a:rPr lang="ru-RU" smtClean="0"/>
+              <a:rPr lang="ru-RU"/>
               <a:t>Третий уровень</a:t>
             </a:r>
           </a:p>
           <a:p>
             <a:pPr lvl="3"/>
             <a:r>
-              <a:rPr lang="ru-RU" smtClean="0"/>
+              <a:rPr lang="ru-RU"/>
               <a:t>Четвертый уровень</a:t>
             </a:r>
           </a:p>
           <a:p>
             <a:pPr lvl="4"/>
             <a:r>
-              <a:rPr lang="ru-RU" smtClean="0"/>
+              <a:rPr lang="ru-RU"/>
               <a:t>Пятый уровень</a:t>
             </a:r>
             <a:endParaRPr lang="en-US" dirty="0"/>
@@ -1902,7 +1901,7 @@
           <a:p>
             <a:pPr lvl="0"/>
             <a:r>
-              <a:rPr lang="ru-RU" smtClean="0"/>
+              <a:rPr lang="ru-RU"/>
               <a:t>Образец текста</a:t>
             </a:r>
           </a:p>
@@ -1930,35 +1929,35 @@
           <a:p>
             <a:pPr lvl="0"/>
             <a:r>
-              <a:rPr lang="ru-RU" smtClean="0"/>
+              <a:rPr lang="ru-RU"/>
               <a:t>Образец текста</a:t>
             </a:r>
           </a:p>
           <a:p>
             <a:pPr lvl="1"/>
             <a:r>
-              <a:rPr lang="ru-RU" smtClean="0"/>
+              <a:rPr lang="ru-RU"/>
               <a:t>Второй уровень</a:t>
             </a:r>
           </a:p>
           <a:p>
             <a:pPr lvl="2"/>
             <a:r>
-              <a:rPr lang="ru-RU" smtClean="0"/>
+              <a:rPr lang="ru-RU"/>
               <a:t>Третий уровень</a:t>
             </a:r>
           </a:p>
           <a:p>
             <a:pPr lvl="3"/>
             <a:r>
-              <a:rPr lang="ru-RU" smtClean="0"/>
+              <a:rPr lang="ru-RU"/>
               <a:t>Четвертый уровень</a:t>
             </a:r>
           </a:p>
           <a:p>
             <a:pPr lvl="4"/>
             <a:r>
-              <a:rPr lang="ru-RU" smtClean="0"/>
+              <a:rPr lang="ru-RU"/>
               <a:t>Пятый уровень</a:t>
             </a:r>
             <a:endParaRPr lang="en-US" dirty="0"/>
@@ -1982,7 +1981,7 @@
           <a:p>
             <a:fld id="{CDC9A13E-91ED-4F6D-BBD4-F3D60BCC2C98}" type="datetime1">
               <a:rPr lang="ru-RU" smtClean="0"/>
-              <a:t>11.10.2025</a:t>
+              <a:t>27.11.2025</a:t>
             </a:fld>
             <a:endParaRPr lang="ru-RU"/>
           </a:p>
@@ -2079,7 +2078,7 @@
           <a:lstStyle/>
           <a:p>
             <a:r>
-              <a:rPr lang="ru-RU" smtClean="0"/>
+              <a:rPr lang="ru-RU"/>
               <a:t>Образец заголовка</a:t>
             </a:r>
             <a:endParaRPr lang="en-US" dirty="0"/>
@@ -2103,7 +2102,7 @@
           <a:p>
             <a:fld id="{23F1224B-DFC9-4FEB-8691-D4DF460BE9AB}" type="datetime1">
               <a:rPr lang="ru-RU" smtClean="0"/>
-              <a:t>11.10.2025</a:t>
+              <a:t>27.11.2025</a:t>
             </a:fld>
             <a:endParaRPr lang="ru-RU"/>
           </a:p>
@@ -2201,7 +2200,7 @@
           <a:p>
             <a:fld id="{1A44754D-5A89-4538-B4B0-681B83032999}" type="datetime1">
               <a:rPr lang="ru-RU" smtClean="0"/>
-              <a:t>11.10.2025</a:t>
+              <a:t>27.11.2025</a:t>
             </a:fld>
             <a:endParaRPr lang="ru-RU"/>
           </a:p>
@@ -2307,7 +2306,7 @@
           </a:lstStyle>
           <a:p>
             <a:r>
-              <a:rPr lang="ru-RU" smtClean="0"/>
+              <a:rPr lang="ru-RU"/>
               <a:t>Образец заголовка</a:t>
             </a:r>
             <a:endParaRPr lang="en-US" dirty="0"/>
@@ -2364,35 +2363,35 @@
           <a:p>
             <a:pPr lvl="0"/>
             <a:r>
-              <a:rPr lang="ru-RU" smtClean="0"/>
+              <a:rPr lang="ru-RU"/>
               <a:t>Образец текста</a:t>
             </a:r>
           </a:p>
           <a:p>
             <a:pPr lvl="1"/>
             <a:r>
-              <a:rPr lang="ru-RU" smtClean="0"/>
+              <a:rPr lang="ru-RU"/>
               <a:t>Второй уровень</a:t>
             </a:r>
           </a:p>
           <a:p>
             <a:pPr lvl="2"/>
             <a:r>
-              <a:rPr lang="ru-RU" smtClean="0"/>
+              <a:rPr lang="ru-RU"/>
               <a:t>Третий уровень</a:t>
             </a:r>
           </a:p>
           <a:p>
             <a:pPr lvl="3"/>
             <a:r>
-              <a:rPr lang="ru-RU" smtClean="0"/>
+              <a:rPr lang="ru-RU"/>
               <a:t>Четвертый уровень</a:t>
             </a:r>
           </a:p>
           <a:p>
             <a:pPr lvl="4"/>
             <a:r>
-              <a:rPr lang="ru-RU" smtClean="0"/>
+              <a:rPr lang="ru-RU"/>
               <a:t>Пятый уровень</a:t>
             </a:r>
             <a:endParaRPr lang="en-US" dirty="0"/>
@@ -2458,7 +2457,7 @@
           <a:p>
             <a:pPr lvl="0"/>
             <a:r>
-              <a:rPr lang="ru-RU" smtClean="0"/>
+              <a:rPr lang="ru-RU"/>
               <a:t>Образец текста</a:t>
             </a:r>
           </a:p>
@@ -2481,7 +2480,7 @@
           <a:p>
             <a:fld id="{E85CE03C-B778-4234-AF27-27A7E8676B7F}" type="datetime1">
               <a:rPr lang="ru-RU" smtClean="0"/>
-              <a:t>11.10.2025</a:t>
+              <a:t>27.11.2025</a:t>
             </a:fld>
             <a:endParaRPr lang="ru-RU"/>
           </a:p>
@@ -2587,7 +2586,7 @@
           </a:lstStyle>
           <a:p>
             <a:r>
-              <a:rPr lang="ru-RU" smtClean="0"/>
+              <a:rPr lang="ru-RU"/>
               <a:t>Образец заголовка</a:t>
             </a:r>
             <a:endParaRPr lang="en-US" dirty="0"/>
@@ -2652,7 +2651,7 @@
           </a:lstStyle>
           <a:p>
             <a:r>
-              <a:rPr lang="ru-RU" smtClean="0"/>
+              <a:rPr lang="ru-RU"/>
               <a:t>Вставка рисунка</a:t>
             </a:r>
             <a:endParaRPr lang="en-US" dirty="0"/>
@@ -2718,7 +2717,7 @@
           <a:p>
             <a:pPr lvl="0"/>
             <a:r>
-              <a:rPr lang="ru-RU" smtClean="0"/>
+              <a:rPr lang="ru-RU"/>
               <a:t>Образец текста</a:t>
             </a:r>
           </a:p>
@@ -2741,7 +2740,7 @@
           <a:p>
             <a:fld id="{346656DA-8ADC-4140-8391-C5372C970DDA}" type="datetime1">
               <a:rPr lang="ru-RU" smtClean="0"/>
-              <a:t>11.10.2025</a:t>
+              <a:t>27.11.2025</a:t>
             </a:fld>
             <a:endParaRPr lang="ru-RU"/>
           </a:p>
@@ -2853,7 +2852,7 @@
           <a:lstStyle/>
           <a:p>
             <a:r>
-              <a:rPr lang="ru-RU" smtClean="0"/>
+              <a:rPr lang="ru-RU"/>
               <a:t>Образец заголовка</a:t>
             </a:r>
             <a:endParaRPr lang="en-US" dirty="0"/>
@@ -2887,35 +2886,35 @@
           <a:p>
             <a:pPr lvl="0"/>
             <a:r>
-              <a:rPr lang="ru-RU" smtClean="0"/>
+              <a:rPr lang="ru-RU"/>
               <a:t>Образец текста</a:t>
             </a:r>
           </a:p>
           <a:p>
             <a:pPr lvl="1"/>
             <a:r>
-              <a:rPr lang="ru-RU" smtClean="0"/>
+              <a:rPr lang="ru-RU"/>
               <a:t>Второй уровень</a:t>
             </a:r>
           </a:p>
           <a:p>
             <a:pPr lvl="2"/>
             <a:r>
-              <a:rPr lang="ru-RU" smtClean="0"/>
+              <a:rPr lang="ru-RU"/>
               <a:t>Третий уровень</a:t>
             </a:r>
           </a:p>
           <a:p>
             <a:pPr lvl="3"/>
             <a:r>
-              <a:rPr lang="ru-RU" smtClean="0"/>
+              <a:rPr lang="ru-RU"/>
               <a:t>Четвертый уровень</a:t>
             </a:r>
           </a:p>
           <a:p>
             <a:pPr lvl="4"/>
             <a:r>
-              <a:rPr lang="ru-RU" smtClean="0"/>
+              <a:rPr lang="ru-RU"/>
               <a:t>Пятый уровень</a:t>
             </a:r>
             <a:endParaRPr lang="en-US" dirty="0"/>
@@ -2957,7 +2956,7 @@
           <a:p>
             <a:fld id="{B547DFDD-7F61-483E-A380-F061898845E2}" type="datetime1">
               <a:rPr lang="ru-RU" smtClean="0"/>
-              <a:t>11.10.2025</a:t>
+              <a:t>27.11.2025</a:t>
             </a:fld>
             <a:endParaRPr lang="ru-RU"/>
           </a:p>
@@ -3388,52 +3387,24 @@
           </a:bodyPr>
           <a:lstStyle/>
           <a:p>
-            <a:r>
-              <a:rPr lang="en-US" sz="4000" b="1" dirty="0">
-                <a:latin typeface="Times New Roman" panose="02020603050405020304" pitchFamily="18" charset="0"/>
-                <a:cs typeface="Times New Roman" panose="02020603050405020304" pitchFamily="18" charset="0"/>
-              </a:rPr>
-              <a:t/>
-            </a:r>
             <a:br>
               <a:rPr lang="en-US" sz="4000" b="1" dirty="0">
                 <a:latin typeface="Times New Roman" panose="02020603050405020304" pitchFamily="18" charset="0"/>
                 <a:cs typeface="Times New Roman" panose="02020603050405020304" pitchFamily="18" charset="0"/>
               </a:rPr>
             </a:br>
-            <a:r>
-              <a:rPr lang="en-US" sz="4000" b="1" dirty="0">
-                <a:latin typeface="Times New Roman" panose="02020603050405020304" pitchFamily="18" charset="0"/>
-                <a:cs typeface="Times New Roman" panose="02020603050405020304" pitchFamily="18" charset="0"/>
-              </a:rPr>
-              <a:t/>
-            </a:r>
             <a:br>
               <a:rPr lang="en-US" sz="4000" b="1" dirty="0">
                 <a:latin typeface="Times New Roman" panose="02020603050405020304" pitchFamily="18" charset="0"/>
                 <a:cs typeface="Times New Roman" panose="02020603050405020304" pitchFamily="18" charset="0"/>
               </a:rPr>
             </a:br>
-            <a:r>
-              <a:rPr lang="en-US" sz="4000" b="1" dirty="0">
-                <a:latin typeface="Times New Roman" panose="02020603050405020304" pitchFamily="18" charset="0"/>
-                <a:cs typeface="Times New Roman" panose="02020603050405020304" pitchFamily="18" charset="0"/>
-              </a:rPr>
-              <a:t/>
-            </a:r>
             <a:br>
               <a:rPr lang="en-US" sz="4000" b="1" dirty="0">
                 <a:latin typeface="Times New Roman" panose="02020603050405020304" pitchFamily="18" charset="0"/>
                 <a:cs typeface="Times New Roman" panose="02020603050405020304" pitchFamily="18" charset="0"/>
               </a:rPr>
             </a:br>
-            <a:r>
-              <a:rPr lang="en-US" sz="4000" b="1" dirty="0">
-                <a:latin typeface="Times New Roman" panose="02020603050405020304" pitchFamily="18" charset="0"/>
-                <a:cs typeface="Times New Roman" panose="02020603050405020304" pitchFamily="18" charset="0"/>
-              </a:rPr>
-              <a:t/>
-            </a:r>
             <a:br>
               <a:rPr lang="en-US" sz="4000" b="1" dirty="0">
                 <a:latin typeface="Times New Roman" panose="02020603050405020304" pitchFamily="18" charset="0"/>
@@ -3479,19 +3450,8 @@
                 <a:latin typeface="Times New Roman" panose="02020603050405020304" pitchFamily="18" charset="0"/>
                 <a:cs typeface="Times New Roman" panose="02020603050405020304" pitchFamily="18" charset="0"/>
               </a:rPr>
-              <a:t>Направление 09.04.04 «Программная инженерия», группа </a:t>
-            </a:r>
-            <a:r>
-              <a:rPr lang="ru-RU" sz="1800" dirty="0" smtClean="0">
-                <a:latin typeface="Times New Roman" panose="02020603050405020304" pitchFamily="18" charset="0"/>
-                <a:cs typeface="Times New Roman" panose="02020603050405020304" pitchFamily="18" charset="0"/>
-              </a:rPr>
-              <a:t>21ПГ</a:t>
-            </a:r>
-            <a:endParaRPr lang="ru-RU" sz="1800" dirty="0">
-              <a:latin typeface="Times New Roman" panose="02020603050405020304" pitchFamily="18" charset="0"/>
-              <a:cs typeface="Times New Roman" panose="02020603050405020304" pitchFamily="18" charset="0"/>
-            </a:endParaRPr>
+              <a:t>Направление 09.04.04 «Программная инженерия», группа 21ПГ</a:t>
+            </a:r>
           </a:p>
           <a:p>
             <a:pPr>
@@ -3759,23 +3719,19 @@
               <a:t>Выполнил студент: </a:t>
             </a:r>
             <a:r>
-              <a:rPr lang="ru-RU" sz="1800" dirty="0" err="1" smtClean="0">
+              <a:rPr lang="ru-RU" sz="1800" dirty="0" err="1">
                 <a:latin typeface="Times New Roman" panose="02020603050405020304" pitchFamily="18" charset="0"/>
                 <a:cs typeface="Times New Roman" panose="02020603050405020304" pitchFamily="18" charset="0"/>
               </a:rPr>
               <a:t>Василения</a:t>
             </a:r>
             <a:r>
-              <a:rPr lang="ru-RU" sz="1800" dirty="0" smtClean="0">
+              <a:rPr lang="ru-RU" sz="1800" dirty="0">
                 <a:latin typeface="Times New Roman" panose="02020603050405020304" pitchFamily="18" charset="0"/>
                 <a:cs typeface="Times New Roman" panose="02020603050405020304" pitchFamily="18" charset="0"/>
               </a:rPr>
               <a:t> И.В.</a:t>
             </a:r>
-            <a:endParaRPr lang="ru-RU" sz="1800" dirty="0">
-              <a:latin typeface="Times New Roman" panose="02020603050405020304" pitchFamily="18" charset="0"/>
-              <a:cs typeface="Times New Roman" panose="02020603050405020304" pitchFamily="18" charset="0"/>
-            </a:endParaRPr>
           </a:p>
           <a:p>
             <a:pPr algn="r">
@@ -4288,19 +4244,8 @@
                 <a:latin typeface="Times New Roman" panose="02020603050405020304" pitchFamily="18" charset="0"/>
                 <a:cs typeface="Times New Roman" panose="02020603050405020304" pitchFamily="18" charset="0"/>
               </a:rPr>
-              <a:t>Орел </a:t>
-            </a:r>
-            <a:r>
-              <a:rPr lang="ru-RU" sz="1800" dirty="0" smtClean="0">
-                <a:latin typeface="Times New Roman" panose="02020603050405020304" pitchFamily="18" charset="0"/>
-                <a:cs typeface="Times New Roman" panose="02020603050405020304" pitchFamily="18" charset="0"/>
-              </a:rPr>
-              <a:t>2025</a:t>
-            </a:r>
-            <a:endParaRPr lang="ru-RU" sz="1800" dirty="0">
-              <a:latin typeface="Times New Roman" panose="02020603050405020304" pitchFamily="18" charset="0"/>
-              <a:cs typeface="Times New Roman" panose="02020603050405020304" pitchFamily="18" charset="0"/>
-            </a:endParaRPr>
+              <a:t>Орел 2025</a:t>
+            </a:r>
           </a:p>
         </p:txBody>
       </p:sp>
@@ -4314,21 +4259,6 @@
   <p:clrMapOvr>
     <a:masterClrMapping/>
   </p:clrMapOvr>
-  <mc:AlternateContent xmlns:mc="http://schemas.openxmlformats.org/markup-compatibility/2006" xmlns:p14="http://schemas.microsoft.com/office/powerpoint/2010/main">
-    <mc:Choice Requires="p14">
-      <p:transition spd="slow" p14:dur="2000"/>
-    </mc:Choice>
-    <mc:Fallback xmlns="">
-      <p:transition spd="slow"/>
-    </mc:Fallback>
-  </mc:AlternateContent>
-  <p:timing>
-    <p:tnLst>
-      <p:par>
-        <p:cTn id="1" dur="indefinite" restart="never" nodeType="tmRoot"/>
-      </p:par>
-    </p:tnLst>
-  </p:timing>
 </p:sld>
 </file>
 
@@ -4379,49 +4309,35 @@
               <a:t>	Цель выпускной квалификационной работы: </a:t>
             </a:r>
             <a:r>
-              <a:rPr lang="ru-RU" dirty="0" smtClean="0">
+              <a:rPr lang="ru-RU" dirty="0">
                 <a:latin typeface="Times New Roman" panose="02020603050405020304" pitchFamily="18" charset="0"/>
                 <a:ea typeface="Times New Roman" panose="02020603050405020304" pitchFamily="18" charset="0"/>
               </a:rPr>
               <a:t>улучшение существующей системы </a:t>
             </a:r>
             <a:r>
-              <a:rPr lang="ru-RU" dirty="0" err="1" smtClean="0">
+              <a:rPr lang="ru-RU" dirty="0" err="1">
                 <a:latin typeface="Times New Roman" panose="02020603050405020304" pitchFamily="18" charset="0"/>
                 <a:ea typeface="Times New Roman" panose="02020603050405020304" pitchFamily="18" charset="0"/>
               </a:rPr>
               <a:t>цифровизации</a:t>
             </a:r>
             <a:r>
-              <a:rPr lang="ru-RU" dirty="0" smtClean="0">
-                <a:latin typeface="Times New Roman" panose="02020603050405020304" pitchFamily="18" charset="0"/>
-                <a:ea typeface="Times New Roman" panose="02020603050405020304" pitchFamily="18" charset="0"/>
-              </a:rPr>
-              <a:t> </a:t>
-            </a:r>
-            <a:r>
               <a:rPr lang="ru-RU" dirty="0">
                 <a:latin typeface="Times New Roman" panose="02020603050405020304" pitchFamily="18" charset="0"/>
                 <a:ea typeface="Times New Roman" panose="02020603050405020304" pitchFamily="18" charset="0"/>
               </a:rPr>
-              <a:t>процесса заполнения журнала обучения преподавателями ОГУ имени И.С. Тургенева для прекращения использования бумажного носителя</a:t>
-            </a:r>
-            <a:r>
-              <a:rPr lang="ru-RU" dirty="0" smtClean="0">
-                <a:latin typeface="Times New Roman" panose="02020603050405020304" pitchFamily="18" charset="0"/>
-                <a:ea typeface="Times New Roman" panose="02020603050405020304" pitchFamily="18" charset="0"/>
-              </a:rPr>
-              <a:t>. Добавление троичной логики, </a:t>
-            </a:r>
-            <a:r>
-              <a:rPr lang="ru-RU" dirty="0" err="1" smtClean="0">
+              <a:t> процесса заполнения журнала обучения преподавателями ОГУ имени И.С. Тургенева для прекращения использования бумажного носителя. Добавление троичной логики, </a:t>
+            </a:r>
+            <a:r>
+              <a:rPr lang="ru-RU" dirty="0" err="1">
                 <a:latin typeface="Times New Roman" panose="02020603050405020304" pitchFamily="18" charset="0"/>
                 <a:ea typeface="Times New Roman" panose="02020603050405020304" pitchFamily="18" charset="0"/>
               </a:rPr>
               <a:t>логирования</a:t>
             </a:r>
             <a:r>
-              <a:rPr lang="ru-RU" dirty="0" smtClean="0">
+              <a:rPr lang="ru-RU" dirty="0">
                 <a:latin typeface="Times New Roman" panose="02020603050405020304" pitchFamily="18" charset="0"/>
                 <a:ea typeface="Times New Roman" panose="02020603050405020304" pitchFamily="18" charset="0"/>
               </a:rPr>
@@ -4491,21 +4407,7 @@
                 <a:latin typeface="Times New Roman" panose="02020603050405020304" pitchFamily="18" charset="0"/>
                 <a:ea typeface="Times New Roman" panose="02020603050405020304" pitchFamily="18" charset="0"/>
               </a:rPr>
-              <a:t>Провести теоретические исследования и определить </a:t>
-            </a:r>
-            <a:r>
-              <a:rPr lang="ru-RU" sz="1600" dirty="0" smtClean="0">
-                <a:latin typeface="Times New Roman" panose="02020603050405020304" pitchFamily="18" charset="0"/>
-                <a:ea typeface="Times New Roman" panose="02020603050405020304" pitchFamily="18" charset="0"/>
-              </a:rPr>
-              <a:t>спецификации </a:t>
-            </a:r>
-            <a:r>
-              <a:rPr lang="ru-RU" sz="1600" dirty="0">
-                <a:latin typeface="Times New Roman" panose="02020603050405020304" pitchFamily="18" charset="0"/>
-                <a:ea typeface="Times New Roman" panose="02020603050405020304" pitchFamily="18" charset="0"/>
-              </a:rPr>
-              <a:t>программного обеспечения.</a:t>
+              <a:t>Провести теоретические исследования и определить спецификации программного обеспечения.</a:t>
             </a:r>
           </a:p>
           <a:p>
@@ -4582,21 +4484,6 @@
   <p:clrMapOvr>
     <a:masterClrMapping/>
   </p:clrMapOvr>
-  <mc:AlternateContent xmlns:mc="http://schemas.openxmlformats.org/markup-compatibility/2006" xmlns:p14="http://schemas.microsoft.com/office/powerpoint/2010/main">
-    <mc:Choice Requires="p14">
-      <p:transition spd="slow" p14:dur="2000"/>
-    </mc:Choice>
-    <mc:Fallback xmlns="">
-      <p:transition spd="slow"/>
-    </mc:Fallback>
-  </mc:AlternateContent>
-  <p:timing>
-    <p:tnLst>
-      <p:par>
-        <p:cTn id="1" dur="indefinite" restart="never" nodeType="tmRoot"/>
-      </p:par>
-    </p:tnLst>
-  </p:timing>
 </p:sld>
 </file>
 
@@ -4688,19 +4575,8 @@
                 <a:latin typeface="Times New Roman" panose="02020603050405020304" pitchFamily="18" charset="0"/>
                 <a:ea typeface="Times New Roman" panose="02020603050405020304" pitchFamily="18" charset="0"/>
               </a:rPr>
-              <a:t> образовательной </a:t>
-            </a:r>
-            <a:r>
-              <a:rPr lang="ru-RU" dirty="0" smtClean="0">
-                <a:latin typeface="Times New Roman" panose="02020603050405020304" pitchFamily="18" charset="0"/>
-                <a:ea typeface="Times New Roman" panose="02020603050405020304" pitchFamily="18" charset="0"/>
-              </a:rPr>
-              <a:t>среды. Разработка новой подсистемы на основе существующей позволит полностью отказаться от бумажного носителя, в виду чего разработку можно считать актуальной.</a:t>
-            </a:r>
-            <a:endParaRPr lang="ru-RU" dirty="0">
-              <a:latin typeface="Times New Roman" panose="02020603050405020304" pitchFamily="18" charset="0"/>
-              <a:ea typeface="Times New Roman" panose="02020603050405020304" pitchFamily="18" charset="0"/>
-            </a:endParaRPr>
+              <a:t> образовательной среды. Разработка новой подсистемы на основе существующей позволит полностью отказаться от бумажного носителя, в виду чего разработку можно считать актуальной.</a:t>
+            </a:r>
           </a:p>
         </p:txBody>
       </p:sp>
@@ -4727,53 +4603,32 @@
           <a:p>
             <a:pPr algn="just" defTabSz="342892"/>
             <a:r>
-              <a:rPr lang="ru-RU" b="1" dirty="0" smtClean="0">
+              <a:rPr lang="ru-RU" b="1" dirty="0">
                 <a:latin typeface="Times New Roman" panose="02020603050405020304" pitchFamily="18" charset="0"/>
                 <a:ea typeface="Times New Roman" panose="02020603050405020304" pitchFamily="18" charset="0"/>
               </a:rPr>
               <a:t>Проблема: </a:t>
             </a:r>
             <a:r>
-              <a:rPr lang="ru-RU" dirty="0" smtClean="0">
+              <a:rPr lang="ru-RU" dirty="0">
                 <a:latin typeface="Times New Roman" panose="02020603050405020304" pitchFamily="18" charset="0"/>
                 <a:ea typeface="Times New Roman" panose="02020603050405020304" pitchFamily="18" charset="0"/>
               </a:rPr>
-              <a:t>несоответствие существующей подсистемы контроля посещаемости и сдачи работ требованиям, необходимым для полного отказа от бумажного журнала посещаемости. В </a:t>
-            </a:r>
-            <a:r>
-              <a:rPr lang="ru-RU" dirty="0" smtClean="0">
-                <a:latin typeface="Times New Roman" panose="02020603050405020304" pitchFamily="18" charset="0"/>
-                <a:ea typeface="Times New Roman" panose="02020603050405020304" pitchFamily="18" charset="0"/>
-              </a:rPr>
-              <a:t>соответствии </a:t>
-            </a:r>
-            <a:r>
-              <a:rPr lang="ru-RU" dirty="0" smtClean="0">
-                <a:latin typeface="Times New Roman" panose="02020603050405020304" pitchFamily="18" charset="0"/>
-                <a:ea typeface="Times New Roman" panose="02020603050405020304" pitchFamily="18" charset="0"/>
-              </a:rPr>
-              <a:t>с распоряжением </a:t>
-            </a:r>
-            <a:r>
-              <a:rPr lang="ru-RU" dirty="0" err="1" smtClean="0">
+              <a:t>несоответствие существующей подсистемы контроля посещаемости и сдачи работ требованиям, необходимым для полного отказа от бумажного журнала посещаемости. В соответствии с распоряжением </a:t>
+            </a:r>
+            <a:r>
+              <a:rPr lang="ru-RU" dirty="0" err="1">
                 <a:latin typeface="Times New Roman" panose="02020603050405020304" pitchFamily="18" charset="0"/>
                 <a:ea typeface="Times New Roman" panose="02020603050405020304" pitchFamily="18" charset="0"/>
               </a:rPr>
               <a:t>и.о</a:t>
             </a:r>
             <a:r>
-              <a:rPr lang="ru-RU" dirty="0" smtClean="0">
+              <a:rPr lang="ru-RU" dirty="0">
                 <a:latin typeface="Times New Roman" panose="02020603050405020304" pitchFamily="18" charset="0"/>
                 <a:ea typeface="Times New Roman" panose="02020603050405020304" pitchFamily="18" charset="0"/>
               </a:rPr>
-              <a:t>. ректора ОГУ от 10.02.2025 </a:t>
-            </a:r>
-            <a:r>
-              <a:rPr lang="ru-RU" dirty="0" smtClean="0">
-                <a:latin typeface="Times New Roman" panose="02020603050405020304" pitchFamily="18" charset="0"/>
-                <a:ea typeface="Times New Roman" panose="02020603050405020304" pitchFamily="18" charset="0"/>
-              </a:rPr>
-              <a:t>и просьбами пользователей необходимо контролировать своевременность заполнения журнала, иметь доступ к аналитическим данным и ускорить процесс заполнения.</a:t>
+              <a:t>. ректора ОГУ от 10.02.2025 и просьбами пользователей необходимо контролировать своевременность заполнения журнала, иметь доступ к аналитическим данным и ускорить процесс заполнения.</a:t>
             </a:r>
             <a:endParaRPr lang="ru-RU" dirty="0"/>
           </a:p>
@@ -5074,16 +4929,12 @@
           <a:p>
             <a:pPr algn="ctr"/>
             <a:r>
-              <a:rPr lang="ru-RU" dirty="0" smtClean="0">
+              <a:rPr lang="ru-RU" dirty="0">
                 <a:latin typeface="Times New Roman" panose="02020603050405020304" pitchFamily="18" charset="0"/>
                 <a:cs typeface="Times New Roman" panose="02020603050405020304" pitchFamily="18" charset="0"/>
               </a:rPr>
               <a:t>Фреймворки</a:t>
             </a:r>
-            <a:endParaRPr lang="ru-RU" dirty="0">
-              <a:latin typeface="Times New Roman" panose="02020603050405020304" pitchFamily="18" charset="0"/>
-              <a:cs typeface="Times New Roman" panose="02020603050405020304" pitchFamily="18" charset="0"/>
-            </a:endParaRPr>
           </a:p>
         </p:txBody>
       </p:sp>
@@ -5097,21 +4948,6 @@
   <p:clrMapOvr>
     <a:masterClrMapping/>
   </p:clrMapOvr>
-  <mc:AlternateContent xmlns:mc="http://schemas.openxmlformats.org/markup-compatibility/2006" xmlns:p14="http://schemas.microsoft.com/office/powerpoint/2010/main">
-    <mc:Choice Requires="p14">
-      <p:transition spd="slow" p14:dur="2000"/>
-    </mc:Choice>
-    <mc:Fallback xmlns="">
-      <p:transition spd="slow"/>
-    </mc:Fallback>
-  </mc:AlternateContent>
-  <p:timing>
-    <p:tnLst>
-      <p:par>
-        <p:cTn id="1" dur="indefinite" restart="never" nodeType="tmRoot"/>
-      </p:par>
-    </p:tnLst>
-  </p:timing>
 </p:sld>
 </file>
 
@@ -5188,3294 +5024,6 @@
           </a:p>
         </p:txBody>
       </p:sp>
-      <p:graphicFrame>
-        <p:nvGraphicFramePr>
-          <p:cNvPr id="8" name="Таблица 7"/>
-          <p:cNvGraphicFramePr>
-            <a:graphicFrameLocks noGrp="1"/>
-          </p:cNvGraphicFramePr>
-          <p:nvPr>
-            <p:extLst>
-              <p:ext uri="{D42A27DB-BD31-4B8C-83A1-F6EECF244321}">
-                <p14:modId xmlns:p14="http://schemas.microsoft.com/office/powerpoint/2010/main" val="3159868142"/>
-              </p:ext>
-            </p:extLst>
-          </p:nvPr>
-        </p:nvGraphicFramePr>
-        <p:xfrm>
-          <a:off x="535578" y="618567"/>
-          <a:ext cx="6949440" cy="5986946"/>
-        </p:xfrm>
-        <a:graphic>
-          <a:graphicData uri="http://schemas.openxmlformats.org/drawingml/2006/table">
-            <a:tbl>
-              <a:tblPr firstRow="1" firstCol="1" bandRow="1"/>
-              <a:tblGrid>
-                <a:gridCol w="1389668">
-                  <a:extLst>
-                    <a:ext uri="{9D8B030D-6E8A-4147-A177-3AD203B41FA5}">
-                      <a16:colId xmlns:a16="http://schemas.microsoft.com/office/drawing/2014/main" val="3526716100"/>
-                    </a:ext>
-                  </a:extLst>
-                </a:gridCol>
-                <a:gridCol w="1389668">
-                  <a:extLst>
-                    <a:ext uri="{9D8B030D-6E8A-4147-A177-3AD203B41FA5}">
-                      <a16:colId xmlns:a16="http://schemas.microsoft.com/office/drawing/2014/main" val="2546153467"/>
-                    </a:ext>
-                  </a:extLst>
-                </a:gridCol>
-                <a:gridCol w="1389668">
-                  <a:extLst>
-                    <a:ext uri="{9D8B030D-6E8A-4147-A177-3AD203B41FA5}">
-                      <a16:colId xmlns:a16="http://schemas.microsoft.com/office/drawing/2014/main" val="3803525882"/>
-                    </a:ext>
-                  </a:extLst>
-                </a:gridCol>
-                <a:gridCol w="1390218">
-                  <a:extLst>
-                    <a:ext uri="{9D8B030D-6E8A-4147-A177-3AD203B41FA5}">
-                      <a16:colId xmlns:a16="http://schemas.microsoft.com/office/drawing/2014/main" val="770711497"/>
-                    </a:ext>
-                  </a:extLst>
-                </a:gridCol>
-                <a:gridCol w="1390218">
-                  <a:extLst>
-                    <a:ext uri="{9D8B030D-6E8A-4147-A177-3AD203B41FA5}">
-                      <a16:colId xmlns:a16="http://schemas.microsoft.com/office/drawing/2014/main" val="3121759838"/>
-                    </a:ext>
-                  </a:extLst>
-                </a:gridCol>
-              </a:tblGrid>
-              <a:tr h="586114">
-                <a:tc>
-                  <a:txBody>
-                    <a:bodyPr/>
-                    <a:lstStyle/>
-                    <a:p>
-                      <a:pPr indent="0" algn="ctr">
-                        <a:lnSpc>
-                          <a:spcPct val="100000"/>
-                        </a:lnSpc>
-                        <a:spcAft>
-                          <a:spcPts val="0"/>
-                        </a:spcAft>
-                      </a:pPr>
-                      <a:r>
-                        <a:rPr lang="ru-RU" sz="1400" dirty="0">
-                          <a:solidFill>
-                            <a:srgbClr val="000000"/>
-                          </a:solidFill>
-                          <a:effectLst/>
-                          <a:latin typeface="Times New Roman" panose="02020603050405020304" pitchFamily="18" charset="0"/>
-                          <a:ea typeface="Calibri" panose="020F0502020204030204" pitchFamily="34" charset="0"/>
-                          <a:cs typeface="Times New Roman" panose="02020603050405020304" pitchFamily="18" charset="0"/>
-                        </a:rPr>
-                        <a:t>Критерии сравнения</a:t>
-                      </a:r>
-                    </a:p>
-                  </a:txBody>
-                  <a:tcPr marL="34534" marR="34534" marT="0" marB="0">
-                    <a:lnL w="12700" cap="flat" cmpd="sng" algn="ctr">
-                      <a:solidFill>
-                        <a:srgbClr val="000000"/>
-                      </a:solidFill>
-                      <a:prstDash val="solid"/>
-                      <a:round/>
-                      <a:headEnd type="none" w="med" len="med"/>
-                      <a:tailEnd type="none" w="med" len="med"/>
-                    </a:lnL>
-                    <a:lnR w="12700" cap="flat" cmpd="sng" algn="ctr">
-                      <a:solidFill>
-                        <a:srgbClr val="000000"/>
-                      </a:solidFill>
-                      <a:prstDash val="solid"/>
-                      <a:round/>
-                      <a:headEnd type="none" w="med" len="med"/>
-                      <a:tailEnd type="none" w="med" len="med"/>
-                    </a:lnR>
-                    <a:lnT w="12700" cap="flat" cmpd="sng" algn="ctr">
-                      <a:solidFill>
-                        <a:srgbClr val="000000"/>
-                      </a:solidFill>
-                      <a:prstDash val="solid"/>
-                      <a:round/>
-                      <a:headEnd type="none" w="med" len="med"/>
-                      <a:tailEnd type="none" w="med" len="med"/>
-                    </a:lnT>
-                    <a:lnB w="12700" cap="flat" cmpd="sng" algn="ctr">
-                      <a:solidFill>
-                        <a:srgbClr val="000000"/>
-                      </a:solidFill>
-                      <a:prstDash val="solid"/>
-                      <a:round/>
-                      <a:headEnd type="none" w="med" len="med"/>
-                      <a:tailEnd type="none" w="med" len="med"/>
-                    </a:lnB>
-                  </a:tcPr>
-                </a:tc>
-                <a:tc>
-                  <a:txBody>
-                    <a:bodyPr/>
-                    <a:lstStyle/>
-                    <a:p>
-                      <a:pPr indent="0" algn="ctr">
-                        <a:lnSpc>
-                          <a:spcPct val="100000"/>
-                        </a:lnSpc>
-                        <a:spcAft>
-                          <a:spcPts val="0"/>
-                        </a:spcAft>
-                      </a:pPr>
-                      <a:r>
-                        <a:rPr lang="en-US" sz="1400" dirty="0">
-                          <a:solidFill>
-                            <a:srgbClr val="000000"/>
-                          </a:solidFill>
-                          <a:effectLst/>
-                          <a:latin typeface="Times New Roman" panose="02020603050405020304" pitchFamily="18" charset="0"/>
-                          <a:ea typeface="Calibri" panose="020F0502020204030204" pitchFamily="34" charset="0"/>
-                          <a:cs typeface="Times New Roman" panose="02020603050405020304" pitchFamily="18" charset="0"/>
-                        </a:rPr>
-                        <a:t>Moodle</a:t>
-                      </a:r>
-                      <a:endParaRPr lang="ru-RU" sz="1400" dirty="0">
-                        <a:solidFill>
-                          <a:srgbClr val="000000"/>
-                        </a:solidFill>
-                        <a:effectLst/>
-                        <a:latin typeface="Times New Roman" panose="02020603050405020304" pitchFamily="18" charset="0"/>
-                        <a:ea typeface="Calibri" panose="020F0502020204030204" pitchFamily="34" charset="0"/>
-                        <a:cs typeface="Times New Roman" panose="02020603050405020304" pitchFamily="18" charset="0"/>
-                      </a:endParaRPr>
-                    </a:p>
-                  </a:txBody>
-                  <a:tcPr marL="34534" marR="34534" marT="0" marB="0">
-                    <a:lnL w="12700" cap="flat" cmpd="sng" algn="ctr">
-                      <a:solidFill>
-                        <a:srgbClr val="000000"/>
-                      </a:solidFill>
-                      <a:prstDash val="solid"/>
-                      <a:round/>
-                      <a:headEnd type="none" w="med" len="med"/>
-                      <a:tailEnd type="none" w="med" len="med"/>
-                    </a:lnL>
-                    <a:lnR w="12700" cap="flat" cmpd="sng" algn="ctr">
-                      <a:solidFill>
-                        <a:srgbClr val="000000"/>
-                      </a:solidFill>
-                      <a:prstDash val="solid"/>
-                      <a:round/>
-                      <a:headEnd type="none" w="med" len="med"/>
-                      <a:tailEnd type="none" w="med" len="med"/>
-                    </a:lnR>
-                    <a:lnT w="12700" cap="flat" cmpd="sng" algn="ctr">
-                      <a:solidFill>
-                        <a:srgbClr val="000000"/>
-                      </a:solidFill>
-                      <a:prstDash val="solid"/>
-                      <a:round/>
-                      <a:headEnd type="none" w="med" len="med"/>
-                      <a:tailEnd type="none" w="med" len="med"/>
-                    </a:lnT>
-                    <a:lnB w="12700" cap="flat" cmpd="sng" algn="ctr">
-                      <a:solidFill>
-                        <a:srgbClr val="000000"/>
-                      </a:solidFill>
-                      <a:prstDash val="solid"/>
-                      <a:round/>
-                      <a:headEnd type="none" w="med" len="med"/>
-                      <a:tailEnd type="none" w="med" len="med"/>
-                    </a:lnB>
-                  </a:tcPr>
-                </a:tc>
-                <a:tc>
-                  <a:txBody>
-                    <a:bodyPr/>
-                    <a:lstStyle/>
-                    <a:p>
-                      <a:pPr indent="0" algn="ctr">
-                        <a:lnSpc>
-                          <a:spcPct val="100000"/>
-                        </a:lnSpc>
-                        <a:spcAft>
-                          <a:spcPts val="0"/>
-                        </a:spcAft>
-                      </a:pPr>
-                      <a:r>
-                        <a:rPr lang="ru-RU" sz="1400" dirty="0">
-                          <a:solidFill>
-                            <a:srgbClr val="000000"/>
-                          </a:solidFill>
-                          <a:effectLst/>
-                          <a:latin typeface="Times New Roman" panose="02020603050405020304" pitchFamily="18" charset="0"/>
-                          <a:ea typeface="Calibri" panose="020F0502020204030204" pitchFamily="34" charset="0"/>
-                          <a:cs typeface="Times New Roman" panose="02020603050405020304" pitchFamily="18" charset="0"/>
-                        </a:rPr>
-                        <a:t>1С: Электронный журнал колледжа</a:t>
-                      </a:r>
-                    </a:p>
-                  </a:txBody>
-                  <a:tcPr marL="34534" marR="34534" marT="0" marB="0">
-                    <a:lnL w="12700" cap="flat" cmpd="sng" algn="ctr">
-                      <a:solidFill>
-                        <a:srgbClr val="000000"/>
-                      </a:solidFill>
-                      <a:prstDash val="solid"/>
-                      <a:round/>
-                      <a:headEnd type="none" w="med" len="med"/>
-                      <a:tailEnd type="none" w="med" len="med"/>
-                    </a:lnL>
-                    <a:lnR w="12700" cap="flat" cmpd="sng" algn="ctr">
-                      <a:solidFill>
-                        <a:srgbClr val="000000"/>
-                      </a:solidFill>
-                      <a:prstDash val="solid"/>
-                      <a:round/>
-                      <a:headEnd type="none" w="med" len="med"/>
-                      <a:tailEnd type="none" w="med" len="med"/>
-                    </a:lnR>
-                    <a:lnT w="12700" cap="flat" cmpd="sng" algn="ctr">
-                      <a:solidFill>
-                        <a:srgbClr val="000000"/>
-                      </a:solidFill>
-                      <a:prstDash val="solid"/>
-                      <a:round/>
-                      <a:headEnd type="none" w="med" len="med"/>
-                      <a:tailEnd type="none" w="med" len="med"/>
-                    </a:lnT>
-                    <a:lnB w="12700" cap="flat" cmpd="sng" algn="ctr">
-                      <a:solidFill>
-                        <a:srgbClr val="000000"/>
-                      </a:solidFill>
-                      <a:prstDash val="solid"/>
-                      <a:round/>
-                      <a:headEnd type="none" w="med" len="med"/>
-                      <a:tailEnd type="none" w="med" len="med"/>
-                    </a:lnB>
-                  </a:tcPr>
-                </a:tc>
-                <a:tc>
-                  <a:txBody>
-                    <a:bodyPr/>
-                    <a:lstStyle/>
-                    <a:p>
-                      <a:pPr indent="0" algn="ctr">
-                        <a:lnSpc>
-                          <a:spcPct val="100000"/>
-                        </a:lnSpc>
-                        <a:spcAft>
-                          <a:spcPts val="0"/>
-                        </a:spcAft>
-                      </a:pPr>
-                      <a:r>
-                        <a:rPr lang="ru-RU" sz="1400" dirty="0" smtClean="0">
-                          <a:solidFill>
-                            <a:srgbClr val="000000"/>
-                          </a:solidFill>
-                          <a:effectLst/>
-                          <a:latin typeface="Times New Roman" panose="02020603050405020304" pitchFamily="18" charset="0"/>
-                          <a:ea typeface="Calibri" panose="020F0502020204030204" pitchFamily="34" charset="0"/>
-                          <a:cs typeface="Times New Roman" panose="02020603050405020304" pitchFamily="18" charset="0"/>
-                        </a:rPr>
-                        <a:t>Существующая система</a:t>
-                      </a:r>
-                      <a:endParaRPr lang="ru-RU" sz="1400" dirty="0">
-                        <a:solidFill>
-                          <a:srgbClr val="000000"/>
-                        </a:solidFill>
-                        <a:effectLst/>
-                        <a:latin typeface="Times New Roman" panose="02020603050405020304" pitchFamily="18" charset="0"/>
-                        <a:ea typeface="Calibri" panose="020F0502020204030204" pitchFamily="34" charset="0"/>
-                        <a:cs typeface="Times New Roman" panose="02020603050405020304" pitchFamily="18" charset="0"/>
-                      </a:endParaRPr>
-                    </a:p>
-                  </a:txBody>
-                  <a:tcPr marL="34534" marR="34534" marT="0" marB="0">
-                    <a:lnL w="12700" cap="flat" cmpd="sng" algn="ctr">
-                      <a:solidFill>
-                        <a:srgbClr val="000000"/>
-                      </a:solidFill>
-                      <a:prstDash val="solid"/>
-                      <a:round/>
-                      <a:headEnd type="none" w="med" len="med"/>
-                      <a:tailEnd type="none" w="med" len="med"/>
-                    </a:lnL>
-                    <a:lnR w="12700" cap="flat" cmpd="sng" algn="ctr">
-                      <a:solidFill>
-                        <a:srgbClr val="000000"/>
-                      </a:solidFill>
-                      <a:prstDash val="solid"/>
-                      <a:round/>
-                      <a:headEnd type="none" w="med" len="med"/>
-                      <a:tailEnd type="none" w="med" len="med"/>
-                    </a:lnR>
-                    <a:lnT w="12700" cap="flat" cmpd="sng" algn="ctr">
-                      <a:solidFill>
-                        <a:srgbClr val="000000"/>
-                      </a:solidFill>
-                      <a:prstDash val="solid"/>
-                      <a:round/>
-                      <a:headEnd type="none" w="med" len="med"/>
-                      <a:tailEnd type="none" w="med" len="med"/>
-                    </a:lnT>
-                    <a:lnB w="12700" cap="flat" cmpd="sng" algn="ctr">
-                      <a:solidFill>
-                        <a:srgbClr val="000000"/>
-                      </a:solidFill>
-                      <a:prstDash val="solid"/>
-                      <a:round/>
-                      <a:headEnd type="none" w="med" len="med"/>
-                      <a:tailEnd type="none" w="med" len="med"/>
-                    </a:lnB>
-                  </a:tcPr>
-                </a:tc>
-                <a:tc>
-                  <a:txBody>
-                    <a:bodyPr/>
-                    <a:lstStyle/>
-                    <a:p>
-                      <a:pPr indent="0" algn="ctr">
-                        <a:lnSpc>
-                          <a:spcPct val="100000"/>
-                        </a:lnSpc>
-                        <a:spcAft>
-                          <a:spcPts val="0"/>
-                        </a:spcAft>
-                      </a:pPr>
-                      <a:r>
-                        <a:rPr lang="ru-RU" sz="1400" dirty="0">
-                          <a:solidFill>
-                            <a:srgbClr val="000000"/>
-                          </a:solidFill>
-                          <a:effectLst/>
-                          <a:latin typeface="Times New Roman" panose="02020603050405020304" pitchFamily="18" charset="0"/>
-                          <a:ea typeface="Calibri" panose="020F0502020204030204" pitchFamily="34" charset="0"/>
-                          <a:cs typeface="Times New Roman" panose="02020603050405020304" pitchFamily="18" charset="0"/>
-                        </a:rPr>
-                        <a:t>Разрабатываемое решение</a:t>
-                      </a:r>
-                    </a:p>
-                  </a:txBody>
-                  <a:tcPr marL="34534" marR="34534" marT="0" marB="0">
-                    <a:lnL w="12700" cap="flat" cmpd="sng" algn="ctr">
-                      <a:solidFill>
-                        <a:srgbClr val="000000"/>
-                      </a:solidFill>
-                      <a:prstDash val="solid"/>
-                      <a:round/>
-                      <a:headEnd type="none" w="med" len="med"/>
-                      <a:tailEnd type="none" w="med" len="med"/>
-                    </a:lnL>
-                    <a:lnR w="12700" cap="flat" cmpd="sng" algn="ctr">
-                      <a:solidFill>
-                        <a:srgbClr val="000000"/>
-                      </a:solidFill>
-                      <a:prstDash val="solid"/>
-                      <a:round/>
-                      <a:headEnd type="none" w="med" len="med"/>
-                      <a:tailEnd type="none" w="med" len="med"/>
-                    </a:lnR>
-                    <a:lnT w="12700" cap="flat" cmpd="sng" algn="ctr">
-                      <a:solidFill>
-                        <a:srgbClr val="000000"/>
-                      </a:solidFill>
-                      <a:prstDash val="solid"/>
-                      <a:round/>
-                      <a:headEnd type="none" w="med" len="med"/>
-                      <a:tailEnd type="none" w="med" len="med"/>
-                    </a:lnT>
-                    <a:lnB w="12700" cap="flat" cmpd="sng" algn="ctr">
-                      <a:solidFill>
-                        <a:srgbClr val="000000"/>
-                      </a:solidFill>
-                      <a:prstDash val="solid"/>
-                      <a:round/>
-                      <a:headEnd type="none" w="med" len="med"/>
-                      <a:tailEnd type="none" w="med" len="med"/>
-                    </a:lnB>
-                  </a:tcPr>
-                </a:tc>
-                <a:extLst>
-                  <a:ext uri="{0D108BD9-81ED-4DB2-BD59-A6C34878D82A}">
-                    <a16:rowId xmlns:a16="http://schemas.microsoft.com/office/drawing/2014/main" val="570852939"/>
-                  </a:ext>
-                </a:extLst>
-              </a:tr>
-              <a:tr h="439586">
-                <a:tc>
-                  <a:txBody>
-                    <a:bodyPr/>
-                    <a:lstStyle/>
-                    <a:p>
-                      <a:pPr indent="0" algn="l">
-                        <a:lnSpc>
-                          <a:spcPct val="100000"/>
-                        </a:lnSpc>
-                        <a:spcAft>
-                          <a:spcPts val="0"/>
-                        </a:spcAft>
-                      </a:pPr>
-                      <a:r>
-                        <a:rPr lang="ru-RU" sz="1400" dirty="0">
-                          <a:solidFill>
-                            <a:srgbClr val="000000"/>
-                          </a:solidFill>
-                          <a:effectLst/>
-                          <a:latin typeface="Times New Roman" panose="02020603050405020304" pitchFamily="18" charset="0"/>
-                          <a:ea typeface="Calibri" panose="020F0502020204030204" pitchFamily="34" charset="0"/>
-                          <a:cs typeface="Times New Roman" panose="02020603050405020304" pitchFamily="18" charset="0"/>
-                        </a:rPr>
-                        <a:t>Проставление отметок о посещении</a:t>
-                      </a:r>
-                    </a:p>
-                  </a:txBody>
-                  <a:tcPr marL="34534" marR="34534" marT="0" marB="0">
-                    <a:lnL w="12700" cap="flat" cmpd="sng" algn="ctr">
-                      <a:solidFill>
-                        <a:srgbClr val="000000"/>
-                      </a:solidFill>
-                      <a:prstDash val="solid"/>
-                      <a:round/>
-                      <a:headEnd type="none" w="med" len="med"/>
-                      <a:tailEnd type="none" w="med" len="med"/>
-                    </a:lnL>
-                    <a:lnR w="12700" cap="flat" cmpd="sng" algn="ctr">
-                      <a:solidFill>
-                        <a:srgbClr val="000000"/>
-                      </a:solidFill>
-                      <a:prstDash val="solid"/>
-                      <a:round/>
-                      <a:headEnd type="none" w="med" len="med"/>
-                      <a:tailEnd type="none" w="med" len="med"/>
-                    </a:lnR>
-                    <a:lnT w="12700" cap="flat" cmpd="sng" algn="ctr">
-                      <a:solidFill>
-                        <a:srgbClr val="000000"/>
-                      </a:solidFill>
-                      <a:prstDash val="solid"/>
-                      <a:round/>
-                      <a:headEnd type="none" w="med" len="med"/>
-                      <a:tailEnd type="none" w="med" len="med"/>
-                    </a:lnT>
-                    <a:lnB w="12700" cap="flat" cmpd="sng" algn="ctr">
-                      <a:solidFill>
-                        <a:srgbClr val="000000"/>
-                      </a:solidFill>
-                      <a:prstDash val="solid"/>
-                      <a:round/>
-                      <a:headEnd type="none" w="med" len="med"/>
-                      <a:tailEnd type="none" w="med" len="med"/>
-                    </a:lnB>
-                  </a:tcPr>
-                </a:tc>
-                <a:tc>
-                  <a:txBody>
-                    <a:bodyPr/>
-                    <a:lstStyle/>
-                    <a:p>
-                      <a:pPr indent="0" algn="ctr">
-                        <a:lnSpc>
-                          <a:spcPct val="100000"/>
-                        </a:lnSpc>
-                        <a:spcAft>
-                          <a:spcPts val="0"/>
-                        </a:spcAft>
-                      </a:pPr>
-                      <a:r>
-                        <a:rPr lang="ru-RU" sz="2400" b="0" dirty="0">
-                          <a:solidFill>
-                            <a:srgbClr val="000000"/>
-                          </a:solidFill>
-                          <a:effectLst/>
-                          <a:latin typeface="Times New Roman" panose="02020603050405020304" pitchFamily="18" charset="0"/>
-                          <a:ea typeface="Calibri" panose="020F0502020204030204" pitchFamily="34" charset="0"/>
-                          <a:cs typeface="Times New Roman" panose="02020603050405020304" pitchFamily="18" charset="0"/>
-                        </a:rPr>
-                        <a:t>+</a:t>
-                      </a:r>
-                    </a:p>
-                  </a:txBody>
-                  <a:tcPr marL="34534" marR="34534" marT="0" marB="0" anchor="ctr">
-                    <a:lnL w="12700" cap="flat" cmpd="sng" algn="ctr">
-                      <a:solidFill>
-                        <a:srgbClr val="000000"/>
-                      </a:solidFill>
-                      <a:prstDash val="solid"/>
-                      <a:round/>
-                      <a:headEnd type="none" w="med" len="med"/>
-                      <a:tailEnd type="none" w="med" len="med"/>
-                    </a:lnL>
-                    <a:lnR w="12700" cap="flat" cmpd="sng" algn="ctr">
-                      <a:solidFill>
-                        <a:srgbClr val="000000"/>
-                      </a:solidFill>
-                      <a:prstDash val="solid"/>
-                      <a:round/>
-                      <a:headEnd type="none" w="med" len="med"/>
-                      <a:tailEnd type="none" w="med" len="med"/>
-                    </a:lnR>
-                    <a:lnT w="12700" cap="flat" cmpd="sng" algn="ctr">
-                      <a:solidFill>
-                        <a:srgbClr val="000000"/>
-                      </a:solidFill>
-                      <a:prstDash val="solid"/>
-                      <a:round/>
-                      <a:headEnd type="none" w="med" len="med"/>
-                      <a:tailEnd type="none" w="med" len="med"/>
-                    </a:lnT>
-                    <a:lnB w="12700" cap="flat" cmpd="sng" algn="ctr">
-                      <a:solidFill>
-                        <a:srgbClr val="000000"/>
-                      </a:solidFill>
-                      <a:prstDash val="solid"/>
-                      <a:round/>
-                      <a:headEnd type="none" w="med" len="med"/>
-                      <a:tailEnd type="none" w="med" len="med"/>
-                    </a:lnB>
-                  </a:tcPr>
-                </a:tc>
-                <a:tc>
-                  <a:txBody>
-                    <a:bodyPr/>
-                    <a:lstStyle/>
-                    <a:p>
-                      <a:pPr indent="0" algn="ctr">
-                        <a:lnSpc>
-                          <a:spcPct val="100000"/>
-                        </a:lnSpc>
-                        <a:spcAft>
-                          <a:spcPts val="0"/>
-                        </a:spcAft>
-                      </a:pPr>
-                      <a:r>
-                        <a:rPr lang="ru-RU" sz="2400" b="0">
-                          <a:solidFill>
-                            <a:srgbClr val="000000"/>
-                          </a:solidFill>
-                          <a:effectLst/>
-                          <a:latin typeface="Times New Roman" panose="02020603050405020304" pitchFamily="18" charset="0"/>
-                          <a:ea typeface="Calibri" panose="020F0502020204030204" pitchFamily="34" charset="0"/>
-                          <a:cs typeface="Times New Roman" panose="02020603050405020304" pitchFamily="18" charset="0"/>
-                        </a:rPr>
-                        <a:t>+</a:t>
-                      </a:r>
-                    </a:p>
-                  </a:txBody>
-                  <a:tcPr marL="34534" marR="34534" marT="0" marB="0" anchor="ctr">
-                    <a:lnL w="12700" cap="flat" cmpd="sng" algn="ctr">
-                      <a:solidFill>
-                        <a:srgbClr val="000000"/>
-                      </a:solidFill>
-                      <a:prstDash val="solid"/>
-                      <a:round/>
-                      <a:headEnd type="none" w="med" len="med"/>
-                      <a:tailEnd type="none" w="med" len="med"/>
-                    </a:lnL>
-                    <a:lnR w="12700" cap="flat" cmpd="sng" algn="ctr">
-                      <a:solidFill>
-                        <a:srgbClr val="000000"/>
-                      </a:solidFill>
-                      <a:prstDash val="solid"/>
-                      <a:round/>
-                      <a:headEnd type="none" w="med" len="med"/>
-                      <a:tailEnd type="none" w="med" len="med"/>
-                    </a:lnR>
-                    <a:lnT w="12700" cap="flat" cmpd="sng" algn="ctr">
-                      <a:solidFill>
-                        <a:srgbClr val="000000"/>
-                      </a:solidFill>
-                      <a:prstDash val="solid"/>
-                      <a:round/>
-                      <a:headEnd type="none" w="med" len="med"/>
-                      <a:tailEnd type="none" w="med" len="med"/>
-                    </a:lnT>
-                    <a:lnB w="12700" cap="flat" cmpd="sng" algn="ctr">
-                      <a:solidFill>
-                        <a:srgbClr val="000000"/>
-                      </a:solidFill>
-                      <a:prstDash val="solid"/>
-                      <a:round/>
-                      <a:headEnd type="none" w="med" len="med"/>
-                      <a:tailEnd type="none" w="med" len="med"/>
-                    </a:lnB>
-                  </a:tcPr>
-                </a:tc>
-                <a:tc>
-                  <a:txBody>
-                    <a:bodyPr/>
-                    <a:lstStyle/>
-                    <a:p>
-                      <a:pPr indent="0" algn="ctr">
-                        <a:lnSpc>
-                          <a:spcPct val="100000"/>
-                        </a:lnSpc>
-                        <a:spcAft>
-                          <a:spcPts val="0"/>
-                        </a:spcAft>
-                      </a:pPr>
-                      <a:r>
-                        <a:rPr lang="ru-RU" sz="2400" b="0" dirty="0" smtClean="0">
-                          <a:solidFill>
-                            <a:srgbClr val="000000"/>
-                          </a:solidFill>
-                          <a:effectLst/>
-                          <a:latin typeface="Times New Roman" panose="02020603050405020304" pitchFamily="18" charset="0"/>
-                          <a:ea typeface="Calibri" panose="020F0502020204030204" pitchFamily="34" charset="0"/>
-                          <a:cs typeface="Times New Roman" panose="02020603050405020304" pitchFamily="18" charset="0"/>
-                        </a:rPr>
-                        <a:t>+</a:t>
-                      </a:r>
-                      <a:endParaRPr lang="ru-RU" sz="2400" b="0" dirty="0">
-                        <a:solidFill>
-                          <a:srgbClr val="000000"/>
-                        </a:solidFill>
-                        <a:effectLst/>
-                        <a:latin typeface="Times New Roman" panose="02020603050405020304" pitchFamily="18" charset="0"/>
-                        <a:ea typeface="Calibri" panose="020F0502020204030204" pitchFamily="34" charset="0"/>
-                        <a:cs typeface="Times New Roman" panose="02020603050405020304" pitchFamily="18" charset="0"/>
-                      </a:endParaRPr>
-                    </a:p>
-                  </a:txBody>
-                  <a:tcPr marL="34534" marR="34534" marT="0" marB="0" anchor="ctr">
-                    <a:lnL w="12700" cap="flat" cmpd="sng" algn="ctr">
-                      <a:solidFill>
-                        <a:srgbClr val="000000"/>
-                      </a:solidFill>
-                      <a:prstDash val="solid"/>
-                      <a:round/>
-                      <a:headEnd type="none" w="med" len="med"/>
-                      <a:tailEnd type="none" w="med" len="med"/>
-                    </a:lnL>
-                    <a:lnR w="12700" cap="flat" cmpd="sng" algn="ctr">
-                      <a:solidFill>
-                        <a:srgbClr val="000000"/>
-                      </a:solidFill>
-                      <a:prstDash val="solid"/>
-                      <a:round/>
-                      <a:headEnd type="none" w="med" len="med"/>
-                      <a:tailEnd type="none" w="med" len="med"/>
-                    </a:lnR>
-                    <a:lnT w="12700" cap="flat" cmpd="sng" algn="ctr">
-                      <a:solidFill>
-                        <a:srgbClr val="000000"/>
-                      </a:solidFill>
-                      <a:prstDash val="solid"/>
-                      <a:round/>
-                      <a:headEnd type="none" w="med" len="med"/>
-                      <a:tailEnd type="none" w="med" len="med"/>
-                    </a:lnT>
-                    <a:lnB w="12700" cap="flat" cmpd="sng" algn="ctr">
-                      <a:solidFill>
-                        <a:srgbClr val="000000"/>
-                      </a:solidFill>
-                      <a:prstDash val="solid"/>
-                      <a:round/>
-                      <a:headEnd type="none" w="med" len="med"/>
-                      <a:tailEnd type="none" w="med" len="med"/>
-                    </a:lnB>
-                  </a:tcPr>
-                </a:tc>
-                <a:tc>
-                  <a:txBody>
-                    <a:bodyPr/>
-                    <a:lstStyle/>
-                    <a:p>
-                      <a:pPr indent="0" algn="ctr">
-                        <a:lnSpc>
-                          <a:spcPct val="100000"/>
-                        </a:lnSpc>
-                        <a:spcAft>
-                          <a:spcPts val="0"/>
-                        </a:spcAft>
-                      </a:pPr>
-                      <a:r>
-                        <a:rPr lang="ru-RU" sz="2400" b="0">
-                          <a:solidFill>
-                            <a:srgbClr val="000000"/>
-                          </a:solidFill>
-                          <a:effectLst/>
-                          <a:latin typeface="Times New Roman" panose="02020603050405020304" pitchFamily="18" charset="0"/>
-                          <a:ea typeface="Calibri" panose="020F0502020204030204" pitchFamily="34" charset="0"/>
-                          <a:cs typeface="Times New Roman" panose="02020603050405020304" pitchFamily="18" charset="0"/>
-                        </a:rPr>
-                        <a:t>+</a:t>
-                      </a:r>
-                    </a:p>
-                  </a:txBody>
-                  <a:tcPr marL="34534" marR="34534" marT="0" marB="0" anchor="ctr">
-                    <a:lnL w="12700" cap="flat" cmpd="sng" algn="ctr">
-                      <a:solidFill>
-                        <a:srgbClr val="000000"/>
-                      </a:solidFill>
-                      <a:prstDash val="solid"/>
-                      <a:round/>
-                      <a:headEnd type="none" w="med" len="med"/>
-                      <a:tailEnd type="none" w="med" len="med"/>
-                    </a:lnL>
-                    <a:lnR w="12700" cap="flat" cmpd="sng" algn="ctr">
-                      <a:solidFill>
-                        <a:srgbClr val="000000"/>
-                      </a:solidFill>
-                      <a:prstDash val="solid"/>
-                      <a:round/>
-                      <a:headEnd type="none" w="med" len="med"/>
-                      <a:tailEnd type="none" w="med" len="med"/>
-                    </a:lnR>
-                    <a:lnT w="12700" cap="flat" cmpd="sng" algn="ctr">
-                      <a:solidFill>
-                        <a:srgbClr val="000000"/>
-                      </a:solidFill>
-                      <a:prstDash val="solid"/>
-                      <a:round/>
-                      <a:headEnd type="none" w="med" len="med"/>
-                      <a:tailEnd type="none" w="med" len="med"/>
-                    </a:lnT>
-                    <a:lnB w="12700" cap="flat" cmpd="sng" algn="ctr">
-                      <a:solidFill>
-                        <a:srgbClr val="000000"/>
-                      </a:solidFill>
-                      <a:prstDash val="solid"/>
-                      <a:round/>
-                      <a:headEnd type="none" w="med" len="med"/>
-                      <a:tailEnd type="none" w="med" len="med"/>
-                    </a:lnB>
-                  </a:tcPr>
-                </a:tc>
-                <a:extLst>
-                  <a:ext uri="{0D108BD9-81ED-4DB2-BD59-A6C34878D82A}">
-                    <a16:rowId xmlns:a16="http://schemas.microsoft.com/office/drawing/2014/main" val="2838777482"/>
-                  </a:ext>
-                </a:extLst>
-              </a:tr>
-              <a:tr h="439586">
-                <a:tc>
-                  <a:txBody>
-                    <a:bodyPr/>
-                    <a:lstStyle/>
-                    <a:p>
-                      <a:pPr indent="0" algn="l">
-                        <a:lnSpc>
-                          <a:spcPct val="100000"/>
-                        </a:lnSpc>
-                        <a:spcAft>
-                          <a:spcPts val="0"/>
-                        </a:spcAft>
-                      </a:pPr>
-                      <a:r>
-                        <a:rPr lang="ru-RU" sz="1400" dirty="0">
-                          <a:solidFill>
-                            <a:srgbClr val="000000"/>
-                          </a:solidFill>
-                          <a:effectLst/>
-                          <a:latin typeface="Times New Roman" panose="02020603050405020304" pitchFamily="18" charset="0"/>
-                          <a:ea typeface="Calibri" panose="020F0502020204030204" pitchFamily="34" charset="0"/>
-                          <a:cs typeface="Times New Roman" panose="02020603050405020304" pitchFamily="18" charset="0"/>
-                        </a:rPr>
-                        <a:t>Просмотр отметок студентами</a:t>
-                      </a:r>
-                    </a:p>
-                  </a:txBody>
-                  <a:tcPr marL="34534" marR="34534" marT="0" marB="0">
-                    <a:lnL w="12700" cap="flat" cmpd="sng" algn="ctr">
-                      <a:solidFill>
-                        <a:srgbClr val="000000"/>
-                      </a:solidFill>
-                      <a:prstDash val="solid"/>
-                      <a:round/>
-                      <a:headEnd type="none" w="med" len="med"/>
-                      <a:tailEnd type="none" w="med" len="med"/>
-                    </a:lnL>
-                    <a:lnR w="12700" cap="flat" cmpd="sng" algn="ctr">
-                      <a:solidFill>
-                        <a:srgbClr val="000000"/>
-                      </a:solidFill>
-                      <a:prstDash val="solid"/>
-                      <a:round/>
-                      <a:headEnd type="none" w="med" len="med"/>
-                      <a:tailEnd type="none" w="med" len="med"/>
-                    </a:lnR>
-                    <a:lnT w="12700" cap="flat" cmpd="sng" algn="ctr">
-                      <a:solidFill>
-                        <a:srgbClr val="000000"/>
-                      </a:solidFill>
-                      <a:prstDash val="solid"/>
-                      <a:round/>
-                      <a:headEnd type="none" w="med" len="med"/>
-                      <a:tailEnd type="none" w="med" len="med"/>
-                    </a:lnT>
-                    <a:lnB w="12700" cap="flat" cmpd="sng" algn="ctr">
-                      <a:solidFill>
-                        <a:srgbClr val="000000"/>
-                      </a:solidFill>
-                      <a:prstDash val="solid"/>
-                      <a:round/>
-                      <a:headEnd type="none" w="med" len="med"/>
-                      <a:tailEnd type="none" w="med" len="med"/>
-                    </a:lnB>
-                  </a:tcPr>
-                </a:tc>
-                <a:tc>
-                  <a:txBody>
-                    <a:bodyPr/>
-                    <a:lstStyle/>
-                    <a:p>
-                      <a:pPr indent="0" algn="ctr">
-                        <a:lnSpc>
-                          <a:spcPct val="100000"/>
-                        </a:lnSpc>
-                        <a:spcAft>
-                          <a:spcPts val="0"/>
-                        </a:spcAft>
-                      </a:pPr>
-                      <a:r>
-                        <a:rPr lang="ru-RU" sz="2400" b="0" dirty="0">
-                          <a:solidFill>
-                            <a:srgbClr val="000000"/>
-                          </a:solidFill>
-                          <a:effectLst/>
-                          <a:latin typeface="Times New Roman" panose="02020603050405020304" pitchFamily="18" charset="0"/>
-                          <a:ea typeface="Calibri" panose="020F0502020204030204" pitchFamily="34" charset="0"/>
-                          <a:cs typeface="Times New Roman" panose="02020603050405020304" pitchFamily="18" charset="0"/>
-                        </a:rPr>
-                        <a:t>+</a:t>
-                      </a:r>
-                    </a:p>
-                  </a:txBody>
-                  <a:tcPr marL="34534" marR="34534" marT="0" marB="0" anchor="ctr">
-                    <a:lnL w="12700" cap="flat" cmpd="sng" algn="ctr">
-                      <a:solidFill>
-                        <a:srgbClr val="000000"/>
-                      </a:solidFill>
-                      <a:prstDash val="solid"/>
-                      <a:round/>
-                      <a:headEnd type="none" w="med" len="med"/>
-                      <a:tailEnd type="none" w="med" len="med"/>
-                    </a:lnL>
-                    <a:lnR w="12700" cap="flat" cmpd="sng" algn="ctr">
-                      <a:solidFill>
-                        <a:srgbClr val="000000"/>
-                      </a:solidFill>
-                      <a:prstDash val="solid"/>
-                      <a:round/>
-                      <a:headEnd type="none" w="med" len="med"/>
-                      <a:tailEnd type="none" w="med" len="med"/>
-                    </a:lnR>
-                    <a:lnT w="12700" cap="flat" cmpd="sng" algn="ctr">
-                      <a:solidFill>
-                        <a:srgbClr val="000000"/>
-                      </a:solidFill>
-                      <a:prstDash val="solid"/>
-                      <a:round/>
-                      <a:headEnd type="none" w="med" len="med"/>
-                      <a:tailEnd type="none" w="med" len="med"/>
-                    </a:lnT>
-                    <a:lnB w="12700" cap="flat" cmpd="sng" algn="ctr">
-                      <a:solidFill>
-                        <a:srgbClr val="000000"/>
-                      </a:solidFill>
-                      <a:prstDash val="solid"/>
-                      <a:round/>
-                      <a:headEnd type="none" w="med" len="med"/>
-                      <a:tailEnd type="none" w="med" len="med"/>
-                    </a:lnB>
-                  </a:tcPr>
-                </a:tc>
-                <a:tc>
-                  <a:txBody>
-                    <a:bodyPr/>
-                    <a:lstStyle/>
-                    <a:p>
-                      <a:pPr indent="0" algn="ctr">
-                        <a:lnSpc>
-                          <a:spcPct val="100000"/>
-                        </a:lnSpc>
-                        <a:spcAft>
-                          <a:spcPts val="0"/>
-                        </a:spcAft>
-                      </a:pPr>
-                      <a:r>
-                        <a:rPr lang="ru-RU" sz="2400" b="0" dirty="0">
-                          <a:solidFill>
-                            <a:srgbClr val="000000"/>
-                          </a:solidFill>
-                          <a:effectLst/>
-                          <a:latin typeface="Times New Roman" panose="02020603050405020304" pitchFamily="18" charset="0"/>
-                          <a:ea typeface="Calibri" panose="020F0502020204030204" pitchFamily="34" charset="0"/>
-                          <a:cs typeface="Times New Roman" panose="02020603050405020304" pitchFamily="18" charset="0"/>
-                        </a:rPr>
-                        <a:t>+</a:t>
-                      </a:r>
-                    </a:p>
-                  </a:txBody>
-                  <a:tcPr marL="34534" marR="34534" marT="0" marB="0" anchor="ctr">
-                    <a:lnL w="12700" cap="flat" cmpd="sng" algn="ctr">
-                      <a:solidFill>
-                        <a:srgbClr val="000000"/>
-                      </a:solidFill>
-                      <a:prstDash val="solid"/>
-                      <a:round/>
-                      <a:headEnd type="none" w="med" len="med"/>
-                      <a:tailEnd type="none" w="med" len="med"/>
-                    </a:lnL>
-                    <a:lnR w="12700" cap="flat" cmpd="sng" algn="ctr">
-                      <a:solidFill>
-                        <a:srgbClr val="000000"/>
-                      </a:solidFill>
-                      <a:prstDash val="solid"/>
-                      <a:round/>
-                      <a:headEnd type="none" w="med" len="med"/>
-                      <a:tailEnd type="none" w="med" len="med"/>
-                    </a:lnR>
-                    <a:lnT w="12700" cap="flat" cmpd="sng" algn="ctr">
-                      <a:solidFill>
-                        <a:srgbClr val="000000"/>
-                      </a:solidFill>
-                      <a:prstDash val="solid"/>
-                      <a:round/>
-                      <a:headEnd type="none" w="med" len="med"/>
-                      <a:tailEnd type="none" w="med" len="med"/>
-                    </a:lnT>
-                    <a:lnB w="12700" cap="flat" cmpd="sng" algn="ctr">
-                      <a:solidFill>
-                        <a:srgbClr val="000000"/>
-                      </a:solidFill>
-                      <a:prstDash val="solid"/>
-                      <a:round/>
-                      <a:headEnd type="none" w="med" len="med"/>
-                      <a:tailEnd type="none" w="med" len="med"/>
-                    </a:lnB>
-                  </a:tcPr>
-                </a:tc>
-                <a:tc>
-                  <a:txBody>
-                    <a:bodyPr/>
-                    <a:lstStyle/>
-                    <a:p>
-                      <a:pPr indent="0" algn="ctr">
-                        <a:lnSpc>
-                          <a:spcPct val="100000"/>
-                        </a:lnSpc>
-                        <a:spcAft>
-                          <a:spcPts val="0"/>
-                        </a:spcAft>
-                      </a:pPr>
-                      <a:r>
-                        <a:rPr lang="ru-RU" sz="2400" b="0" dirty="0" smtClean="0">
-                          <a:solidFill>
-                            <a:srgbClr val="000000"/>
-                          </a:solidFill>
-                          <a:effectLst/>
-                          <a:latin typeface="Times New Roman" panose="02020603050405020304" pitchFamily="18" charset="0"/>
-                          <a:ea typeface="Calibri" panose="020F0502020204030204" pitchFamily="34" charset="0"/>
-                          <a:cs typeface="Times New Roman" panose="02020603050405020304" pitchFamily="18" charset="0"/>
-                        </a:rPr>
-                        <a:t>+</a:t>
-                      </a:r>
-                      <a:endParaRPr lang="ru-RU" sz="2400" b="0" dirty="0">
-                        <a:solidFill>
-                          <a:srgbClr val="000000"/>
-                        </a:solidFill>
-                        <a:effectLst/>
-                        <a:latin typeface="Times New Roman" panose="02020603050405020304" pitchFamily="18" charset="0"/>
-                        <a:ea typeface="Calibri" panose="020F0502020204030204" pitchFamily="34" charset="0"/>
-                        <a:cs typeface="Times New Roman" panose="02020603050405020304" pitchFamily="18" charset="0"/>
-                      </a:endParaRPr>
-                    </a:p>
-                  </a:txBody>
-                  <a:tcPr marL="34534" marR="34534" marT="0" marB="0" anchor="ctr">
-                    <a:lnL w="12700" cap="flat" cmpd="sng" algn="ctr">
-                      <a:solidFill>
-                        <a:srgbClr val="000000"/>
-                      </a:solidFill>
-                      <a:prstDash val="solid"/>
-                      <a:round/>
-                      <a:headEnd type="none" w="med" len="med"/>
-                      <a:tailEnd type="none" w="med" len="med"/>
-                    </a:lnL>
-                    <a:lnR w="12700" cap="flat" cmpd="sng" algn="ctr">
-                      <a:solidFill>
-                        <a:srgbClr val="000000"/>
-                      </a:solidFill>
-                      <a:prstDash val="solid"/>
-                      <a:round/>
-                      <a:headEnd type="none" w="med" len="med"/>
-                      <a:tailEnd type="none" w="med" len="med"/>
-                    </a:lnR>
-                    <a:lnT w="12700" cap="flat" cmpd="sng" algn="ctr">
-                      <a:solidFill>
-                        <a:srgbClr val="000000"/>
-                      </a:solidFill>
-                      <a:prstDash val="solid"/>
-                      <a:round/>
-                      <a:headEnd type="none" w="med" len="med"/>
-                      <a:tailEnd type="none" w="med" len="med"/>
-                    </a:lnT>
-                    <a:lnB w="12700" cap="flat" cmpd="sng" algn="ctr">
-                      <a:solidFill>
-                        <a:srgbClr val="000000"/>
-                      </a:solidFill>
-                      <a:prstDash val="solid"/>
-                      <a:round/>
-                      <a:headEnd type="none" w="med" len="med"/>
-                      <a:tailEnd type="none" w="med" len="med"/>
-                    </a:lnB>
-                  </a:tcPr>
-                </a:tc>
-                <a:tc>
-                  <a:txBody>
-                    <a:bodyPr/>
-                    <a:lstStyle/>
-                    <a:p>
-                      <a:pPr indent="0" algn="ctr">
-                        <a:lnSpc>
-                          <a:spcPct val="100000"/>
-                        </a:lnSpc>
-                        <a:spcAft>
-                          <a:spcPts val="0"/>
-                        </a:spcAft>
-                      </a:pPr>
-                      <a:r>
-                        <a:rPr lang="ru-RU" sz="2400" b="0">
-                          <a:solidFill>
-                            <a:srgbClr val="000000"/>
-                          </a:solidFill>
-                          <a:effectLst/>
-                          <a:latin typeface="Times New Roman" panose="02020603050405020304" pitchFamily="18" charset="0"/>
-                          <a:ea typeface="Calibri" panose="020F0502020204030204" pitchFamily="34" charset="0"/>
-                          <a:cs typeface="Times New Roman" panose="02020603050405020304" pitchFamily="18" charset="0"/>
-                        </a:rPr>
-                        <a:t>+</a:t>
-                      </a:r>
-                    </a:p>
-                  </a:txBody>
-                  <a:tcPr marL="34534" marR="34534" marT="0" marB="0" anchor="ctr">
-                    <a:lnL w="12700" cap="flat" cmpd="sng" algn="ctr">
-                      <a:solidFill>
-                        <a:srgbClr val="000000"/>
-                      </a:solidFill>
-                      <a:prstDash val="solid"/>
-                      <a:round/>
-                      <a:headEnd type="none" w="med" len="med"/>
-                      <a:tailEnd type="none" w="med" len="med"/>
-                    </a:lnL>
-                    <a:lnR w="12700" cap="flat" cmpd="sng" algn="ctr">
-                      <a:solidFill>
-                        <a:srgbClr val="000000"/>
-                      </a:solidFill>
-                      <a:prstDash val="solid"/>
-                      <a:round/>
-                      <a:headEnd type="none" w="med" len="med"/>
-                      <a:tailEnd type="none" w="med" len="med"/>
-                    </a:lnR>
-                    <a:lnT w="12700" cap="flat" cmpd="sng" algn="ctr">
-                      <a:solidFill>
-                        <a:srgbClr val="000000"/>
-                      </a:solidFill>
-                      <a:prstDash val="solid"/>
-                      <a:round/>
-                      <a:headEnd type="none" w="med" len="med"/>
-                      <a:tailEnd type="none" w="med" len="med"/>
-                    </a:lnT>
-                    <a:lnB w="12700" cap="flat" cmpd="sng" algn="ctr">
-                      <a:solidFill>
-                        <a:srgbClr val="000000"/>
-                      </a:solidFill>
-                      <a:prstDash val="solid"/>
-                      <a:round/>
-                      <a:headEnd type="none" w="med" len="med"/>
-                      <a:tailEnd type="none" w="med" len="med"/>
-                    </a:lnB>
-                  </a:tcPr>
-                </a:tc>
-                <a:extLst>
-                  <a:ext uri="{0D108BD9-81ED-4DB2-BD59-A6C34878D82A}">
-                    <a16:rowId xmlns:a16="http://schemas.microsoft.com/office/drawing/2014/main" val="3502343199"/>
-                  </a:ext>
-                </a:extLst>
-              </a:tr>
-              <a:tr h="439586">
-                <a:tc>
-                  <a:txBody>
-                    <a:bodyPr/>
-                    <a:lstStyle/>
-                    <a:p>
-                      <a:pPr indent="0" algn="l">
-                        <a:lnSpc>
-                          <a:spcPct val="100000"/>
-                        </a:lnSpc>
-                        <a:spcAft>
-                          <a:spcPts val="0"/>
-                        </a:spcAft>
-                      </a:pPr>
-                      <a:r>
-                        <a:rPr lang="ru-RU" sz="1400" dirty="0">
-                          <a:solidFill>
-                            <a:srgbClr val="000000"/>
-                          </a:solidFill>
-                          <a:effectLst/>
-                          <a:latin typeface="Times New Roman" panose="02020603050405020304" pitchFamily="18" charset="0"/>
-                          <a:ea typeface="Calibri" panose="020F0502020204030204" pitchFamily="34" charset="0"/>
-                          <a:cs typeface="Times New Roman" panose="02020603050405020304" pitchFamily="18" charset="0"/>
-                        </a:rPr>
-                        <a:t>Проставление отметок о сдаче работ</a:t>
-                      </a:r>
-                    </a:p>
-                  </a:txBody>
-                  <a:tcPr marL="34534" marR="34534" marT="0" marB="0">
-                    <a:lnL w="12700" cap="flat" cmpd="sng" algn="ctr">
-                      <a:solidFill>
-                        <a:srgbClr val="000000"/>
-                      </a:solidFill>
-                      <a:prstDash val="solid"/>
-                      <a:round/>
-                      <a:headEnd type="none" w="med" len="med"/>
-                      <a:tailEnd type="none" w="med" len="med"/>
-                    </a:lnL>
-                    <a:lnR w="12700" cap="flat" cmpd="sng" algn="ctr">
-                      <a:solidFill>
-                        <a:srgbClr val="000000"/>
-                      </a:solidFill>
-                      <a:prstDash val="solid"/>
-                      <a:round/>
-                      <a:headEnd type="none" w="med" len="med"/>
-                      <a:tailEnd type="none" w="med" len="med"/>
-                    </a:lnR>
-                    <a:lnT w="12700" cap="flat" cmpd="sng" algn="ctr">
-                      <a:solidFill>
-                        <a:srgbClr val="000000"/>
-                      </a:solidFill>
-                      <a:prstDash val="solid"/>
-                      <a:round/>
-                      <a:headEnd type="none" w="med" len="med"/>
-                      <a:tailEnd type="none" w="med" len="med"/>
-                    </a:lnT>
-                    <a:lnB w="12700" cap="flat" cmpd="sng" algn="ctr">
-                      <a:solidFill>
-                        <a:srgbClr val="000000"/>
-                      </a:solidFill>
-                      <a:prstDash val="solid"/>
-                      <a:round/>
-                      <a:headEnd type="none" w="med" len="med"/>
-                      <a:tailEnd type="none" w="med" len="med"/>
-                    </a:lnB>
-                  </a:tcPr>
-                </a:tc>
-                <a:tc>
-                  <a:txBody>
-                    <a:bodyPr/>
-                    <a:lstStyle/>
-                    <a:p>
-                      <a:pPr indent="0" algn="ctr">
-                        <a:lnSpc>
-                          <a:spcPct val="100000"/>
-                        </a:lnSpc>
-                        <a:spcAft>
-                          <a:spcPts val="0"/>
-                        </a:spcAft>
-                      </a:pPr>
-                      <a:r>
-                        <a:rPr lang="ru-RU" sz="2400" b="0">
-                          <a:solidFill>
-                            <a:srgbClr val="000000"/>
-                          </a:solidFill>
-                          <a:effectLst/>
-                          <a:latin typeface="Times New Roman" panose="02020603050405020304" pitchFamily="18" charset="0"/>
-                          <a:ea typeface="Calibri" panose="020F0502020204030204" pitchFamily="34" charset="0"/>
-                          <a:cs typeface="Times New Roman" panose="02020603050405020304" pitchFamily="18" charset="0"/>
-                        </a:rPr>
-                        <a:t>-</a:t>
-                      </a:r>
-                    </a:p>
-                  </a:txBody>
-                  <a:tcPr marL="34534" marR="34534" marT="0" marB="0" anchor="ctr">
-                    <a:lnL w="12700" cap="flat" cmpd="sng" algn="ctr">
-                      <a:solidFill>
-                        <a:srgbClr val="000000"/>
-                      </a:solidFill>
-                      <a:prstDash val="solid"/>
-                      <a:round/>
-                      <a:headEnd type="none" w="med" len="med"/>
-                      <a:tailEnd type="none" w="med" len="med"/>
-                    </a:lnL>
-                    <a:lnR w="12700" cap="flat" cmpd="sng" algn="ctr">
-                      <a:solidFill>
-                        <a:srgbClr val="000000"/>
-                      </a:solidFill>
-                      <a:prstDash val="solid"/>
-                      <a:round/>
-                      <a:headEnd type="none" w="med" len="med"/>
-                      <a:tailEnd type="none" w="med" len="med"/>
-                    </a:lnR>
-                    <a:lnT w="12700" cap="flat" cmpd="sng" algn="ctr">
-                      <a:solidFill>
-                        <a:srgbClr val="000000"/>
-                      </a:solidFill>
-                      <a:prstDash val="solid"/>
-                      <a:round/>
-                      <a:headEnd type="none" w="med" len="med"/>
-                      <a:tailEnd type="none" w="med" len="med"/>
-                    </a:lnT>
-                    <a:lnB w="12700" cap="flat" cmpd="sng" algn="ctr">
-                      <a:solidFill>
-                        <a:srgbClr val="000000"/>
-                      </a:solidFill>
-                      <a:prstDash val="solid"/>
-                      <a:round/>
-                      <a:headEnd type="none" w="med" len="med"/>
-                      <a:tailEnd type="none" w="med" len="med"/>
-                    </a:lnB>
-                  </a:tcPr>
-                </a:tc>
-                <a:tc>
-                  <a:txBody>
-                    <a:bodyPr/>
-                    <a:lstStyle/>
-                    <a:p>
-                      <a:pPr indent="0" algn="ctr">
-                        <a:lnSpc>
-                          <a:spcPct val="100000"/>
-                        </a:lnSpc>
-                        <a:spcAft>
-                          <a:spcPts val="0"/>
-                        </a:spcAft>
-                      </a:pPr>
-                      <a:r>
-                        <a:rPr lang="ru-RU" sz="2400" b="0" dirty="0">
-                          <a:solidFill>
-                            <a:srgbClr val="000000"/>
-                          </a:solidFill>
-                          <a:effectLst/>
-                          <a:latin typeface="Times New Roman" panose="02020603050405020304" pitchFamily="18" charset="0"/>
-                          <a:ea typeface="Calibri" panose="020F0502020204030204" pitchFamily="34" charset="0"/>
-                          <a:cs typeface="Times New Roman" panose="02020603050405020304" pitchFamily="18" charset="0"/>
-                        </a:rPr>
-                        <a:t>+</a:t>
-                      </a:r>
-                    </a:p>
-                  </a:txBody>
-                  <a:tcPr marL="34534" marR="34534" marT="0" marB="0" anchor="ctr">
-                    <a:lnL w="12700" cap="flat" cmpd="sng" algn="ctr">
-                      <a:solidFill>
-                        <a:srgbClr val="000000"/>
-                      </a:solidFill>
-                      <a:prstDash val="solid"/>
-                      <a:round/>
-                      <a:headEnd type="none" w="med" len="med"/>
-                      <a:tailEnd type="none" w="med" len="med"/>
-                    </a:lnL>
-                    <a:lnR w="12700" cap="flat" cmpd="sng" algn="ctr">
-                      <a:solidFill>
-                        <a:srgbClr val="000000"/>
-                      </a:solidFill>
-                      <a:prstDash val="solid"/>
-                      <a:round/>
-                      <a:headEnd type="none" w="med" len="med"/>
-                      <a:tailEnd type="none" w="med" len="med"/>
-                    </a:lnR>
-                    <a:lnT w="12700" cap="flat" cmpd="sng" algn="ctr">
-                      <a:solidFill>
-                        <a:srgbClr val="000000"/>
-                      </a:solidFill>
-                      <a:prstDash val="solid"/>
-                      <a:round/>
-                      <a:headEnd type="none" w="med" len="med"/>
-                      <a:tailEnd type="none" w="med" len="med"/>
-                    </a:lnT>
-                    <a:lnB w="12700" cap="flat" cmpd="sng" algn="ctr">
-                      <a:solidFill>
-                        <a:srgbClr val="000000"/>
-                      </a:solidFill>
-                      <a:prstDash val="solid"/>
-                      <a:round/>
-                      <a:headEnd type="none" w="med" len="med"/>
-                      <a:tailEnd type="none" w="med" len="med"/>
-                    </a:lnB>
-                  </a:tcPr>
-                </a:tc>
-                <a:tc>
-                  <a:txBody>
-                    <a:bodyPr/>
-                    <a:lstStyle/>
-                    <a:p>
-                      <a:pPr indent="0" algn="ctr">
-                        <a:lnSpc>
-                          <a:spcPct val="100000"/>
-                        </a:lnSpc>
-                        <a:spcAft>
-                          <a:spcPts val="0"/>
-                        </a:spcAft>
-                      </a:pPr>
-                      <a:r>
-                        <a:rPr lang="ru-RU" sz="2400" b="0" dirty="0" smtClean="0">
-                          <a:solidFill>
-                            <a:srgbClr val="000000"/>
-                          </a:solidFill>
-                          <a:effectLst/>
-                          <a:latin typeface="Times New Roman" panose="02020603050405020304" pitchFamily="18" charset="0"/>
-                          <a:ea typeface="Calibri" panose="020F0502020204030204" pitchFamily="34" charset="0"/>
-                          <a:cs typeface="Times New Roman" panose="02020603050405020304" pitchFamily="18" charset="0"/>
-                        </a:rPr>
-                        <a:t>+</a:t>
-                      </a:r>
-                      <a:endParaRPr lang="ru-RU" sz="2400" b="0" dirty="0">
-                        <a:solidFill>
-                          <a:srgbClr val="000000"/>
-                        </a:solidFill>
-                        <a:effectLst/>
-                        <a:latin typeface="Times New Roman" panose="02020603050405020304" pitchFamily="18" charset="0"/>
-                        <a:ea typeface="Calibri" panose="020F0502020204030204" pitchFamily="34" charset="0"/>
-                        <a:cs typeface="Times New Roman" panose="02020603050405020304" pitchFamily="18" charset="0"/>
-                      </a:endParaRPr>
-                    </a:p>
-                  </a:txBody>
-                  <a:tcPr marL="34534" marR="34534" marT="0" marB="0" anchor="ctr">
-                    <a:lnL w="12700" cap="flat" cmpd="sng" algn="ctr">
-                      <a:solidFill>
-                        <a:srgbClr val="000000"/>
-                      </a:solidFill>
-                      <a:prstDash val="solid"/>
-                      <a:round/>
-                      <a:headEnd type="none" w="med" len="med"/>
-                      <a:tailEnd type="none" w="med" len="med"/>
-                    </a:lnL>
-                    <a:lnR w="12700" cap="flat" cmpd="sng" algn="ctr">
-                      <a:solidFill>
-                        <a:srgbClr val="000000"/>
-                      </a:solidFill>
-                      <a:prstDash val="solid"/>
-                      <a:round/>
-                      <a:headEnd type="none" w="med" len="med"/>
-                      <a:tailEnd type="none" w="med" len="med"/>
-                    </a:lnR>
-                    <a:lnT w="12700" cap="flat" cmpd="sng" algn="ctr">
-                      <a:solidFill>
-                        <a:srgbClr val="000000"/>
-                      </a:solidFill>
-                      <a:prstDash val="solid"/>
-                      <a:round/>
-                      <a:headEnd type="none" w="med" len="med"/>
-                      <a:tailEnd type="none" w="med" len="med"/>
-                    </a:lnT>
-                    <a:lnB w="12700" cap="flat" cmpd="sng" algn="ctr">
-                      <a:solidFill>
-                        <a:srgbClr val="000000"/>
-                      </a:solidFill>
-                      <a:prstDash val="solid"/>
-                      <a:round/>
-                      <a:headEnd type="none" w="med" len="med"/>
-                      <a:tailEnd type="none" w="med" len="med"/>
-                    </a:lnB>
-                  </a:tcPr>
-                </a:tc>
-                <a:tc>
-                  <a:txBody>
-                    <a:bodyPr/>
-                    <a:lstStyle/>
-                    <a:p>
-                      <a:pPr indent="0" algn="ctr">
-                        <a:lnSpc>
-                          <a:spcPct val="100000"/>
-                        </a:lnSpc>
-                        <a:spcAft>
-                          <a:spcPts val="0"/>
-                        </a:spcAft>
-                      </a:pPr>
-                      <a:r>
-                        <a:rPr lang="ru-RU" sz="2400" b="0">
-                          <a:solidFill>
-                            <a:srgbClr val="000000"/>
-                          </a:solidFill>
-                          <a:effectLst/>
-                          <a:latin typeface="Times New Roman" panose="02020603050405020304" pitchFamily="18" charset="0"/>
-                          <a:ea typeface="Calibri" panose="020F0502020204030204" pitchFamily="34" charset="0"/>
-                          <a:cs typeface="Times New Roman" panose="02020603050405020304" pitchFamily="18" charset="0"/>
-                        </a:rPr>
-                        <a:t>+</a:t>
-                      </a:r>
-                    </a:p>
-                  </a:txBody>
-                  <a:tcPr marL="34534" marR="34534" marT="0" marB="0" anchor="ctr">
-                    <a:lnL w="12700" cap="flat" cmpd="sng" algn="ctr">
-                      <a:solidFill>
-                        <a:srgbClr val="000000"/>
-                      </a:solidFill>
-                      <a:prstDash val="solid"/>
-                      <a:round/>
-                      <a:headEnd type="none" w="med" len="med"/>
-                      <a:tailEnd type="none" w="med" len="med"/>
-                    </a:lnL>
-                    <a:lnR w="12700" cap="flat" cmpd="sng" algn="ctr">
-                      <a:solidFill>
-                        <a:srgbClr val="000000"/>
-                      </a:solidFill>
-                      <a:prstDash val="solid"/>
-                      <a:round/>
-                      <a:headEnd type="none" w="med" len="med"/>
-                      <a:tailEnd type="none" w="med" len="med"/>
-                    </a:lnR>
-                    <a:lnT w="12700" cap="flat" cmpd="sng" algn="ctr">
-                      <a:solidFill>
-                        <a:srgbClr val="000000"/>
-                      </a:solidFill>
-                      <a:prstDash val="solid"/>
-                      <a:round/>
-                      <a:headEnd type="none" w="med" len="med"/>
-                      <a:tailEnd type="none" w="med" len="med"/>
-                    </a:lnT>
-                    <a:lnB w="12700" cap="flat" cmpd="sng" algn="ctr">
-                      <a:solidFill>
-                        <a:srgbClr val="000000"/>
-                      </a:solidFill>
-                      <a:prstDash val="solid"/>
-                      <a:round/>
-                      <a:headEnd type="none" w="med" len="med"/>
-                      <a:tailEnd type="none" w="med" len="med"/>
-                    </a:lnB>
-                  </a:tcPr>
-                </a:tc>
-                <a:extLst>
-                  <a:ext uri="{0D108BD9-81ED-4DB2-BD59-A6C34878D82A}">
-                    <a16:rowId xmlns:a16="http://schemas.microsoft.com/office/drawing/2014/main" val="879484880"/>
-                  </a:ext>
-                </a:extLst>
-              </a:tr>
-              <a:tr h="439586">
-                <a:tc>
-                  <a:txBody>
-                    <a:bodyPr/>
-                    <a:lstStyle/>
-                    <a:p>
-                      <a:pPr indent="0" algn="l">
-                        <a:lnSpc>
-                          <a:spcPct val="100000"/>
-                        </a:lnSpc>
-                        <a:spcAft>
-                          <a:spcPts val="0"/>
-                        </a:spcAft>
-                      </a:pPr>
-                      <a:r>
-                        <a:rPr lang="ru-RU" sz="1400" dirty="0" smtClean="0">
-                          <a:solidFill>
-                            <a:srgbClr val="000000"/>
-                          </a:solidFill>
-                          <a:effectLst/>
-                          <a:latin typeface="Times New Roman" panose="02020603050405020304" pitchFamily="18" charset="0"/>
-                          <a:ea typeface="Calibri" panose="020F0502020204030204" pitchFamily="34" charset="0"/>
-                          <a:cs typeface="Times New Roman" panose="02020603050405020304" pitchFamily="18" charset="0"/>
-                        </a:rPr>
-                        <a:t>Добавление комментария к занятию</a:t>
-                      </a:r>
-                      <a:endParaRPr lang="ru-RU" sz="1400" dirty="0">
-                        <a:solidFill>
-                          <a:srgbClr val="000000"/>
-                        </a:solidFill>
-                        <a:effectLst/>
-                        <a:latin typeface="Times New Roman" panose="02020603050405020304" pitchFamily="18" charset="0"/>
-                        <a:ea typeface="Calibri" panose="020F0502020204030204" pitchFamily="34" charset="0"/>
-                        <a:cs typeface="Times New Roman" panose="02020603050405020304" pitchFamily="18" charset="0"/>
-                      </a:endParaRPr>
-                    </a:p>
-                  </a:txBody>
-                  <a:tcPr marL="34534" marR="34534" marT="0" marB="0">
-                    <a:lnL w="12700" cap="flat" cmpd="sng" algn="ctr">
-                      <a:solidFill>
-                        <a:srgbClr val="000000"/>
-                      </a:solidFill>
-                      <a:prstDash val="solid"/>
-                      <a:round/>
-                      <a:headEnd type="none" w="med" len="med"/>
-                      <a:tailEnd type="none" w="med" len="med"/>
-                    </a:lnL>
-                    <a:lnR w="12700" cap="flat" cmpd="sng" algn="ctr">
-                      <a:solidFill>
-                        <a:srgbClr val="000000"/>
-                      </a:solidFill>
-                      <a:prstDash val="solid"/>
-                      <a:round/>
-                      <a:headEnd type="none" w="med" len="med"/>
-                      <a:tailEnd type="none" w="med" len="med"/>
-                    </a:lnR>
-                    <a:lnT w="12700" cap="flat" cmpd="sng" algn="ctr">
-                      <a:solidFill>
-                        <a:srgbClr val="000000"/>
-                      </a:solidFill>
-                      <a:prstDash val="solid"/>
-                      <a:round/>
-                      <a:headEnd type="none" w="med" len="med"/>
-                      <a:tailEnd type="none" w="med" len="med"/>
-                    </a:lnT>
-                    <a:lnB w="12700" cap="flat" cmpd="sng" algn="ctr">
-                      <a:solidFill>
-                        <a:srgbClr val="000000"/>
-                      </a:solidFill>
-                      <a:prstDash val="solid"/>
-                      <a:round/>
-                      <a:headEnd type="none" w="med" len="med"/>
-                      <a:tailEnd type="none" w="med" len="med"/>
-                    </a:lnB>
-                  </a:tcPr>
-                </a:tc>
-                <a:tc>
-                  <a:txBody>
-                    <a:bodyPr/>
-                    <a:lstStyle/>
-                    <a:p>
-                      <a:pPr indent="0" algn="ctr">
-                        <a:lnSpc>
-                          <a:spcPct val="100000"/>
-                        </a:lnSpc>
-                        <a:spcAft>
-                          <a:spcPts val="0"/>
-                        </a:spcAft>
-                      </a:pPr>
-                      <a:r>
-                        <a:rPr lang="ru-RU" sz="2400" b="0" dirty="0">
-                          <a:solidFill>
-                            <a:srgbClr val="000000"/>
-                          </a:solidFill>
-                          <a:effectLst/>
-                          <a:latin typeface="Times New Roman" panose="02020603050405020304" pitchFamily="18" charset="0"/>
-                          <a:ea typeface="Calibri" panose="020F0502020204030204" pitchFamily="34" charset="0"/>
-                          <a:cs typeface="Times New Roman" panose="02020603050405020304" pitchFamily="18" charset="0"/>
-                        </a:rPr>
-                        <a:t>-</a:t>
-                      </a:r>
-                    </a:p>
-                  </a:txBody>
-                  <a:tcPr marL="34534" marR="34534" marT="0" marB="0" anchor="ctr">
-                    <a:lnL w="12700" cap="flat" cmpd="sng" algn="ctr">
-                      <a:solidFill>
-                        <a:srgbClr val="000000"/>
-                      </a:solidFill>
-                      <a:prstDash val="solid"/>
-                      <a:round/>
-                      <a:headEnd type="none" w="med" len="med"/>
-                      <a:tailEnd type="none" w="med" len="med"/>
-                    </a:lnL>
-                    <a:lnR w="12700" cap="flat" cmpd="sng" algn="ctr">
-                      <a:solidFill>
-                        <a:srgbClr val="000000"/>
-                      </a:solidFill>
-                      <a:prstDash val="solid"/>
-                      <a:round/>
-                      <a:headEnd type="none" w="med" len="med"/>
-                      <a:tailEnd type="none" w="med" len="med"/>
-                    </a:lnR>
-                    <a:lnT w="12700" cap="flat" cmpd="sng" algn="ctr">
-                      <a:solidFill>
-                        <a:srgbClr val="000000"/>
-                      </a:solidFill>
-                      <a:prstDash val="solid"/>
-                      <a:round/>
-                      <a:headEnd type="none" w="med" len="med"/>
-                      <a:tailEnd type="none" w="med" len="med"/>
-                    </a:lnT>
-                    <a:lnB w="12700" cap="flat" cmpd="sng" algn="ctr">
-                      <a:solidFill>
-                        <a:srgbClr val="000000"/>
-                      </a:solidFill>
-                      <a:prstDash val="solid"/>
-                      <a:round/>
-                      <a:headEnd type="none" w="med" len="med"/>
-                      <a:tailEnd type="none" w="med" len="med"/>
-                    </a:lnB>
-                  </a:tcPr>
-                </a:tc>
-                <a:tc>
-                  <a:txBody>
-                    <a:bodyPr/>
-                    <a:lstStyle/>
-                    <a:p>
-                      <a:pPr indent="0" algn="ctr">
-                        <a:lnSpc>
-                          <a:spcPct val="100000"/>
-                        </a:lnSpc>
-                        <a:spcAft>
-                          <a:spcPts val="0"/>
-                        </a:spcAft>
-                      </a:pPr>
-                      <a:r>
-                        <a:rPr lang="ru-RU" sz="2400" b="0" dirty="0" smtClean="0">
-                          <a:solidFill>
-                            <a:srgbClr val="000000"/>
-                          </a:solidFill>
-                          <a:effectLst/>
-                          <a:latin typeface="Times New Roman" panose="02020603050405020304" pitchFamily="18" charset="0"/>
-                          <a:ea typeface="Calibri" panose="020F0502020204030204" pitchFamily="34" charset="0"/>
-                          <a:cs typeface="Times New Roman" panose="02020603050405020304" pitchFamily="18" charset="0"/>
-                        </a:rPr>
-                        <a:t>-</a:t>
-                      </a:r>
-                      <a:endParaRPr lang="ru-RU" sz="2400" b="0" dirty="0">
-                        <a:solidFill>
-                          <a:srgbClr val="000000"/>
-                        </a:solidFill>
-                        <a:effectLst/>
-                        <a:latin typeface="Times New Roman" panose="02020603050405020304" pitchFamily="18" charset="0"/>
-                        <a:ea typeface="Calibri" panose="020F0502020204030204" pitchFamily="34" charset="0"/>
-                        <a:cs typeface="Times New Roman" panose="02020603050405020304" pitchFamily="18" charset="0"/>
-                      </a:endParaRPr>
-                    </a:p>
-                  </a:txBody>
-                  <a:tcPr marL="34534" marR="34534" marT="0" marB="0" anchor="ctr">
-                    <a:lnL w="12700" cap="flat" cmpd="sng" algn="ctr">
-                      <a:solidFill>
-                        <a:srgbClr val="000000"/>
-                      </a:solidFill>
-                      <a:prstDash val="solid"/>
-                      <a:round/>
-                      <a:headEnd type="none" w="med" len="med"/>
-                      <a:tailEnd type="none" w="med" len="med"/>
-                    </a:lnL>
-                    <a:lnR w="12700" cap="flat" cmpd="sng" algn="ctr">
-                      <a:solidFill>
-                        <a:srgbClr val="000000"/>
-                      </a:solidFill>
-                      <a:prstDash val="solid"/>
-                      <a:round/>
-                      <a:headEnd type="none" w="med" len="med"/>
-                      <a:tailEnd type="none" w="med" len="med"/>
-                    </a:lnR>
-                    <a:lnT w="12700" cap="flat" cmpd="sng" algn="ctr">
-                      <a:solidFill>
-                        <a:srgbClr val="000000"/>
-                      </a:solidFill>
-                      <a:prstDash val="solid"/>
-                      <a:round/>
-                      <a:headEnd type="none" w="med" len="med"/>
-                      <a:tailEnd type="none" w="med" len="med"/>
-                    </a:lnT>
-                    <a:lnB w="12700" cap="flat" cmpd="sng" algn="ctr">
-                      <a:solidFill>
-                        <a:srgbClr val="000000"/>
-                      </a:solidFill>
-                      <a:prstDash val="solid"/>
-                      <a:round/>
-                      <a:headEnd type="none" w="med" len="med"/>
-                      <a:tailEnd type="none" w="med" len="med"/>
-                    </a:lnB>
-                  </a:tcPr>
-                </a:tc>
-                <a:tc>
-                  <a:txBody>
-                    <a:bodyPr/>
-                    <a:lstStyle/>
-                    <a:p>
-                      <a:pPr indent="0" algn="ctr">
-                        <a:lnSpc>
-                          <a:spcPct val="100000"/>
-                        </a:lnSpc>
-                        <a:spcAft>
-                          <a:spcPts val="0"/>
-                        </a:spcAft>
-                      </a:pPr>
-                      <a:r>
-                        <a:rPr lang="ru-RU" sz="2400" b="0" dirty="0" smtClean="0">
-                          <a:solidFill>
-                            <a:srgbClr val="000000"/>
-                          </a:solidFill>
-                          <a:effectLst/>
-                          <a:latin typeface="Times New Roman" panose="02020603050405020304" pitchFamily="18" charset="0"/>
-                          <a:ea typeface="Calibri" panose="020F0502020204030204" pitchFamily="34" charset="0"/>
-                          <a:cs typeface="Times New Roman" panose="02020603050405020304" pitchFamily="18" charset="0"/>
-                        </a:rPr>
-                        <a:t>+</a:t>
-                      </a:r>
-                      <a:endParaRPr lang="ru-RU" sz="2400" b="0" dirty="0">
-                        <a:solidFill>
-                          <a:srgbClr val="000000"/>
-                        </a:solidFill>
-                        <a:effectLst/>
-                        <a:latin typeface="Times New Roman" panose="02020603050405020304" pitchFamily="18" charset="0"/>
-                        <a:ea typeface="Calibri" panose="020F0502020204030204" pitchFamily="34" charset="0"/>
-                        <a:cs typeface="Times New Roman" panose="02020603050405020304" pitchFamily="18" charset="0"/>
-                      </a:endParaRPr>
-                    </a:p>
-                  </a:txBody>
-                  <a:tcPr marL="34534" marR="34534" marT="0" marB="0" anchor="ctr">
-                    <a:lnL w="12700" cap="flat" cmpd="sng" algn="ctr">
-                      <a:solidFill>
-                        <a:srgbClr val="000000"/>
-                      </a:solidFill>
-                      <a:prstDash val="solid"/>
-                      <a:round/>
-                      <a:headEnd type="none" w="med" len="med"/>
-                      <a:tailEnd type="none" w="med" len="med"/>
-                    </a:lnL>
-                    <a:lnR w="12700" cap="flat" cmpd="sng" algn="ctr">
-                      <a:solidFill>
-                        <a:srgbClr val="000000"/>
-                      </a:solidFill>
-                      <a:prstDash val="solid"/>
-                      <a:round/>
-                      <a:headEnd type="none" w="med" len="med"/>
-                      <a:tailEnd type="none" w="med" len="med"/>
-                    </a:lnR>
-                    <a:lnT w="12700" cap="flat" cmpd="sng" algn="ctr">
-                      <a:solidFill>
-                        <a:srgbClr val="000000"/>
-                      </a:solidFill>
-                      <a:prstDash val="solid"/>
-                      <a:round/>
-                      <a:headEnd type="none" w="med" len="med"/>
-                      <a:tailEnd type="none" w="med" len="med"/>
-                    </a:lnT>
-                    <a:lnB w="12700" cap="flat" cmpd="sng" algn="ctr">
-                      <a:solidFill>
-                        <a:srgbClr val="000000"/>
-                      </a:solidFill>
-                      <a:prstDash val="solid"/>
-                      <a:round/>
-                      <a:headEnd type="none" w="med" len="med"/>
-                      <a:tailEnd type="none" w="med" len="med"/>
-                    </a:lnB>
-                  </a:tcPr>
-                </a:tc>
-                <a:tc>
-                  <a:txBody>
-                    <a:bodyPr/>
-                    <a:lstStyle/>
-                    <a:p>
-                      <a:pPr indent="0" algn="ctr">
-                        <a:lnSpc>
-                          <a:spcPct val="100000"/>
-                        </a:lnSpc>
-                        <a:spcAft>
-                          <a:spcPts val="0"/>
-                        </a:spcAft>
-                      </a:pPr>
-                      <a:r>
-                        <a:rPr lang="ru-RU" sz="2400" b="0" dirty="0">
-                          <a:solidFill>
-                            <a:srgbClr val="000000"/>
-                          </a:solidFill>
-                          <a:effectLst/>
-                          <a:latin typeface="Times New Roman" panose="02020603050405020304" pitchFamily="18" charset="0"/>
-                          <a:ea typeface="Calibri" panose="020F0502020204030204" pitchFamily="34" charset="0"/>
-                          <a:cs typeface="Times New Roman" panose="02020603050405020304" pitchFamily="18" charset="0"/>
-                        </a:rPr>
-                        <a:t>+</a:t>
-                      </a:r>
-                    </a:p>
-                  </a:txBody>
-                  <a:tcPr marL="34534" marR="34534" marT="0" marB="0" anchor="ctr">
-                    <a:lnL w="12700" cap="flat" cmpd="sng" algn="ctr">
-                      <a:solidFill>
-                        <a:srgbClr val="000000"/>
-                      </a:solidFill>
-                      <a:prstDash val="solid"/>
-                      <a:round/>
-                      <a:headEnd type="none" w="med" len="med"/>
-                      <a:tailEnd type="none" w="med" len="med"/>
-                    </a:lnL>
-                    <a:lnR w="12700" cap="flat" cmpd="sng" algn="ctr">
-                      <a:solidFill>
-                        <a:srgbClr val="000000"/>
-                      </a:solidFill>
-                      <a:prstDash val="solid"/>
-                      <a:round/>
-                      <a:headEnd type="none" w="med" len="med"/>
-                      <a:tailEnd type="none" w="med" len="med"/>
-                    </a:lnR>
-                    <a:lnT w="12700" cap="flat" cmpd="sng" algn="ctr">
-                      <a:solidFill>
-                        <a:srgbClr val="000000"/>
-                      </a:solidFill>
-                      <a:prstDash val="solid"/>
-                      <a:round/>
-                      <a:headEnd type="none" w="med" len="med"/>
-                      <a:tailEnd type="none" w="med" len="med"/>
-                    </a:lnT>
-                    <a:lnB w="12700" cap="flat" cmpd="sng" algn="ctr">
-                      <a:solidFill>
-                        <a:srgbClr val="000000"/>
-                      </a:solidFill>
-                      <a:prstDash val="solid"/>
-                      <a:round/>
-                      <a:headEnd type="none" w="med" len="med"/>
-                      <a:tailEnd type="none" w="med" len="med"/>
-                    </a:lnB>
-                  </a:tcPr>
-                </a:tc>
-                <a:extLst>
-                  <a:ext uri="{0D108BD9-81ED-4DB2-BD59-A6C34878D82A}">
-                    <a16:rowId xmlns:a16="http://schemas.microsoft.com/office/drawing/2014/main" val="2963215849"/>
-                  </a:ext>
-                </a:extLst>
-              </a:tr>
-              <a:tr h="439586">
-                <a:tc>
-                  <a:txBody>
-                    <a:bodyPr/>
-                    <a:lstStyle/>
-                    <a:p>
-                      <a:pPr indent="0" algn="l">
-                        <a:lnSpc>
-                          <a:spcPct val="100000"/>
-                        </a:lnSpc>
-                        <a:spcAft>
-                          <a:spcPts val="0"/>
-                        </a:spcAft>
-                      </a:pPr>
-                      <a:r>
-                        <a:rPr lang="ru-RU" sz="1400" dirty="0">
-                          <a:solidFill>
-                            <a:srgbClr val="000000"/>
-                          </a:solidFill>
-                          <a:effectLst/>
-                          <a:latin typeface="Times New Roman" panose="02020603050405020304" pitchFamily="18" charset="0"/>
-                          <a:ea typeface="Calibri" panose="020F0502020204030204" pitchFamily="34" charset="0"/>
-                          <a:cs typeface="Times New Roman" panose="02020603050405020304" pitchFamily="18" charset="0"/>
-                        </a:rPr>
-                        <a:t>Групповое проставление отметок</a:t>
-                      </a:r>
-                    </a:p>
-                  </a:txBody>
-                  <a:tcPr marL="34534" marR="34534" marT="0" marB="0">
-                    <a:lnL w="12700" cap="flat" cmpd="sng" algn="ctr">
-                      <a:solidFill>
-                        <a:srgbClr val="000000"/>
-                      </a:solidFill>
-                      <a:prstDash val="solid"/>
-                      <a:round/>
-                      <a:headEnd type="none" w="med" len="med"/>
-                      <a:tailEnd type="none" w="med" len="med"/>
-                    </a:lnL>
-                    <a:lnR w="12700" cap="flat" cmpd="sng" algn="ctr">
-                      <a:solidFill>
-                        <a:srgbClr val="000000"/>
-                      </a:solidFill>
-                      <a:prstDash val="solid"/>
-                      <a:round/>
-                      <a:headEnd type="none" w="med" len="med"/>
-                      <a:tailEnd type="none" w="med" len="med"/>
-                    </a:lnR>
-                    <a:lnT w="12700" cap="flat" cmpd="sng" algn="ctr">
-                      <a:solidFill>
-                        <a:srgbClr val="000000"/>
-                      </a:solidFill>
-                      <a:prstDash val="solid"/>
-                      <a:round/>
-                      <a:headEnd type="none" w="med" len="med"/>
-                      <a:tailEnd type="none" w="med" len="med"/>
-                    </a:lnT>
-                    <a:lnB w="12700" cap="flat" cmpd="sng" algn="ctr">
-                      <a:solidFill>
-                        <a:srgbClr val="000000"/>
-                      </a:solidFill>
-                      <a:prstDash val="solid"/>
-                      <a:round/>
-                      <a:headEnd type="none" w="med" len="med"/>
-                      <a:tailEnd type="none" w="med" len="med"/>
-                    </a:lnB>
-                  </a:tcPr>
-                </a:tc>
-                <a:tc>
-                  <a:txBody>
-                    <a:bodyPr/>
-                    <a:lstStyle/>
-                    <a:p>
-                      <a:pPr indent="0" algn="ctr">
-                        <a:lnSpc>
-                          <a:spcPct val="100000"/>
-                        </a:lnSpc>
-                        <a:spcAft>
-                          <a:spcPts val="0"/>
-                        </a:spcAft>
-                      </a:pPr>
-                      <a:r>
-                        <a:rPr lang="ru-RU" sz="2400" b="0">
-                          <a:solidFill>
-                            <a:srgbClr val="000000"/>
-                          </a:solidFill>
-                          <a:effectLst/>
-                          <a:latin typeface="Times New Roman" panose="02020603050405020304" pitchFamily="18" charset="0"/>
-                          <a:ea typeface="Calibri" panose="020F0502020204030204" pitchFamily="34" charset="0"/>
-                          <a:cs typeface="Times New Roman" panose="02020603050405020304" pitchFamily="18" charset="0"/>
-                        </a:rPr>
-                        <a:t>-</a:t>
-                      </a:r>
-                    </a:p>
-                  </a:txBody>
-                  <a:tcPr marL="34534" marR="34534" marT="0" marB="0" anchor="ctr">
-                    <a:lnL w="12700" cap="flat" cmpd="sng" algn="ctr">
-                      <a:solidFill>
-                        <a:srgbClr val="000000"/>
-                      </a:solidFill>
-                      <a:prstDash val="solid"/>
-                      <a:round/>
-                      <a:headEnd type="none" w="med" len="med"/>
-                      <a:tailEnd type="none" w="med" len="med"/>
-                    </a:lnL>
-                    <a:lnR w="12700" cap="flat" cmpd="sng" algn="ctr">
-                      <a:solidFill>
-                        <a:srgbClr val="000000"/>
-                      </a:solidFill>
-                      <a:prstDash val="solid"/>
-                      <a:round/>
-                      <a:headEnd type="none" w="med" len="med"/>
-                      <a:tailEnd type="none" w="med" len="med"/>
-                    </a:lnR>
-                    <a:lnT w="12700" cap="flat" cmpd="sng" algn="ctr">
-                      <a:solidFill>
-                        <a:srgbClr val="000000"/>
-                      </a:solidFill>
-                      <a:prstDash val="solid"/>
-                      <a:round/>
-                      <a:headEnd type="none" w="med" len="med"/>
-                      <a:tailEnd type="none" w="med" len="med"/>
-                    </a:lnT>
-                    <a:lnB w="12700" cap="flat" cmpd="sng" algn="ctr">
-                      <a:solidFill>
-                        <a:srgbClr val="000000"/>
-                      </a:solidFill>
-                      <a:prstDash val="solid"/>
-                      <a:round/>
-                      <a:headEnd type="none" w="med" len="med"/>
-                      <a:tailEnd type="none" w="med" len="med"/>
-                    </a:lnB>
-                  </a:tcPr>
-                </a:tc>
-                <a:tc>
-                  <a:txBody>
-                    <a:bodyPr/>
-                    <a:lstStyle/>
-                    <a:p>
-                      <a:pPr indent="0" algn="ctr">
-                        <a:lnSpc>
-                          <a:spcPct val="100000"/>
-                        </a:lnSpc>
-                        <a:spcAft>
-                          <a:spcPts val="0"/>
-                        </a:spcAft>
-                      </a:pPr>
-                      <a:r>
-                        <a:rPr lang="ru-RU" sz="2400" b="0" dirty="0">
-                          <a:solidFill>
-                            <a:srgbClr val="000000"/>
-                          </a:solidFill>
-                          <a:effectLst/>
-                          <a:latin typeface="Times New Roman" panose="02020603050405020304" pitchFamily="18" charset="0"/>
-                          <a:ea typeface="Calibri" panose="020F0502020204030204" pitchFamily="34" charset="0"/>
-                          <a:cs typeface="Times New Roman" panose="02020603050405020304" pitchFamily="18" charset="0"/>
-                        </a:rPr>
-                        <a:t>+</a:t>
-                      </a:r>
-                    </a:p>
-                  </a:txBody>
-                  <a:tcPr marL="34534" marR="34534" marT="0" marB="0" anchor="ctr">
-                    <a:lnL w="12700" cap="flat" cmpd="sng" algn="ctr">
-                      <a:solidFill>
-                        <a:srgbClr val="000000"/>
-                      </a:solidFill>
-                      <a:prstDash val="solid"/>
-                      <a:round/>
-                      <a:headEnd type="none" w="med" len="med"/>
-                      <a:tailEnd type="none" w="med" len="med"/>
-                    </a:lnL>
-                    <a:lnR w="12700" cap="flat" cmpd="sng" algn="ctr">
-                      <a:solidFill>
-                        <a:srgbClr val="000000"/>
-                      </a:solidFill>
-                      <a:prstDash val="solid"/>
-                      <a:round/>
-                      <a:headEnd type="none" w="med" len="med"/>
-                      <a:tailEnd type="none" w="med" len="med"/>
-                    </a:lnR>
-                    <a:lnT w="12700" cap="flat" cmpd="sng" algn="ctr">
-                      <a:solidFill>
-                        <a:srgbClr val="000000"/>
-                      </a:solidFill>
-                      <a:prstDash val="solid"/>
-                      <a:round/>
-                      <a:headEnd type="none" w="med" len="med"/>
-                      <a:tailEnd type="none" w="med" len="med"/>
-                    </a:lnT>
-                    <a:lnB w="12700" cap="flat" cmpd="sng" algn="ctr">
-                      <a:solidFill>
-                        <a:srgbClr val="000000"/>
-                      </a:solidFill>
-                      <a:prstDash val="solid"/>
-                      <a:round/>
-                      <a:headEnd type="none" w="med" len="med"/>
-                      <a:tailEnd type="none" w="med" len="med"/>
-                    </a:lnB>
-                  </a:tcPr>
-                </a:tc>
-                <a:tc>
-                  <a:txBody>
-                    <a:bodyPr/>
-                    <a:lstStyle/>
-                    <a:p>
-                      <a:pPr indent="0" algn="ctr">
-                        <a:lnSpc>
-                          <a:spcPct val="100000"/>
-                        </a:lnSpc>
-                        <a:spcAft>
-                          <a:spcPts val="0"/>
-                        </a:spcAft>
-                      </a:pPr>
-                      <a:r>
-                        <a:rPr lang="ru-RU" sz="2400" b="0" dirty="0" smtClean="0">
-                          <a:solidFill>
-                            <a:srgbClr val="000000"/>
-                          </a:solidFill>
-                          <a:effectLst/>
-                          <a:latin typeface="Times New Roman" panose="02020603050405020304" pitchFamily="18" charset="0"/>
-                          <a:ea typeface="Calibri" panose="020F0502020204030204" pitchFamily="34" charset="0"/>
-                          <a:cs typeface="Times New Roman" panose="02020603050405020304" pitchFamily="18" charset="0"/>
-                        </a:rPr>
-                        <a:t>+</a:t>
-                      </a:r>
-                      <a:endParaRPr lang="ru-RU" sz="2400" b="0" dirty="0">
-                        <a:solidFill>
-                          <a:srgbClr val="000000"/>
-                        </a:solidFill>
-                        <a:effectLst/>
-                        <a:latin typeface="Times New Roman" panose="02020603050405020304" pitchFamily="18" charset="0"/>
-                        <a:ea typeface="Calibri" panose="020F0502020204030204" pitchFamily="34" charset="0"/>
-                        <a:cs typeface="Times New Roman" panose="02020603050405020304" pitchFamily="18" charset="0"/>
-                      </a:endParaRPr>
-                    </a:p>
-                  </a:txBody>
-                  <a:tcPr marL="34534" marR="34534" marT="0" marB="0" anchor="ctr">
-                    <a:lnL w="12700" cap="flat" cmpd="sng" algn="ctr">
-                      <a:solidFill>
-                        <a:srgbClr val="000000"/>
-                      </a:solidFill>
-                      <a:prstDash val="solid"/>
-                      <a:round/>
-                      <a:headEnd type="none" w="med" len="med"/>
-                      <a:tailEnd type="none" w="med" len="med"/>
-                    </a:lnL>
-                    <a:lnR w="12700" cap="flat" cmpd="sng" algn="ctr">
-                      <a:solidFill>
-                        <a:srgbClr val="000000"/>
-                      </a:solidFill>
-                      <a:prstDash val="solid"/>
-                      <a:round/>
-                      <a:headEnd type="none" w="med" len="med"/>
-                      <a:tailEnd type="none" w="med" len="med"/>
-                    </a:lnR>
-                    <a:lnT w="12700" cap="flat" cmpd="sng" algn="ctr">
-                      <a:solidFill>
-                        <a:srgbClr val="000000"/>
-                      </a:solidFill>
-                      <a:prstDash val="solid"/>
-                      <a:round/>
-                      <a:headEnd type="none" w="med" len="med"/>
-                      <a:tailEnd type="none" w="med" len="med"/>
-                    </a:lnT>
-                    <a:lnB w="12700" cap="flat" cmpd="sng" algn="ctr">
-                      <a:solidFill>
-                        <a:srgbClr val="000000"/>
-                      </a:solidFill>
-                      <a:prstDash val="solid"/>
-                      <a:round/>
-                      <a:headEnd type="none" w="med" len="med"/>
-                      <a:tailEnd type="none" w="med" len="med"/>
-                    </a:lnB>
-                  </a:tcPr>
-                </a:tc>
-                <a:tc>
-                  <a:txBody>
-                    <a:bodyPr/>
-                    <a:lstStyle/>
-                    <a:p>
-                      <a:pPr indent="0" algn="ctr">
-                        <a:lnSpc>
-                          <a:spcPct val="100000"/>
-                        </a:lnSpc>
-                        <a:spcAft>
-                          <a:spcPts val="0"/>
-                        </a:spcAft>
-                      </a:pPr>
-                      <a:r>
-                        <a:rPr lang="ru-RU" sz="2400" b="0" dirty="0">
-                          <a:solidFill>
-                            <a:srgbClr val="000000"/>
-                          </a:solidFill>
-                          <a:effectLst/>
-                          <a:latin typeface="Times New Roman" panose="02020603050405020304" pitchFamily="18" charset="0"/>
-                          <a:ea typeface="Calibri" panose="020F0502020204030204" pitchFamily="34" charset="0"/>
-                          <a:cs typeface="Times New Roman" panose="02020603050405020304" pitchFamily="18" charset="0"/>
-                        </a:rPr>
-                        <a:t>+</a:t>
-                      </a:r>
-                    </a:p>
-                  </a:txBody>
-                  <a:tcPr marL="34534" marR="34534" marT="0" marB="0" anchor="ctr">
-                    <a:lnL w="12700" cap="flat" cmpd="sng" algn="ctr">
-                      <a:solidFill>
-                        <a:srgbClr val="000000"/>
-                      </a:solidFill>
-                      <a:prstDash val="solid"/>
-                      <a:round/>
-                      <a:headEnd type="none" w="med" len="med"/>
-                      <a:tailEnd type="none" w="med" len="med"/>
-                    </a:lnL>
-                    <a:lnR w="12700" cap="flat" cmpd="sng" algn="ctr">
-                      <a:solidFill>
-                        <a:srgbClr val="000000"/>
-                      </a:solidFill>
-                      <a:prstDash val="solid"/>
-                      <a:round/>
-                      <a:headEnd type="none" w="med" len="med"/>
-                      <a:tailEnd type="none" w="med" len="med"/>
-                    </a:lnR>
-                    <a:lnT w="12700" cap="flat" cmpd="sng" algn="ctr">
-                      <a:solidFill>
-                        <a:srgbClr val="000000"/>
-                      </a:solidFill>
-                      <a:prstDash val="solid"/>
-                      <a:round/>
-                      <a:headEnd type="none" w="med" len="med"/>
-                      <a:tailEnd type="none" w="med" len="med"/>
-                    </a:lnT>
-                    <a:lnB w="12700" cap="flat" cmpd="sng" algn="ctr">
-                      <a:solidFill>
-                        <a:srgbClr val="000000"/>
-                      </a:solidFill>
-                      <a:prstDash val="solid"/>
-                      <a:round/>
-                      <a:headEnd type="none" w="med" len="med"/>
-                      <a:tailEnd type="none" w="med" len="med"/>
-                    </a:lnB>
-                  </a:tcPr>
-                </a:tc>
-                <a:extLst>
-                  <a:ext uri="{0D108BD9-81ED-4DB2-BD59-A6C34878D82A}">
-                    <a16:rowId xmlns:a16="http://schemas.microsoft.com/office/drawing/2014/main" val="3119411115"/>
-                  </a:ext>
-                </a:extLst>
-              </a:tr>
-              <a:tr h="586114">
-                <a:tc>
-                  <a:txBody>
-                    <a:bodyPr/>
-                    <a:lstStyle/>
-                    <a:p>
-                      <a:pPr indent="0" algn="l">
-                        <a:lnSpc>
-                          <a:spcPct val="100000"/>
-                        </a:lnSpc>
-                        <a:spcAft>
-                          <a:spcPts val="0"/>
-                        </a:spcAft>
-                      </a:pPr>
-                      <a:r>
-                        <a:rPr lang="ru-RU" sz="1400" dirty="0" smtClean="0">
-                          <a:solidFill>
-                            <a:srgbClr val="000000"/>
-                          </a:solidFill>
-                          <a:effectLst/>
-                          <a:latin typeface="Times New Roman" panose="02020603050405020304" pitchFamily="18" charset="0"/>
-                          <a:ea typeface="Calibri" panose="020F0502020204030204" pitchFamily="34" charset="0"/>
-                          <a:cs typeface="Times New Roman" panose="02020603050405020304" pitchFamily="18" charset="0"/>
-                        </a:rPr>
-                        <a:t>Автоматический</a:t>
-                      </a:r>
-                      <a:r>
-                        <a:rPr lang="ru-RU" sz="1400" baseline="0" dirty="0" smtClean="0">
-                          <a:solidFill>
-                            <a:srgbClr val="000000"/>
-                          </a:solidFill>
-                          <a:effectLst/>
-                          <a:latin typeface="Times New Roman" panose="02020603050405020304" pitchFamily="18" charset="0"/>
-                          <a:ea typeface="Calibri" panose="020F0502020204030204" pitchFamily="34" charset="0"/>
-                          <a:cs typeface="Times New Roman" panose="02020603050405020304" pitchFamily="18" charset="0"/>
-                        </a:rPr>
-                        <a:t> вывод текущего занятия преподавателя</a:t>
-                      </a:r>
-                      <a:endParaRPr lang="ru-RU" sz="1400" dirty="0">
-                        <a:solidFill>
-                          <a:srgbClr val="000000"/>
-                        </a:solidFill>
-                        <a:effectLst/>
-                        <a:latin typeface="Times New Roman" panose="02020603050405020304" pitchFamily="18" charset="0"/>
-                        <a:ea typeface="Calibri" panose="020F0502020204030204" pitchFamily="34" charset="0"/>
-                        <a:cs typeface="Times New Roman" panose="02020603050405020304" pitchFamily="18" charset="0"/>
-                      </a:endParaRPr>
-                    </a:p>
-                  </a:txBody>
-                  <a:tcPr marL="34534" marR="34534" marT="0" marB="0">
-                    <a:lnL w="12700" cap="flat" cmpd="sng" algn="ctr">
-                      <a:solidFill>
-                        <a:srgbClr val="000000"/>
-                      </a:solidFill>
-                      <a:prstDash val="solid"/>
-                      <a:round/>
-                      <a:headEnd type="none" w="med" len="med"/>
-                      <a:tailEnd type="none" w="med" len="med"/>
-                    </a:lnL>
-                    <a:lnR w="12700" cap="flat" cmpd="sng" algn="ctr">
-                      <a:solidFill>
-                        <a:srgbClr val="000000"/>
-                      </a:solidFill>
-                      <a:prstDash val="solid"/>
-                      <a:round/>
-                      <a:headEnd type="none" w="med" len="med"/>
-                      <a:tailEnd type="none" w="med" len="med"/>
-                    </a:lnR>
-                    <a:lnT w="12700" cap="flat" cmpd="sng" algn="ctr">
-                      <a:solidFill>
-                        <a:srgbClr val="000000"/>
-                      </a:solidFill>
-                      <a:prstDash val="solid"/>
-                      <a:round/>
-                      <a:headEnd type="none" w="med" len="med"/>
-                      <a:tailEnd type="none" w="med" len="med"/>
-                    </a:lnT>
-                    <a:lnB w="12700" cap="flat" cmpd="sng" algn="ctr">
-                      <a:solidFill>
-                        <a:srgbClr val="000000"/>
-                      </a:solidFill>
-                      <a:prstDash val="solid"/>
-                      <a:round/>
-                      <a:headEnd type="none" w="med" len="med"/>
-                      <a:tailEnd type="none" w="med" len="med"/>
-                    </a:lnB>
-                  </a:tcPr>
-                </a:tc>
-                <a:tc>
-                  <a:txBody>
-                    <a:bodyPr/>
-                    <a:lstStyle/>
-                    <a:p>
-                      <a:pPr indent="0" algn="ctr">
-                        <a:lnSpc>
-                          <a:spcPct val="100000"/>
-                        </a:lnSpc>
-                        <a:spcAft>
-                          <a:spcPts val="0"/>
-                        </a:spcAft>
-                      </a:pPr>
-                      <a:r>
-                        <a:rPr lang="ru-RU" sz="2400" b="0" dirty="0" smtClean="0">
-                          <a:solidFill>
-                            <a:srgbClr val="000000"/>
-                          </a:solidFill>
-                          <a:effectLst/>
-                          <a:latin typeface="Times New Roman" panose="02020603050405020304" pitchFamily="18" charset="0"/>
-                          <a:ea typeface="Calibri" panose="020F0502020204030204" pitchFamily="34" charset="0"/>
-                          <a:cs typeface="Times New Roman" panose="02020603050405020304" pitchFamily="18" charset="0"/>
-                        </a:rPr>
-                        <a:t>-</a:t>
-                      </a:r>
-                      <a:endParaRPr lang="ru-RU" sz="2400" b="0" dirty="0">
-                        <a:solidFill>
-                          <a:srgbClr val="000000"/>
-                        </a:solidFill>
-                        <a:effectLst/>
-                        <a:latin typeface="Times New Roman" panose="02020603050405020304" pitchFamily="18" charset="0"/>
-                        <a:ea typeface="Calibri" panose="020F0502020204030204" pitchFamily="34" charset="0"/>
-                        <a:cs typeface="Times New Roman" panose="02020603050405020304" pitchFamily="18" charset="0"/>
-                      </a:endParaRPr>
-                    </a:p>
-                  </a:txBody>
-                  <a:tcPr marL="34534" marR="34534" marT="0" marB="0" anchor="ctr">
-                    <a:lnL w="12700" cap="flat" cmpd="sng" algn="ctr">
-                      <a:solidFill>
-                        <a:srgbClr val="000000"/>
-                      </a:solidFill>
-                      <a:prstDash val="solid"/>
-                      <a:round/>
-                      <a:headEnd type="none" w="med" len="med"/>
-                      <a:tailEnd type="none" w="med" len="med"/>
-                    </a:lnL>
-                    <a:lnR w="12700" cap="flat" cmpd="sng" algn="ctr">
-                      <a:solidFill>
-                        <a:srgbClr val="000000"/>
-                      </a:solidFill>
-                      <a:prstDash val="solid"/>
-                      <a:round/>
-                      <a:headEnd type="none" w="med" len="med"/>
-                      <a:tailEnd type="none" w="med" len="med"/>
-                    </a:lnR>
-                    <a:lnT w="12700" cap="flat" cmpd="sng" algn="ctr">
-                      <a:solidFill>
-                        <a:srgbClr val="000000"/>
-                      </a:solidFill>
-                      <a:prstDash val="solid"/>
-                      <a:round/>
-                      <a:headEnd type="none" w="med" len="med"/>
-                      <a:tailEnd type="none" w="med" len="med"/>
-                    </a:lnT>
-                    <a:lnB w="12700" cap="flat" cmpd="sng" algn="ctr">
-                      <a:solidFill>
-                        <a:srgbClr val="000000"/>
-                      </a:solidFill>
-                      <a:prstDash val="solid"/>
-                      <a:round/>
-                      <a:headEnd type="none" w="med" len="med"/>
-                      <a:tailEnd type="none" w="med" len="med"/>
-                    </a:lnB>
-                  </a:tcPr>
-                </a:tc>
-                <a:tc>
-                  <a:txBody>
-                    <a:bodyPr/>
-                    <a:lstStyle/>
-                    <a:p>
-                      <a:pPr indent="0" algn="ctr">
-                        <a:lnSpc>
-                          <a:spcPct val="100000"/>
-                        </a:lnSpc>
-                        <a:spcAft>
-                          <a:spcPts val="0"/>
-                        </a:spcAft>
-                      </a:pPr>
-                      <a:r>
-                        <a:rPr lang="ru-RU" sz="2400" b="0" dirty="0" smtClean="0">
-                          <a:solidFill>
-                            <a:srgbClr val="000000"/>
-                          </a:solidFill>
-                          <a:effectLst/>
-                          <a:latin typeface="Times New Roman" panose="02020603050405020304" pitchFamily="18" charset="0"/>
-                          <a:ea typeface="Calibri" panose="020F0502020204030204" pitchFamily="34" charset="0"/>
-                          <a:cs typeface="Times New Roman" panose="02020603050405020304" pitchFamily="18" charset="0"/>
-                        </a:rPr>
-                        <a:t>-</a:t>
-                      </a:r>
-                      <a:endParaRPr lang="ru-RU" sz="2400" b="0" dirty="0">
-                        <a:solidFill>
-                          <a:srgbClr val="000000"/>
-                        </a:solidFill>
-                        <a:effectLst/>
-                        <a:latin typeface="Times New Roman" panose="02020603050405020304" pitchFamily="18" charset="0"/>
-                        <a:ea typeface="Calibri" panose="020F0502020204030204" pitchFamily="34" charset="0"/>
-                        <a:cs typeface="Times New Roman" panose="02020603050405020304" pitchFamily="18" charset="0"/>
-                      </a:endParaRPr>
-                    </a:p>
-                  </a:txBody>
-                  <a:tcPr marL="34534" marR="34534" marT="0" marB="0" anchor="ctr">
-                    <a:lnL w="12700" cap="flat" cmpd="sng" algn="ctr">
-                      <a:solidFill>
-                        <a:srgbClr val="000000"/>
-                      </a:solidFill>
-                      <a:prstDash val="solid"/>
-                      <a:round/>
-                      <a:headEnd type="none" w="med" len="med"/>
-                      <a:tailEnd type="none" w="med" len="med"/>
-                    </a:lnL>
-                    <a:lnR w="12700" cap="flat" cmpd="sng" algn="ctr">
-                      <a:solidFill>
-                        <a:srgbClr val="000000"/>
-                      </a:solidFill>
-                      <a:prstDash val="solid"/>
-                      <a:round/>
-                      <a:headEnd type="none" w="med" len="med"/>
-                      <a:tailEnd type="none" w="med" len="med"/>
-                    </a:lnR>
-                    <a:lnT w="12700" cap="flat" cmpd="sng" algn="ctr">
-                      <a:solidFill>
-                        <a:srgbClr val="000000"/>
-                      </a:solidFill>
-                      <a:prstDash val="solid"/>
-                      <a:round/>
-                      <a:headEnd type="none" w="med" len="med"/>
-                      <a:tailEnd type="none" w="med" len="med"/>
-                    </a:lnT>
-                    <a:lnB w="12700" cap="flat" cmpd="sng" algn="ctr">
-                      <a:solidFill>
-                        <a:srgbClr val="000000"/>
-                      </a:solidFill>
-                      <a:prstDash val="solid"/>
-                      <a:round/>
-                      <a:headEnd type="none" w="med" len="med"/>
-                      <a:tailEnd type="none" w="med" len="med"/>
-                    </a:lnB>
-                  </a:tcPr>
-                </a:tc>
-                <a:tc>
-                  <a:txBody>
-                    <a:bodyPr/>
-                    <a:lstStyle/>
-                    <a:p>
-                      <a:pPr indent="0" algn="ctr">
-                        <a:lnSpc>
-                          <a:spcPct val="100000"/>
-                        </a:lnSpc>
-                        <a:spcAft>
-                          <a:spcPts val="0"/>
-                        </a:spcAft>
-                      </a:pPr>
-                      <a:r>
-                        <a:rPr lang="ru-RU" sz="2400" b="0" dirty="0" smtClean="0">
-                          <a:solidFill>
-                            <a:srgbClr val="000000"/>
-                          </a:solidFill>
-                          <a:effectLst/>
-                          <a:latin typeface="Times New Roman" panose="02020603050405020304" pitchFamily="18" charset="0"/>
-                          <a:ea typeface="Calibri" panose="020F0502020204030204" pitchFamily="34" charset="0"/>
-                          <a:cs typeface="Times New Roman" panose="02020603050405020304" pitchFamily="18" charset="0"/>
-                        </a:rPr>
-                        <a:t>-</a:t>
-                      </a:r>
-                      <a:endParaRPr lang="ru-RU" sz="2400" b="0" dirty="0">
-                        <a:solidFill>
-                          <a:srgbClr val="000000"/>
-                        </a:solidFill>
-                        <a:effectLst/>
-                        <a:latin typeface="Times New Roman" panose="02020603050405020304" pitchFamily="18" charset="0"/>
-                        <a:ea typeface="Calibri" panose="020F0502020204030204" pitchFamily="34" charset="0"/>
-                        <a:cs typeface="Times New Roman" panose="02020603050405020304" pitchFamily="18" charset="0"/>
-                      </a:endParaRPr>
-                    </a:p>
-                  </a:txBody>
-                  <a:tcPr marL="34534" marR="34534" marT="0" marB="0" anchor="ctr">
-                    <a:lnL w="12700" cap="flat" cmpd="sng" algn="ctr">
-                      <a:solidFill>
-                        <a:srgbClr val="000000"/>
-                      </a:solidFill>
-                      <a:prstDash val="solid"/>
-                      <a:round/>
-                      <a:headEnd type="none" w="med" len="med"/>
-                      <a:tailEnd type="none" w="med" len="med"/>
-                    </a:lnL>
-                    <a:lnR w="12700" cap="flat" cmpd="sng" algn="ctr">
-                      <a:solidFill>
-                        <a:srgbClr val="000000"/>
-                      </a:solidFill>
-                      <a:prstDash val="solid"/>
-                      <a:round/>
-                      <a:headEnd type="none" w="med" len="med"/>
-                      <a:tailEnd type="none" w="med" len="med"/>
-                    </a:lnR>
-                    <a:lnT w="12700" cap="flat" cmpd="sng" algn="ctr">
-                      <a:solidFill>
-                        <a:srgbClr val="000000"/>
-                      </a:solidFill>
-                      <a:prstDash val="solid"/>
-                      <a:round/>
-                      <a:headEnd type="none" w="med" len="med"/>
-                      <a:tailEnd type="none" w="med" len="med"/>
-                    </a:lnT>
-                    <a:lnB w="12700" cap="flat" cmpd="sng" algn="ctr">
-                      <a:solidFill>
-                        <a:srgbClr val="000000"/>
-                      </a:solidFill>
-                      <a:prstDash val="solid"/>
-                      <a:round/>
-                      <a:headEnd type="none" w="med" len="med"/>
-                      <a:tailEnd type="none" w="med" len="med"/>
-                    </a:lnB>
-                  </a:tcPr>
-                </a:tc>
-                <a:tc>
-                  <a:txBody>
-                    <a:bodyPr/>
-                    <a:lstStyle/>
-                    <a:p>
-                      <a:pPr indent="0" algn="ctr">
-                        <a:lnSpc>
-                          <a:spcPct val="100000"/>
-                        </a:lnSpc>
-                        <a:spcAft>
-                          <a:spcPts val="0"/>
-                        </a:spcAft>
-                      </a:pPr>
-                      <a:r>
-                        <a:rPr lang="ru-RU" sz="2400" b="0" dirty="0" smtClean="0">
-                          <a:solidFill>
-                            <a:srgbClr val="000000"/>
-                          </a:solidFill>
-                          <a:effectLst/>
-                          <a:latin typeface="Times New Roman" panose="02020603050405020304" pitchFamily="18" charset="0"/>
-                          <a:ea typeface="Calibri" panose="020F0502020204030204" pitchFamily="34" charset="0"/>
-                          <a:cs typeface="Times New Roman" panose="02020603050405020304" pitchFamily="18" charset="0"/>
-                        </a:rPr>
-                        <a:t>+</a:t>
-                      </a:r>
-                      <a:endParaRPr lang="ru-RU" sz="2400" b="0" dirty="0">
-                        <a:solidFill>
-                          <a:srgbClr val="000000"/>
-                        </a:solidFill>
-                        <a:effectLst/>
-                        <a:latin typeface="Times New Roman" panose="02020603050405020304" pitchFamily="18" charset="0"/>
-                        <a:ea typeface="Calibri" panose="020F0502020204030204" pitchFamily="34" charset="0"/>
-                        <a:cs typeface="Times New Roman" panose="02020603050405020304" pitchFamily="18" charset="0"/>
-                      </a:endParaRPr>
-                    </a:p>
-                  </a:txBody>
-                  <a:tcPr marL="34534" marR="34534" marT="0" marB="0" anchor="ctr">
-                    <a:lnL w="12700" cap="flat" cmpd="sng" algn="ctr">
-                      <a:solidFill>
-                        <a:srgbClr val="000000"/>
-                      </a:solidFill>
-                      <a:prstDash val="solid"/>
-                      <a:round/>
-                      <a:headEnd type="none" w="med" len="med"/>
-                      <a:tailEnd type="none" w="med" len="med"/>
-                    </a:lnL>
-                    <a:lnR w="12700" cap="flat" cmpd="sng" algn="ctr">
-                      <a:solidFill>
-                        <a:srgbClr val="000000"/>
-                      </a:solidFill>
-                      <a:prstDash val="solid"/>
-                      <a:round/>
-                      <a:headEnd type="none" w="med" len="med"/>
-                      <a:tailEnd type="none" w="med" len="med"/>
-                    </a:lnR>
-                    <a:lnT w="12700" cap="flat" cmpd="sng" algn="ctr">
-                      <a:solidFill>
-                        <a:srgbClr val="000000"/>
-                      </a:solidFill>
-                      <a:prstDash val="solid"/>
-                      <a:round/>
-                      <a:headEnd type="none" w="med" len="med"/>
-                      <a:tailEnd type="none" w="med" len="med"/>
-                    </a:lnT>
-                    <a:lnB w="12700" cap="flat" cmpd="sng" algn="ctr">
-                      <a:solidFill>
-                        <a:srgbClr val="000000"/>
-                      </a:solidFill>
-                      <a:prstDash val="solid"/>
-                      <a:round/>
-                      <a:headEnd type="none" w="med" len="med"/>
-                      <a:tailEnd type="none" w="med" len="med"/>
-                    </a:lnB>
-                  </a:tcPr>
-                </a:tc>
-                <a:extLst>
-                  <a:ext uri="{0D108BD9-81ED-4DB2-BD59-A6C34878D82A}">
-                    <a16:rowId xmlns:a16="http://schemas.microsoft.com/office/drawing/2014/main" val="3507921119"/>
-                  </a:ext>
-                </a:extLst>
-              </a:tr>
-              <a:tr h="439586">
-                <a:tc>
-                  <a:txBody>
-                    <a:bodyPr/>
-                    <a:lstStyle/>
-                    <a:p>
-                      <a:pPr indent="0" algn="l">
-                        <a:lnSpc>
-                          <a:spcPct val="100000"/>
-                        </a:lnSpc>
-                        <a:spcAft>
-                          <a:spcPts val="0"/>
-                        </a:spcAft>
-                      </a:pPr>
-                      <a:r>
-                        <a:rPr lang="ru-RU" sz="1400" dirty="0">
-                          <a:solidFill>
-                            <a:srgbClr val="000000"/>
-                          </a:solidFill>
-                          <a:effectLst/>
-                          <a:latin typeface="Times New Roman" panose="02020603050405020304" pitchFamily="18" charset="0"/>
-                          <a:ea typeface="Calibri" panose="020F0502020204030204" pitchFamily="34" charset="0"/>
-                          <a:cs typeface="Times New Roman" panose="02020603050405020304" pitchFamily="18" charset="0"/>
-                        </a:rPr>
-                        <a:t>Автоматическое формирование списков групп</a:t>
-                      </a:r>
-                    </a:p>
-                  </a:txBody>
-                  <a:tcPr marL="34534" marR="34534" marT="0" marB="0">
-                    <a:lnL w="12700" cap="flat" cmpd="sng" algn="ctr">
-                      <a:solidFill>
-                        <a:srgbClr val="000000"/>
-                      </a:solidFill>
-                      <a:prstDash val="solid"/>
-                      <a:round/>
-                      <a:headEnd type="none" w="med" len="med"/>
-                      <a:tailEnd type="none" w="med" len="med"/>
-                    </a:lnL>
-                    <a:lnR w="12700" cap="flat" cmpd="sng" algn="ctr">
-                      <a:solidFill>
-                        <a:srgbClr val="000000"/>
-                      </a:solidFill>
-                      <a:prstDash val="solid"/>
-                      <a:round/>
-                      <a:headEnd type="none" w="med" len="med"/>
-                      <a:tailEnd type="none" w="med" len="med"/>
-                    </a:lnR>
-                    <a:lnT w="12700" cap="flat" cmpd="sng" algn="ctr">
-                      <a:solidFill>
-                        <a:srgbClr val="000000"/>
-                      </a:solidFill>
-                      <a:prstDash val="solid"/>
-                      <a:round/>
-                      <a:headEnd type="none" w="med" len="med"/>
-                      <a:tailEnd type="none" w="med" len="med"/>
-                    </a:lnT>
-                    <a:lnB w="12700" cap="flat" cmpd="sng" algn="ctr">
-                      <a:solidFill>
-                        <a:srgbClr val="000000"/>
-                      </a:solidFill>
-                      <a:prstDash val="solid"/>
-                      <a:round/>
-                      <a:headEnd type="none" w="med" len="med"/>
-                      <a:tailEnd type="none" w="med" len="med"/>
-                    </a:lnB>
-                  </a:tcPr>
-                </a:tc>
-                <a:tc>
-                  <a:txBody>
-                    <a:bodyPr/>
-                    <a:lstStyle/>
-                    <a:p>
-                      <a:pPr indent="0" algn="ctr">
-                        <a:lnSpc>
-                          <a:spcPct val="100000"/>
-                        </a:lnSpc>
-                        <a:spcAft>
-                          <a:spcPts val="0"/>
-                        </a:spcAft>
-                      </a:pPr>
-                      <a:r>
-                        <a:rPr lang="ru-RU" sz="2400" b="0" dirty="0">
-                          <a:solidFill>
-                            <a:srgbClr val="000000"/>
-                          </a:solidFill>
-                          <a:effectLst/>
-                          <a:latin typeface="Times New Roman" panose="02020603050405020304" pitchFamily="18" charset="0"/>
-                          <a:ea typeface="Calibri" panose="020F0502020204030204" pitchFamily="34" charset="0"/>
-                          <a:cs typeface="Times New Roman" panose="02020603050405020304" pitchFamily="18" charset="0"/>
-                        </a:rPr>
-                        <a:t>-</a:t>
-                      </a:r>
-                    </a:p>
-                  </a:txBody>
-                  <a:tcPr marL="34534" marR="34534" marT="0" marB="0" anchor="ctr">
-                    <a:lnL w="12700" cap="flat" cmpd="sng" algn="ctr">
-                      <a:solidFill>
-                        <a:srgbClr val="000000"/>
-                      </a:solidFill>
-                      <a:prstDash val="solid"/>
-                      <a:round/>
-                      <a:headEnd type="none" w="med" len="med"/>
-                      <a:tailEnd type="none" w="med" len="med"/>
-                    </a:lnL>
-                    <a:lnR w="12700" cap="flat" cmpd="sng" algn="ctr">
-                      <a:solidFill>
-                        <a:srgbClr val="000000"/>
-                      </a:solidFill>
-                      <a:prstDash val="solid"/>
-                      <a:round/>
-                      <a:headEnd type="none" w="med" len="med"/>
-                      <a:tailEnd type="none" w="med" len="med"/>
-                    </a:lnR>
-                    <a:lnT w="12700" cap="flat" cmpd="sng" algn="ctr">
-                      <a:solidFill>
-                        <a:srgbClr val="000000"/>
-                      </a:solidFill>
-                      <a:prstDash val="solid"/>
-                      <a:round/>
-                      <a:headEnd type="none" w="med" len="med"/>
-                      <a:tailEnd type="none" w="med" len="med"/>
-                    </a:lnT>
-                    <a:lnB w="12700" cap="flat" cmpd="sng" algn="ctr">
-                      <a:solidFill>
-                        <a:srgbClr val="000000"/>
-                      </a:solidFill>
-                      <a:prstDash val="solid"/>
-                      <a:round/>
-                      <a:headEnd type="none" w="med" len="med"/>
-                      <a:tailEnd type="none" w="med" len="med"/>
-                    </a:lnB>
-                  </a:tcPr>
-                </a:tc>
-                <a:tc>
-                  <a:txBody>
-                    <a:bodyPr/>
-                    <a:lstStyle/>
-                    <a:p>
-                      <a:pPr indent="0" algn="ctr">
-                        <a:lnSpc>
-                          <a:spcPct val="100000"/>
-                        </a:lnSpc>
-                        <a:spcAft>
-                          <a:spcPts val="0"/>
-                        </a:spcAft>
-                      </a:pPr>
-                      <a:r>
-                        <a:rPr lang="ru-RU" sz="2400" b="0" dirty="0">
-                          <a:solidFill>
-                            <a:srgbClr val="000000"/>
-                          </a:solidFill>
-                          <a:effectLst/>
-                          <a:latin typeface="Times New Roman" panose="02020603050405020304" pitchFamily="18" charset="0"/>
-                          <a:ea typeface="Calibri" panose="020F0502020204030204" pitchFamily="34" charset="0"/>
-                          <a:cs typeface="Times New Roman" panose="02020603050405020304" pitchFamily="18" charset="0"/>
-                        </a:rPr>
-                        <a:t>-</a:t>
-                      </a:r>
-                    </a:p>
-                  </a:txBody>
-                  <a:tcPr marL="34534" marR="34534" marT="0" marB="0" anchor="ctr">
-                    <a:lnL w="12700" cap="flat" cmpd="sng" algn="ctr">
-                      <a:solidFill>
-                        <a:srgbClr val="000000"/>
-                      </a:solidFill>
-                      <a:prstDash val="solid"/>
-                      <a:round/>
-                      <a:headEnd type="none" w="med" len="med"/>
-                      <a:tailEnd type="none" w="med" len="med"/>
-                    </a:lnL>
-                    <a:lnR w="12700" cap="flat" cmpd="sng" algn="ctr">
-                      <a:solidFill>
-                        <a:srgbClr val="000000"/>
-                      </a:solidFill>
-                      <a:prstDash val="solid"/>
-                      <a:round/>
-                      <a:headEnd type="none" w="med" len="med"/>
-                      <a:tailEnd type="none" w="med" len="med"/>
-                    </a:lnR>
-                    <a:lnT w="12700" cap="flat" cmpd="sng" algn="ctr">
-                      <a:solidFill>
-                        <a:srgbClr val="000000"/>
-                      </a:solidFill>
-                      <a:prstDash val="solid"/>
-                      <a:round/>
-                      <a:headEnd type="none" w="med" len="med"/>
-                      <a:tailEnd type="none" w="med" len="med"/>
-                    </a:lnT>
-                    <a:lnB w="12700" cap="flat" cmpd="sng" algn="ctr">
-                      <a:solidFill>
-                        <a:srgbClr val="000000"/>
-                      </a:solidFill>
-                      <a:prstDash val="solid"/>
-                      <a:round/>
-                      <a:headEnd type="none" w="med" len="med"/>
-                      <a:tailEnd type="none" w="med" len="med"/>
-                    </a:lnB>
-                  </a:tcPr>
-                </a:tc>
-                <a:tc>
-                  <a:txBody>
-                    <a:bodyPr/>
-                    <a:lstStyle/>
-                    <a:p>
-                      <a:pPr indent="0" algn="ctr">
-                        <a:lnSpc>
-                          <a:spcPct val="100000"/>
-                        </a:lnSpc>
-                        <a:spcAft>
-                          <a:spcPts val="0"/>
-                        </a:spcAft>
-                      </a:pPr>
-                      <a:r>
-                        <a:rPr lang="ru-RU" sz="2400" b="0" dirty="0" smtClean="0">
-                          <a:solidFill>
-                            <a:srgbClr val="000000"/>
-                          </a:solidFill>
-                          <a:effectLst/>
-                          <a:latin typeface="Times New Roman" panose="02020603050405020304" pitchFamily="18" charset="0"/>
-                          <a:ea typeface="Calibri" panose="020F0502020204030204" pitchFamily="34" charset="0"/>
-                          <a:cs typeface="Times New Roman" panose="02020603050405020304" pitchFamily="18" charset="0"/>
-                        </a:rPr>
-                        <a:t>+</a:t>
-                      </a:r>
-                      <a:endParaRPr lang="ru-RU" sz="2400" b="0" dirty="0">
-                        <a:solidFill>
-                          <a:srgbClr val="000000"/>
-                        </a:solidFill>
-                        <a:effectLst/>
-                        <a:latin typeface="Times New Roman" panose="02020603050405020304" pitchFamily="18" charset="0"/>
-                        <a:ea typeface="Calibri" panose="020F0502020204030204" pitchFamily="34" charset="0"/>
-                        <a:cs typeface="Times New Roman" panose="02020603050405020304" pitchFamily="18" charset="0"/>
-                      </a:endParaRPr>
-                    </a:p>
-                  </a:txBody>
-                  <a:tcPr marL="34534" marR="34534" marT="0" marB="0" anchor="ctr">
-                    <a:lnL w="12700" cap="flat" cmpd="sng" algn="ctr">
-                      <a:solidFill>
-                        <a:srgbClr val="000000"/>
-                      </a:solidFill>
-                      <a:prstDash val="solid"/>
-                      <a:round/>
-                      <a:headEnd type="none" w="med" len="med"/>
-                      <a:tailEnd type="none" w="med" len="med"/>
-                    </a:lnL>
-                    <a:lnR w="12700" cap="flat" cmpd="sng" algn="ctr">
-                      <a:solidFill>
-                        <a:srgbClr val="000000"/>
-                      </a:solidFill>
-                      <a:prstDash val="solid"/>
-                      <a:round/>
-                      <a:headEnd type="none" w="med" len="med"/>
-                      <a:tailEnd type="none" w="med" len="med"/>
-                    </a:lnR>
-                    <a:lnT w="12700" cap="flat" cmpd="sng" algn="ctr">
-                      <a:solidFill>
-                        <a:srgbClr val="000000"/>
-                      </a:solidFill>
-                      <a:prstDash val="solid"/>
-                      <a:round/>
-                      <a:headEnd type="none" w="med" len="med"/>
-                      <a:tailEnd type="none" w="med" len="med"/>
-                    </a:lnT>
-                    <a:lnB w="12700" cap="flat" cmpd="sng" algn="ctr">
-                      <a:solidFill>
-                        <a:srgbClr val="000000"/>
-                      </a:solidFill>
-                      <a:prstDash val="solid"/>
-                      <a:round/>
-                      <a:headEnd type="none" w="med" len="med"/>
-                      <a:tailEnd type="none" w="med" len="med"/>
-                    </a:lnB>
-                  </a:tcPr>
-                </a:tc>
-                <a:tc>
-                  <a:txBody>
-                    <a:bodyPr/>
-                    <a:lstStyle/>
-                    <a:p>
-                      <a:pPr indent="0" algn="ctr">
-                        <a:lnSpc>
-                          <a:spcPct val="100000"/>
-                        </a:lnSpc>
-                        <a:spcAft>
-                          <a:spcPts val="0"/>
-                        </a:spcAft>
-                      </a:pPr>
-                      <a:r>
-                        <a:rPr lang="ru-RU" sz="2400" b="0" dirty="0">
-                          <a:solidFill>
-                            <a:srgbClr val="000000"/>
-                          </a:solidFill>
-                          <a:effectLst/>
-                          <a:latin typeface="Times New Roman" panose="02020603050405020304" pitchFamily="18" charset="0"/>
-                          <a:ea typeface="Calibri" panose="020F0502020204030204" pitchFamily="34" charset="0"/>
-                          <a:cs typeface="Times New Roman" panose="02020603050405020304" pitchFamily="18" charset="0"/>
-                        </a:rPr>
-                        <a:t>+</a:t>
-                      </a:r>
-                    </a:p>
-                  </a:txBody>
-                  <a:tcPr marL="34534" marR="34534" marT="0" marB="0" anchor="ctr">
-                    <a:lnL w="12700" cap="flat" cmpd="sng" algn="ctr">
-                      <a:solidFill>
-                        <a:srgbClr val="000000"/>
-                      </a:solidFill>
-                      <a:prstDash val="solid"/>
-                      <a:round/>
-                      <a:headEnd type="none" w="med" len="med"/>
-                      <a:tailEnd type="none" w="med" len="med"/>
-                    </a:lnL>
-                    <a:lnR w="12700" cap="flat" cmpd="sng" algn="ctr">
-                      <a:solidFill>
-                        <a:srgbClr val="000000"/>
-                      </a:solidFill>
-                      <a:prstDash val="solid"/>
-                      <a:round/>
-                      <a:headEnd type="none" w="med" len="med"/>
-                      <a:tailEnd type="none" w="med" len="med"/>
-                    </a:lnR>
-                    <a:lnT w="12700" cap="flat" cmpd="sng" algn="ctr">
-                      <a:solidFill>
-                        <a:srgbClr val="000000"/>
-                      </a:solidFill>
-                      <a:prstDash val="solid"/>
-                      <a:round/>
-                      <a:headEnd type="none" w="med" len="med"/>
-                      <a:tailEnd type="none" w="med" len="med"/>
-                    </a:lnT>
-                    <a:lnB w="12700" cap="flat" cmpd="sng" algn="ctr">
-                      <a:solidFill>
-                        <a:srgbClr val="000000"/>
-                      </a:solidFill>
-                      <a:prstDash val="solid"/>
-                      <a:round/>
-                      <a:headEnd type="none" w="med" len="med"/>
-                      <a:tailEnd type="none" w="med" len="med"/>
-                    </a:lnB>
-                  </a:tcPr>
-                </a:tc>
-                <a:extLst>
-                  <a:ext uri="{0D108BD9-81ED-4DB2-BD59-A6C34878D82A}">
-                    <a16:rowId xmlns:a16="http://schemas.microsoft.com/office/drawing/2014/main" val="1918470140"/>
-                  </a:ext>
-                </a:extLst>
-              </a:tr>
-              <a:tr h="439586">
-                <a:tc>
-                  <a:txBody>
-                    <a:bodyPr/>
-                    <a:lstStyle/>
-                    <a:p>
-                      <a:pPr indent="0" algn="l">
-                        <a:lnSpc>
-                          <a:spcPct val="100000"/>
-                        </a:lnSpc>
-                        <a:spcAft>
-                          <a:spcPts val="0"/>
-                        </a:spcAft>
-                      </a:pPr>
-                      <a:r>
-                        <a:rPr lang="ru-RU" sz="1400" dirty="0" smtClean="0">
-                          <a:solidFill>
-                            <a:srgbClr val="000000"/>
-                          </a:solidFill>
-                          <a:effectLst/>
-                          <a:latin typeface="Times New Roman" panose="02020603050405020304" pitchFamily="18" charset="0"/>
-                          <a:ea typeface="Calibri" panose="020F0502020204030204" pitchFamily="34" charset="0"/>
-                          <a:cs typeface="Times New Roman" panose="02020603050405020304" pitchFamily="18" charset="0"/>
-                        </a:rPr>
-                        <a:t>Троичная логика</a:t>
-                      </a:r>
-                      <a:endParaRPr lang="ru-RU" sz="1400" dirty="0">
-                        <a:solidFill>
-                          <a:srgbClr val="000000"/>
-                        </a:solidFill>
-                        <a:effectLst/>
-                        <a:latin typeface="Times New Roman" panose="02020603050405020304" pitchFamily="18" charset="0"/>
-                        <a:ea typeface="Calibri" panose="020F0502020204030204" pitchFamily="34" charset="0"/>
-                        <a:cs typeface="Times New Roman" panose="02020603050405020304" pitchFamily="18" charset="0"/>
-                      </a:endParaRPr>
-                    </a:p>
-                  </a:txBody>
-                  <a:tcPr marL="34534" marR="34534" marT="0" marB="0">
-                    <a:lnL w="12700" cap="flat" cmpd="sng" algn="ctr">
-                      <a:solidFill>
-                        <a:srgbClr val="000000"/>
-                      </a:solidFill>
-                      <a:prstDash val="solid"/>
-                      <a:round/>
-                      <a:headEnd type="none" w="med" len="med"/>
-                      <a:tailEnd type="none" w="med" len="med"/>
-                    </a:lnL>
-                    <a:lnR w="12700" cap="flat" cmpd="sng" algn="ctr">
-                      <a:solidFill>
-                        <a:srgbClr val="000000"/>
-                      </a:solidFill>
-                      <a:prstDash val="solid"/>
-                      <a:round/>
-                      <a:headEnd type="none" w="med" len="med"/>
-                      <a:tailEnd type="none" w="med" len="med"/>
-                    </a:lnR>
-                    <a:lnT w="12700" cap="flat" cmpd="sng" algn="ctr">
-                      <a:solidFill>
-                        <a:srgbClr val="000000"/>
-                      </a:solidFill>
-                      <a:prstDash val="solid"/>
-                      <a:round/>
-                      <a:headEnd type="none" w="med" len="med"/>
-                      <a:tailEnd type="none" w="med" len="med"/>
-                    </a:lnT>
-                    <a:lnB w="12700" cap="flat" cmpd="sng" algn="ctr">
-                      <a:solidFill>
-                        <a:srgbClr val="000000"/>
-                      </a:solidFill>
-                      <a:prstDash val="solid"/>
-                      <a:round/>
-                      <a:headEnd type="none" w="med" len="med"/>
-                      <a:tailEnd type="none" w="med" len="med"/>
-                    </a:lnB>
-                  </a:tcPr>
-                </a:tc>
-                <a:tc>
-                  <a:txBody>
-                    <a:bodyPr/>
-                    <a:lstStyle/>
-                    <a:p>
-                      <a:pPr indent="0" algn="ctr">
-                        <a:lnSpc>
-                          <a:spcPct val="100000"/>
-                        </a:lnSpc>
-                        <a:spcAft>
-                          <a:spcPts val="0"/>
-                        </a:spcAft>
-                      </a:pPr>
-                      <a:r>
-                        <a:rPr lang="ru-RU" sz="2400" b="0" dirty="0" smtClean="0">
-                          <a:solidFill>
-                            <a:srgbClr val="000000"/>
-                          </a:solidFill>
-                          <a:effectLst/>
-                          <a:latin typeface="Times New Roman" panose="02020603050405020304" pitchFamily="18" charset="0"/>
-                          <a:ea typeface="Calibri" panose="020F0502020204030204" pitchFamily="34" charset="0"/>
-                          <a:cs typeface="Times New Roman" panose="02020603050405020304" pitchFamily="18" charset="0"/>
-                        </a:rPr>
-                        <a:t>-</a:t>
-                      </a:r>
-                      <a:endParaRPr lang="ru-RU" sz="2400" b="0" dirty="0">
-                        <a:solidFill>
-                          <a:srgbClr val="000000"/>
-                        </a:solidFill>
-                        <a:effectLst/>
-                        <a:latin typeface="Times New Roman" panose="02020603050405020304" pitchFamily="18" charset="0"/>
-                        <a:ea typeface="Calibri" panose="020F0502020204030204" pitchFamily="34" charset="0"/>
-                        <a:cs typeface="Times New Roman" panose="02020603050405020304" pitchFamily="18" charset="0"/>
-                      </a:endParaRPr>
-                    </a:p>
-                  </a:txBody>
-                  <a:tcPr marL="34534" marR="34534" marT="0" marB="0" anchor="ctr">
-                    <a:lnL w="12700" cap="flat" cmpd="sng" algn="ctr">
-                      <a:solidFill>
-                        <a:srgbClr val="000000"/>
-                      </a:solidFill>
-                      <a:prstDash val="solid"/>
-                      <a:round/>
-                      <a:headEnd type="none" w="med" len="med"/>
-                      <a:tailEnd type="none" w="med" len="med"/>
-                    </a:lnL>
-                    <a:lnR w="12700" cap="flat" cmpd="sng" algn="ctr">
-                      <a:solidFill>
-                        <a:srgbClr val="000000"/>
-                      </a:solidFill>
-                      <a:prstDash val="solid"/>
-                      <a:round/>
-                      <a:headEnd type="none" w="med" len="med"/>
-                      <a:tailEnd type="none" w="med" len="med"/>
-                    </a:lnR>
-                    <a:lnT w="12700" cap="flat" cmpd="sng" algn="ctr">
-                      <a:solidFill>
-                        <a:srgbClr val="000000"/>
-                      </a:solidFill>
-                      <a:prstDash val="solid"/>
-                      <a:round/>
-                      <a:headEnd type="none" w="med" len="med"/>
-                      <a:tailEnd type="none" w="med" len="med"/>
-                    </a:lnT>
-                    <a:lnB w="12700" cap="flat" cmpd="sng" algn="ctr">
-                      <a:solidFill>
-                        <a:srgbClr val="000000"/>
-                      </a:solidFill>
-                      <a:prstDash val="solid"/>
-                      <a:round/>
-                      <a:headEnd type="none" w="med" len="med"/>
-                      <a:tailEnd type="none" w="med" len="med"/>
-                    </a:lnB>
-                  </a:tcPr>
-                </a:tc>
-                <a:tc>
-                  <a:txBody>
-                    <a:bodyPr/>
-                    <a:lstStyle/>
-                    <a:p>
-                      <a:pPr indent="0" algn="ctr">
-                        <a:lnSpc>
-                          <a:spcPct val="100000"/>
-                        </a:lnSpc>
-                        <a:spcAft>
-                          <a:spcPts val="0"/>
-                        </a:spcAft>
-                      </a:pPr>
-                      <a:r>
-                        <a:rPr lang="ru-RU" sz="2400" b="0" dirty="0" smtClean="0">
-                          <a:solidFill>
-                            <a:srgbClr val="000000"/>
-                          </a:solidFill>
-                          <a:effectLst/>
-                          <a:latin typeface="Times New Roman" panose="02020603050405020304" pitchFamily="18" charset="0"/>
-                          <a:ea typeface="Calibri" panose="020F0502020204030204" pitchFamily="34" charset="0"/>
-                          <a:cs typeface="Times New Roman" panose="02020603050405020304" pitchFamily="18" charset="0"/>
-                        </a:rPr>
-                        <a:t>-</a:t>
-                      </a:r>
-                      <a:endParaRPr lang="ru-RU" sz="2400" b="0" dirty="0">
-                        <a:solidFill>
-                          <a:srgbClr val="000000"/>
-                        </a:solidFill>
-                        <a:effectLst/>
-                        <a:latin typeface="Times New Roman" panose="02020603050405020304" pitchFamily="18" charset="0"/>
-                        <a:ea typeface="Calibri" panose="020F0502020204030204" pitchFamily="34" charset="0"/>
-                        <a:cs typeface="Times New Roman" panose="02020603050405020304" pitchFamily="18" charset="0"/>
-                      </a:endParaRPr>
-                    </a:p>
-                  </a:txBody>
-                  <a:tcPr marL="34534" marR="34534" marT="0" marB="0" anchor="ctr">
-                    <a:lnL w="12700" cap="flat" cmpd="sng" algn="ctr">
-                      <a:solidFill>
-                        <a:srgbClr val="000000"/>
-                      </a:solidFill>
-                      <a:prstDash val="solid"/>
-                      <a:round/>
-                      <a:headEnd type="none" w="med" len="med"/>
-                      <a:tailEnd type="none" w="med" len="med"/>
-                    </a:lnL>
-                    <a:lnR w="12700" cap="flat" cmpd="sng" algn="ctr">
-                      <a:solidFill>
-                        <a:srgbClr val="000000"/>
-                      </a:solidFill>
-                      <a:prstDash val="solid"/>
-                      <a:round/>
-                      <a:headEnd type="none" w="med" len="med"/>
-                      <a:tailEnd type="none" w="med" len="med"/>
-                    </a:lnR>
-                    <a:lnT w="12700" cap="flat" cmpd="sng" algn="ctr">
-                      <a:solidFill>
-                        <a:srgbClr val="000000"/>
-                      </a:solidFill>
-                      <a:prstDash val="solid"/>
-                      <a:round/>
-                      <a:headEnd type="none" w="med" len="med"/>
-                      <a:tailEnd type="none" w="med" len="med"/>
-                    </a:lnT>
-                    <a:lnB w="12700" cap="flat" cmpd="sng" algn="ctr">
-                      <a:solidFill>
-                        <a:srgbClr val="000000"/>
-                      </a:solidFill>
-                      <a:prstDash val="solid"/>
-                      <a:round/>
-                      <a:headEnd type="none" w="med" len="med"/>
-                      <a:tailEnd type="none" w="med" len="med"/>
-                    </a:lnB>
-                  </a:tcPr>
-                </a:tc>
-                <a:tc>
-                  <a:txBody>
-                    <a:bodyPr/>
-                    <a:lstStyle/>
-                    <a:p>
-                      <a:pPr indent="0" algn="ctr">
-                        <a:lnSpc>
-                          <a:spcPct val="100000"/>
-                        </a:lnSpc>
-                        <a:spcAft>
-                          <a:spcPts val="0"/>
-                        </a:spcAft>
-                      </a:pPr>
-                      <a:r>
-                        <a:rPr lang="ru-RU" sz="2400" b="0" dirty="0" smtClean="0">
-                          <a:solidFill>
-                            <a:srgbClr val="000000"/>
-                          </a:solidFill>
-                          <a:effectLst/>
-                          <a:latin typeface="Times New Roman" panose="02020603050405020304" pitchFamily="18" charset="0"/>
-                          <a:ea typeface="Calibri" panose="020F0502020204030204" pitchFamily="34" charset="0"/>
-                          <a:cs typeface="Times New Roman" panose="02020603050405020304" pitchFamily="18" charset="0"/>
-                        </a:rPr>
-                        <a:t>-</a:t>
-                      </a:r>
-                      <a:endParaRPr lang="ru-RU" sz="2400" b="0" dirty="0">
-                        <a:solidFill>
-                          <a:srgbClr val="000000"/>
-                        </a:solidFill>
-                        <a:effectLst/>
-                        <a:latin typeface="Times New Roman" panose="02020603050405020304" pitchFamily="18" charset="0"/>
-                        <a:ea typeface="Calibri" panose="020F0502020204030204" pitchFamily="34" charset="0"/>
-                        <a:cs typeface="Times New Roman" panose="02020603050405020304" pitchFamily="18" charset="0"/>
-                      </a:endParaRPr>
-                    </a:p>
-                  </a:txBody>
-                  <a:tcPr marL="34534" marR="34534" marT="0" marB="0" anchor="ctr">
-                    <a:lnL w="12700" cap="flat" cmpd="sng" algn="ctr">
-                      <a:solidFill>
-                        <a:srgbClr val="000000"/>
-                      </a:solidFill>
-                      <a:prstDash val="solid"/>
-                      <a:round/>
-                      <a:headEnd type="none" w="med" len="med"/>
-                      <a:tailEnd type="none" w="med" len="med"/>
-                    </a:lnL>
-                    <a:lnR w="12700" cap="flat" cmpd="sng" algn="ctr">
-                      <a:solidFill>
-                        <a:srgbClr val="000000"/>
-                      </a:solidFill>
-                      <a:prstDash val="solid"/>
-                      <a:round/>
-                      <a:headEnd type="none" w="med" len="med"/>
-                      <a:tailEnd type="none" w="med" len="med"/>
-                    </a:lnR>
-                    <a:lnT w="12700" cap="flat" cmpd="sng" algn="ctr">
-                      <a:solidFill>
-                        <a:srgbClr val="000000"/>
-                      </a:solidFill>
-                      <a:prstDash val="solid"/>
-                      <a:round/>
-                      <a:headEnd type="none" w="med" len="med"/>
-                      <a:tailEnd type="none" w="med" len="med"/>
-                    </a:lnT>
-                    <a:lnB w="12700" cap="flat" cmpd="sng" algn="ctr">
-                      <a:solidFill>
-                        <a:srgbClr val="000000"/>
-                      </a:solidFill>
-                      <a:prstDash val="solid"/>
-                      <a:round/>
-                      <a:headEnd type="none" w="med" len="med"/>
-                      <a:tailEnd type="none" w="med" len="med"/>
-                    </a:lnB>
-                  </a:tcPr>
-                </a:tc>
-                <a:tc>
-                  <a:txBody>
-                    <a:bodyPr/>
-                    <a:lstStyle/>
-                    <a:p>
-                      <a:pPr indent="0" algn="ctr">
-                        <a:lnSpc>
-                          <a:spcPct val="100000"/>
-                        </a:lnSpc>
-                        <a:spcAft>
-                          <a:spcPts val="0"/>
-                        </a:spcAft>
-                      </a:pPr>
-                      <a:r>
-                        <a:rPr lang="ru-RU" sz="2400" b="0" dirty="0" smtClean="0">
-                          <a:solidFill>
-                            <a:srgbClr val="000000"/>
-                          </a:solidFill>
-                          <a:effectLst/>
-                          <a:latin typeface="Times New Roman" panose="02020603050405020304" pitchFamily="18" charset="0"/>
-                          <a:ea typeface="Calibri" panose="020F0502020204030204" pitchFamily="34" charset="0"/>
-                          <a:cs typeface="Times New Roman" panose="02020603050405020304" pitchFamily="18" charset="0"/>
-                        </a:rPr>
-                        <a:t>+</a:t>
-                      </a:r>
-                      <a:endParaRPr lang="ru-RU" sz="2400" b="0" dirty="0">
-                        <a:solidFill>
-                          <a:srgbClr val="000000"/>
-                        </a:solidFill>
-                        <a:effectLst/>
-                        <a:latin typeface="Times New Roman" panose="02020603050405020304" pitchFamily="18" charset="0"/>
-                        <a:ea typeface="Calibri" panose="020F0502020204030204" pitchFamily="34" charset="0"/>
-                        <a:cs typeface="Times New Roman" panose="02020603050405020304" pitchFamily="18" charset="0"/>
-                      </a:endParaRPr>
-                    </a:p>
-                  </a:txBody>
-                  <a:tcPr marL="34534" marR="34534" marT="0" marB="0" anchor="ctr">
-                    <a:lnL w="12700" cap="flat" cmpd="sng" algn="ctr">
-                      <a:solidFill>
-                        <a:srgbClr val="000000"/>
-                      </a:solidFill>
-                      <a:prstDash val="solid"/>
-                      <a:round/>
-                      <a:headEnd type="none" w="med" len="med"/>
-                      <a:tailEnd type="none" w="med" len="med"/>
-                    </a:lnL>
-                    <a:lnR w="12700" cap="flat" cmpd="sng" algn="ctr">
-                      <a:solidFill>
-                        <a:srgbClr val="000000"/>
-                      </a:solidFill>
-                      <a:prstDash val="solid"/>
-                      <a:round/>
-                      <a:headEnd type="none" w="med" len="med"/>
-                      <a:tailEnd type="none" w="med" len="med"/>
-                    </a:lnR>
-                    <a:lnT w="12700" cap="flat" cmpd="sng" algn="ctr">
-                      <a:solidFill>
-                        <a:srgbClr val="000000"/>
-                      </a:solidFill>
-                      <a:prstDash val="solid"/>
-                      <a:round/>
-                      <a:headEnd type="none" w="med" len="med"/>
-                      <a:tailEnd type="none" w="med" len="med"/>
-                    </a:lnT>
-                    <a:lnB w="12700" cap="flat" cmpd="sng" algn="ctr">
-                      <a:solidFill>
-                        <a:srgbClr val="000000"/>
-                      </a:solidFill>
-                      <a:prstDash val="solid"/>
-                      <a:round/>
-                      <a:headEnd type="none" w="med" len="med"/>
-                      <a:tailEnd type="none" w="med" len="med"/>
-                    </a:lnB>
-                  </a:tcPr>
-                </a:tc>
-                <a:extLst>
-                  <a:ext uri="{0D108BD9-81ED-4DB2-BD59-A6C34878D82A}">
-                    <a16:rowId xmlns:a16="http://schemas.microsoft.com/office/drawing/2014/main" val="1756237475"/>
-                  </a:ext>
-                </a:extLst>
-              </a:tr>
-            </a:tbl>
-          </a:graphicData>
-        </a:graphic>
-      </p:graphicFrame>
       <p:sp>
         <p:nvSpPr>
           <p:cNvPr id="9" name="Прямоугольник 8"/>
@@ -8534,6 +5082,1397 @@
           </a:p>
         </p:txBody>
       </p:sp>
+      <p:graphicFrame>
+        <p:nvGraphicFramePr>
+          <p:cNvPr id="3" name="Таблица 2">
+            <a:extLst>
+              <a:ext uri="{FF2B5EF4-FFF2-40B4-BE49-F238E27FC236}">
+                <a16:creationId xmlns:a16="http://schemas.microsoft.com/office/drawing/2014/main" id="{FDD4F287-977C-829A-8ECD-69963A4983C0}"/>
+              </a:ext>
+            </a:extLst>
+          </p:cNvPr>
+          <p:cNvGraphicFramePr>
+            <a:graphicFrameLocks noGrp="1"/>
+          </p:cNvGraphicFramePr>
+          <p:nvPr>
+            <p:extLst>
+              <p:ext uri="{D42A27DB-BD31-4B8C-83A1-F6EECF244321}">
+                <p14:modId xmlns:p14="http://schemas.microsoft.com/office/powerpoint/2010/main" val="3613433096"/>
+              </p:ext>
+            </p:extLst>
+          </p:nvPr>
+        </p:nvGraphicFramePr>
+        <p:xfrm>
+          <a:off x="479795" y="624889"/>
+          <a:ext cx="7006855" cy="5976027"/>
+        </p:xfrm>
+        <a:graphic>
+          <a:graphicData uri="http://schemas.openxmlformats.org/drawingml/2006/table">
+            <a:tbl>
+              <a:tblPr>
+                <a:tableStyleId>{5C22544A-7EE6-4342-B048-85BDC9FD1C3A}</a:tableStyleId>
+              </a:tblPr>
+              <a:tblGrid>
+                <a:gridCol w="1603263">
+                  <a:extLst>
+                    <a:ext uri="{9D8B030D-6E8A-4147-A177-3AD203B41FA5}">
+                      <a16:colId xmlns:a16="http://schemas.microsoft.com/office/drawing/2014/main" val="2492637552"/>
+                    </a:ext>
+                  </a:extLst>
+                </a:gridCol>
+                <a:gridCol w="712562">
+                  <a:extLst>
+                    <a:ext uri="{9D8B030D-6E8A-4147-A177-3AD203B41FA5}">
+                      <a16:colId xmlns:a16="http://schemas.microsoft.com/office/drawing/2014/main" val="429494356"/>
+                    </a:ext>
+                  </a:extLst>
+                </a:gridCol>
+                <a:gridCol w="1484503">
+                  <a:extLst>
+                    <a:ext uri="{9D8B030D-6E8A-4147-A177-3AD203B41FA5}">
+                      <a16:colId xmlns:a16="http://schemas.microsoft.com/office/drawing/2014/main" val="1537820939"/>
+                    </a:ext>
+                  </a:extLst>
+                </a:gridCol>
+                <a:gridCol w="1499348">
+                  <a:extLst>
+                    <a:ext uri="{9D8B030D-6E8A-4147-A177-3AD203B41FA5}">
+                      <a16:colId xmlns:a16="http://schemas.microsoft.com/office/drawing/2014/main" val="2012032171"/>
+                    </a:ext>
+                  </a:extLst>
+                </a:gridCol>
+                <a:gridCol w="1707179">
+                  <a:extLst>
+                    <a:ext uri="{9D8B030D-6E8A-4147-A177-3AD203B41FA5}">
+                      <a16:colId xmlns:a16="http://schemas.microsoft.com/office/drawing/2014/main" val="1386154734"/>
+                    </a:ext>
+                  </a:extLst>
+                </a:gridCol>
+              </a:tblGrid>
+              <a:tr h="607026">
+                <a:tc>
+                  <a:txBody>
+                    <a:bodyPr/>
+                    <a:lstStyle/>
+                    <a:p>
+                      <a:pPr algn="ctr" rtl="0" fontAlgn="ctr">
+                        <a:buNone/>
+                      </a:pPr>
+                      <a:r>
+                        <a:rPr lang="ru-RU" sz="1400" u="none" strike="noStrike" dirty="0">
+                          <a:effectLst/>
+                        </a:rPr>
+                        <a:t>Критерии сравнения</a:t>
+                      </a:r>
+                      <a:endParaRPr lang="ru-RU" sz="1400" b="0" i="0" u="none" strike="noStrike" dirty="0">
+                        <a:solidFill>
+                          <a:srgbClr val="000000"/>
+                        </a:solidFill>
+                        <a:effectLst/>
+                        <a:latin typeface="Times New Roman" panose="02020603050405020304" pitchFamily="18" charset="0"/>
+                      </a:endParaRPr>
+                    </a:p>
+                  </a:txBody>
+                  <a:tcPr marL="3889" marR="3889" marT="3889" marB="0" anchor="ctr"/>
+                </a:tc>
+                <a:tc>
+                  <a:txBody>
+                    <a:bodyPr/>
+                    <a:lstStyle/>
+                    <a:p>
+                      <a:pPr algn="ctr" rtl="0" fontAlgn="ctr">
+                        <a:buNone/>
+                      </a:pPr>
+                      <a:r>
+                        <a:rPr lang="en-US" sz="1400" u="none" strike="noStrike">
+                          <a:effectLst/>
+                        </a:rPr>
+                        <a:t>Moodle</a:t>
+                      </a:r>
+                      <a:endParaRPr lang="en-US" sz="1400" b="0" i="0" u="none" strike="noStrike">
+                        <a:solidFill>
+                          <a:srgbClr val="000000"/>
+                        </a:solidFill>
+                        <a:effectLst/>
+                        <a:latin typeface="Times New Roman" panose="02020603050405020304" pitchFamily="18" charset="0"/>
+                      </a:endParaRPr>
+                    </a:p>
+                  </a:txBody>
+                  <a:tcPr marL="3889" marR="3889" marT="3889" marB="0" anchor="ctr"/>
+                </a:tc>
+                <a:tc>
+                  <a:txBody>
+                    <a:bodyPr/>
+                    <a:lstStyle/>
+                    <a:p>
+                      <a:pPr algn="ctr" rtl="0" fontAlgn="ctr">
+                        <a:buNone/>
+                      </a:pPr>
+                      <a:r>
+                        <a:rPr lang="ru-RU" sz="1400" u="none" strike="noStrike">
+                          <a:effectLst/>
+                        </a:rPr>
+                        <a:t>1С: Электронный журнал колледжа</a:t>
+                      </a:r>
+                      <a:endParaRPr lang="ru-RU" sz="1400" b="0" i="0" u="none" strike="noStrike">
+                        <a:solidFill>
+                          <a:srgbClr val="000000"/>
+                        </a:solidFill>
+                        <a:effectLst/>
+                        <a:latin typeface="Times New Roman" panose="02020603050405020304" pitchFamily="18" charset="0"/>
+                      </a:endParaRPr>
+                    </a:p>
+                  </a:txBody>
+                  <a:tcPr marL="3889" marR="3889" marT="3889" marB="0" anchor="ctr"/>
+                </a:tc>
+                <a:tc>
+                  <a:txBody>
+                    <a:bodyPr/>
+                    <a:lstStyle/>
+                    <a:p>
+                      <a:pPr algn="ctr" rtl="0" fontAlgn="ctr">
+                        <a:buNone/>
+                      </a:pPr>
+                      <a:r>
+                        <a:rPr lang="ru-RU" sz="1400" u="none" strike="noStrike">
+                          <a:effectLst/>
+                        </a:rPr>
+                        <a:t>Существующая система</a:t>
+                      </a:r>
+                      <a:endParaRPr lang="ru-RU" sz="1400" b="0" i="0" u="none" strike="noStrike">
+                        <a:solidFill>
+                          <a:srgbClr val="000000"/>
+                        </a:solidFill>
+                        <a:effectLst/>
+                        <a:latin typeface="Times New Roman" panose="02020603050405020304" pitchFamily="18" charset="0"/>
+                      </a:endParaRPr>
+                    </a:p>
+                  </a:txBody>
+                  <a:tcPr marL="3889" marR="3889" marT="3889" marB="0" anchor="ctr"/>
+                </a:tc>
+                <a:tc>
+                  <a:txBody>
+                    <a:bodyPr/>
+                    <a:lstStyle/>
+                    <a:p>
+                      <a:pPr algn="ctr" rtl="0" fontAlgn="ctr">
+                        <a:buNone/>
+                      </a:pPr>
+                      <a:r>
+                        <a:rPr lang="ru-RU" sz="1400" u="none" strike="noStrike">
+                          <a:effectLst/>
+                        </a:rPr>
+                        <a:t>Разрабатываемое решение</a:t>
+                      </a:r>
+                      <a:endParaRPr lang="ru-RU" sz="1400" b="0" i="0" u="none" strike="noStrike">
+                        <a:solidFill>
+                          <a:srgbClr val="000000"/>
+                        </a:solidFill>
+                        <a:effectLst/>
+                        <a:latin typeface="Times New Roman" panose="02020603050405020304" pitchFamily="18" charset="0"/>
+                      </a:endParaRPr>
+                    </a:p>
+                  </a:txBody>
+                  <a:tcPr marL="3889" marR="3889" marT="3889" marB="0" anchor="ctr"/>
+                </a:tc>
+                <a:extLst>
+                  <a:ext uri="{0D108BD9-81ED-4DB2-BD59-A6C34878D82A}">
+                    <a16:rowId xmlns:a16="http://schemas.microsoft.com/office/drawing/2014/main" val="3581842494"/>
+                  </a:ext>
+                </a:extLst>
+              </a:tr>
+              <a:tr h="566510">
+                <a:tc>
+                  <a:txBody>
+                    <a:bodyPr/>
+                    <a:lstStyle/>
+                    <a:p>
+                      <a:pPr algn="ctr" rtl="0" fontAlgn="ctr">
+                        <a:buNone/>
+                      </a:pPr>
+                      <a:r>
+                        <a:rPr lang="ru-RU" sz="1400" u="none" strike="noStrike">
+                          <a:effectLst/>
+                        </a:rPr>
+                        <a:t>Проставление отметок о посещении</a:t>
+                      </a:r>
+                      <a:endParaRPr lang="ru-RU" sz="1400" b="0" i="0" u="none" strike="noStrike">
+                        <a:solidFill>
+                          <a:srgbClr val="000000"/>
+                        </a:solidFill>
+                        <a:effectLst/>
+                        <a:latin typeface="Times New Roman" panose="02020603050405020304" pitchFamily="18" charset="0"/>
+                      </a:endParaRPr>
+                    </a:p>
+                  </a:txBody>
+                  <a:tcPr marL="3889" marR="3889" marT="3889" marB="0" anchor="ctr"/>
+                </a:tc>
+                <a:tc>
+                  <a:txBody>
+                    <a:bodyPr/>
+                    <a:lstStyle/>
+                    <a:p>
+                      <a:pPr algn="ctr" rtl="0" fontAlgn="ctr">
+                        <a:buNone/>
+                      </a:pPr>
+                      <a:r>
+                        <a:rPr lang="ru-RU" sz="2800" u="none" strike="noStrike">
+                          <a:effectLst/>
+                        </a:rPr>
+                        <a:t>+</a:t>
+                      </a:r>
+                      <a:endParaRPr lang="ru-RU" sz="2800" b="0" i="0" u="none" strike="noStrike">
+                        <a:solidFill>
+                          <a:srgbClr val="000000"/>
+                        </a:solidFill>
+                        <a:effectLst/>
+                        <a:latin typeface="Times New Roman" panose="02020603050405020304" pitchFamily="18" charset="0"/>
+                      </a:endParaRPr>
+                    </a:p>
+                  </a:txBody>
+                  <a:tcPr marL="3889" marR="3889" marT="3889" marB="0" anchor="ctr"/>
+                </a:tc>
+                <a:tc>
+                  <a:txBody>
+                    <a:bodyPr/>
+                    <a:lstStyle/>
+                    <a:p>
+                      <a:pPr algn="ctr" rtl="0" fontAlgn="ctr">
+                        <a:buNone/>
+                      </a:pPr>
+                      <a:r>
+                        <a:rPr lang="ru-RU" sz="2800" u="none" strike="noStrike">
+                          <a:effectLst/>
+                        </a:rPr>
+                        <a:t>+</a:t>
+                      </a:r>
+                      <a:endParaRPr lang="ru-RU" sz="2800" b="0" i="0" u="none" strike="noStrike">
+                        <a:solidFill>
+                          <a:srgbClr val="000000"/>
+                        </a:solidFill>
+                        <a:effectLst/>
+                        <a:latin typeface="Times New Roman" panose="02020603050405020304" pitchFamily="18" charset="0"/>
+                      </a:endParaRPr>
+                    </a:p>
+                  </a:txBody>
+                  <a:tcPr marL="3889" marR="3889" marT="3889" marB="0" anchor="ctr"/>
+                </a:tc>
+                <a:tc>
+                  <a:txBody>
+                    <a:bodyPr/>
+                    <a:lstStyle/>
+                    <a:p>
+                      <a:pPr algn="ctr" rtl="0" fontAlgn="ctr">
+                        <a:buNone/>
+                      </a:pPr>
+                      <a:r>
+                        <a:rPr lang="ru-RU" sz="2800" u="none" strike="noStrike">
+                          <a:effectLst/>
+                        </a:rPr>
+                        <a:t>+</a:t>
+                      </a:r>
+                      <a:endParaRPr lang="ru-RU" sz="2800" b="0" i="0" u="none" strike="noStrike">
+                        <a:solidFill>
+                          <a:srgbClr val="000000"/>
+                        </a:solidFill>
+                        <a:effectLst/>
+                        <a:latin typeface="Times New Roman" panose="02020603050405020304" pitchFamily="18" charset="0"/>
+                      </a:endParaRPr>
+                    </a:p>
+                  </a:txBody>
+                  <a:tcPr marL="3889" marR="3889" marT="3889" marB="0" anchor="ctr"/>
+                </a:tc>
+                <a:tc>
+                  <a:txBody>
+                    <a:bodyPr/>
+                    <a:lstStyle/>
+                    <a:p>
+                      <a:pPr algn="ctr" rtl="0" fontAlgn="ctr">
+                        <a:buNone/>
+                      </a:pPr>
+                      <a:r>
+                        <a:rPr lang="ru-RU" sz="2800" u="none" strike="noStrike">
+                          <a:effectLst/>
+                        </a:rPr>
+                        <a:t>+</a:t>
+                      </a:r>
+                      <a:endParaRPr lang="ru-RU" sz="2800" b="0" i="0" u="none" strike="noStrike">
+                        <a:solidFill>
+                          <a:srgbClr val="000000"/>
+                        </a:solidFill>
+                        <a:effectLst/>
+                        <a:latin typeface="Times New Roman" panose="02020603050405020304" pitchFamily="18" charset="0"/>
+                      </a:endParaRPr>
+                    </a:p>
+                  </a:txBody>
+                  <a:tcPr marL="3889" marR="3889" marT="3889" marB="0" anchor="ctr"/>
+                </a:tc>
+                <a:extLst>
+                  <a:ext uri="{0D108BD9-81ED-4DB2-BD59-A6C34878D82A}">
+                    <a16:rowId xmlns:a16="http://schemas.microsoft.com/office/drawing/2014/main" val="3351649579"/>
+                  </a:ext>
+                </a:extLst>
+              </a:tr>
+              <a:tr h="414930">
+                <a:tc>
+                  <a:txBody>
+                    <a:bodyPr/>
+                    <a:lstStyle/>
+                    <a:p>
+                      <a:pPr algn="ctr" rtl="0" fontAlgn="ctr">
+                        <a:buNone/>
+                      </a:pPr>
+                      <a:r>
+                        <a:rPr lang="ru-RU" sz="1400" u="none" strike="noStrike">
+                          <a:effectLst/>
+                        </a:rPr>
+                        <a:t>Просмотр отметок студентами</a:t>
+                      </a:r>
+                      <a:endParaRPr lang="ru-RU" sz="1400" b="0" i="0" u="none" strike="noStrike">
+                        <a:solidFill>
+                          <a:srgbClr val="000000"/>
+                        </a:solidFill>
+                        <a:effectLst/>
+                        <a:latin typeface="Times New Roman" panose="02020603050405020304" pitchFamily="18" charset="0"/>
+                      </a:endParaRPr>
+                    </a:p>
+                  </a:txBody>
+                  <a:tcPr marL="3889" marR="3889" marT="3889" marB="0" anchor="ctr"/>
+                </a:tc>
+                <a:tc>
+                  <a:txBody>
+                    <a:bodyPr/>
+                    <a:lstStyle/>
+                    <a:p>
+                      <a:pPr algn="ctr" rtl="0" fontAlgn="ctr">
+                        <a:buNone/>
+                      </a:pPr>
+                      <a:r>
+                        <a:rPr lang="ru-RU" sz="2800" u="none" strike="noStrike">
+                          <a:effectLst/>
+                        </a:rPr>
+                        <a:t>+</a:t>
+                      </a:r>
+                      <a:endParaRPr lang="ru-RU" sz="2800" b="0" i="0" u="none" strike="noStrike">
+                        <a:solidFill>
+                          <a:srgbClr val="000000"/>
+                        </a:solidFill>
+                        <a:effectLst/>
+                        <a:latin typeface="Times New Roman" panose="02020603050405020304" pitchFamily="18" charset="0"/>
+                      </a:endParaRPr>
+                    </a:p>
+                  </a:txBody>
+                  <a:tcPr marL="3889" marR="3889" marT="3889" marB="0" anchor="ctr"/>
+                </a:tc>
+                <a:tc>
+                  <a:txBody>
+                    <a:bodyPr/>
+                    <a:lstStyle/>
+                    <a:p>
+                      <a:pPr algn="ctr" rtl="0" fontAlgn="ctr">
+                        <a:buNone/>
+                      </a:pPr>
+                      <a:r>
+                        <a:rPr lang="ru-RU" sz="2800" u="none" strike="noStrike">
+                          <a:effectLst/>
+                        </a:rPr>
+                        <a:t>+</a:t>
+                      </a:r>
+                      <a:endParaRPr lang="ru-RU" sz="2800" b="0" i="0" u="none" strike="noStrike">
+                        <a:solidFill>
+                          <a:srgbClr val="000000"/>
+                        </a:solidFill>
+                        <a:effectLst/>
+                        <a:latin typeface="Times New Roman" panose="02020603050405020304" pitchFamily="18" charset="0"/>
+                      </a:endParaRPr>
+                    </a:p>
+                  </a:txBody>
+                  <a:tcPr marL="3889" marR="3889" marT="3889" marB="0" anchor="ctr"/>
+                </a:tc>
+                <a:tc>
+                  <a:txBody>
+                    <a:bodyPr/>
+                    <a:lstStyle/>
+                    <a:p>
+                      <a:pPr algn="ctr" rtl="0" fontAlgn="ctr">
+                        <a:buNone/>
+                      </a:pPr>
+                      <a:r>
+                        <a:rPr lang="ru-RU" sz="2800" u="none" strike="noStrike">
+                          <a:effectLst/>
+                        </a:rPr>
+                        <a:t>+</a:t>
+                      </a:r>
+                      <a:endParaRPr lang="ru-RU" sz="2800" b="0" i="0" u="none" strike="noStrike">
+                        <a:solidFill>
+                          <a:srgbClr val="000000"/>
+                        </a:solidFill>
+                        <a:effectLst/>
+                        <a:latin typeface="Times New Roman" panose="02020603050405020304" pitchFamily="18" charset="0"/>
+                      </a:endParaRPr>
+                    </a:p>
+                  </a:txBody>
+                  <a:tcPr marL="3889" marR="3889" marT="3889" marB="0" anchor="ctr"/>
+                </a:tc>
+                <a:tc>
+                  <a:txBody>
+                    <a:bodyPr/>
+                    <a:lstStyle/>
+                    <a:p>
+                      <a:pPr algn="ctr" rtl="0" fontAlgn="ctr">
+                        <a:buNone/>
+                      </a:pPr>
+                      <a:r>
+                        <a:rPr lang="ru-RU" sz="2800" u="none" strike="noStrike">
+                          <a:effectLst/>
+                        </a:rPr>
+                        <a:t>+</a:t>
+                      </a:r>
+                      <a:endParaRPr lang="ru-RU" sz="2800" b="0" i="0" u="none" strike="noStrike">
+                        <a:solidFill>
+                          <a:srgbClr val="000000"/>
+                        </a:solidFill>
+                        <a:effectLst/>
+                        <a:latin typeface="Times New Roman" panose="02020603050405020304" pitchFamily="18" charset="0"/>
+                      </a:endParaRPr>
+                    </a:p>
+                  </a:txBody>
+                  <a:tcPr marL="3889" marR="3889" marT="3889" marB="0" anchor="ctr"/>
+                </a:tc>
+                <a:extLst>
+                  <a:ext uri="{0D108BD9-81ED-4DB2-BD59-A6C34878D82A}">
+                    <a16:rowId xmlns:a16="http://schemas.microsoft.com/office/drawing/2014/main" val="2727971106"/>
+                  </a:ext>
+                </a:extLst>
+              </a:tr>
+              <a:tr h="566510">
+                <a:tc>
+                  <a:txBody>
+                    <a:bodyPr/>
+                    <a:lstStyle/>
+                    <a:p>
+                      <a:pPr algn="ctr" rtl="0" fontAlgn="ctr">
+                        <a:buNone/>
+                      </a:pPr>
+                      <a:r>
+                        <a:rPr lang="ru-RU" sz="1400" u="none" strike="noStrike">
+                          <a:effectLst/>
+                        </a:rPr>
+                        <a:t>Проставление отметок о сдаче работ</a:t>
+                      </a:r>
+                      <a:endParaRPr lang="ru-RU" sz="1400" b="0" i="0" u="none" strike="noStrike">
+                        <a:solidFill>
+                          <a:srgbClr val="000000"/>
+                        </a:solidFill>
+                        <a:effectLst/>
+                        <a:latin typeface="Times New Roman" panose="02020603050405020304" pitchFamily="18" charset="0"/>
+                      </a:endParaRPr>
+                    </a:p>
+                  </a:txBody>
+                  <a:tcPr marL="3889" marR="3889" marT="3889" marB="0" anchor="ctr"/>
+                </a:tc>
+                <a:tc>
+                  <a:txBody>
+                    <a:bodyPr/>
+                    <a:lstStyle/>
+                    <a:p>
+                      <a:pPr algn="ctr" rtl="0" fontAlgn="ctr">
+                        <a:buNone/>
+                      </a:pPr>
+                      <a:r>
+                        <a:rPr lang="ru-RU" sz="2800" u="none" strike="noStrike">
+                          <a:effectLst/>
+                        </a:rPr>
+                        <a:t>-</a:t>
+                      </a:r>
+                      <a:endParaRPr lang="ru-RU" sz="2800" b="0" i="0" u="none" strike="noStrike">
+                        <a:solidFill>
+                          <a:srgbClr val="000000"/>
+                        </a:solidFill>
+                        <a:effectLst/>
+                        <a:latin typeface="Times New Roman" panose="02020603050405020304" pitchFamily="18" charset="0"/>
+                      </a:endParaRPr>
+                    </a:p>
+                  </a:txBody>
+                  <a:tcPr marL="3889" marR="3889" marT="3889" marB="0" anchor="ctr"/>
+                </a:tc>
+                <a:tc>
+                  <a:txBody>
+                    <a:bodyPr/>
+                    <a:lstStyle/>
+                    <a:p>
+                      <a:pPr algn="ctr" rtl="0" fontAlgn="ctr">
+                        <a:buNone/>
+                      </a:pPr>
+                      <a:r>
+                        <a:rPr lang="ru-RU" sz="2800" u="none" strike="noStrike">
+                          <a:effectLst/>
+                        </a:rPr>
+                        <a:t>+</a:t>
+                      </a:r>
+                      <a:endParaRPr lang="ru-RU" sz="2800" b="0" i="0" u="none" strike="noStrike">
+                        <a:solidFill>
+                          <a:srgbClr val="000000"/>
+                        </a:solidFill>
+                        <a:effectLst/>
+                        <a:latin typeface="Times New Roman" panose="02020603050405020304" pitchFamily="18" charset="0"/>
+                      </a:endParaRPr>
+                    </a:p>
+                  </a:txBody>
+                  <a:tcPr marL="3889" marR="3889" marT="3889" marB="0" anchor="ctr"/>
+                </a:tc>
+                <a:tc>
+                  <a:txBody>
+                    <a:bodyPr/>
+                    <a:lstStyle/>
+                    <a:p>
+                      <a:pPr algn="ctr" rtl="0" fontAlgn="ctr">
+                        <a:buNone/>
+                      </a:pPr>
+                      <a:r>
+                        <a:rPr lang="ru-RU" sz="2800" u="none" strike="noStrike">
+                          <a:effectLst/>
+                        </a:rPr>
+                        <a:t>+</a:t>
+                      </a:r>
+                      <a:endParaRPr lang="ru-RU" sz="2800" b="0" i="0" u="none" strike="noStrike">
+                        <a:solidFill>
+                          <a:srgbClr val="000000"/>
+                        </a:solidFill>
+                        <a:effectLst/>
+                        <a:latin typeface="Times New Roman" panose="02020603050405020304" pitchFamily="18" charset="0"/>
+                      </a:endParaRPr>
+                    </a:p>
+                  </a:txBody>
+                  <a:tcPr marL="3889" marR="3889" marT="3889" marB="0" anchor="ctr"/>
+                </a:tc>
+                <a:tc>
+                  <a:txBody>
+                    <a:bodyPr/>
+                    <a:lstStyle/>
+                    <a:p>
+                      <a:pPr algn="ctr" rtl="0" fontAlgn="ctr">
+                        <a:buNone/>
+                      </a:pPr>
+                      <a:r>
+                        <a:rPr lang="ru-RU" sz="2800" u="none" strike="noStrike">
+                          <a:effectLst/>
+                        </a:rPr>
+                        <a:t>+</a:t>
+                      </a:r>
+                      <a:endParaRPr lang="ru-RU" sz="2800" b="0" i="0" u="none" strike="noStrike">
+                        <a:solidFill>
+                          <a:srgbClr val="000000"/>
+                        </a:solidFill>
+                        <a:effectLst/>
+                        <a:latin typeface="Times New Roman" panose="02020603050405020304" pitchFamily="18" charset="0"/>
+                      </a:endParaRPr>
+                    </a:p>
+                  </a:txBody>
+                  <a:tcPr marL="3889" marR="3889" marT="3889" marB="0" anchor="ctr"/>
+                </a:tc>
+                <a:extLst>
+                  <a:ext uri="{0D108BD9-81ED-4DB2-BD59-A6C34878D82A}">
+                    <a16:rowId xmlns:a16="http://schemas.microsoft.com/office/drawing/2014/main" val="674000113"/>
+                  </a:ext>
+                </a:extLst>
+              </a:tr>
+              <a:tr h="566510">
+                <a:tc>
+                  <a:txBody>
+                    <a:bodyPr/>
+                    <a:lstStyle/>
+                    <a:p>
+                      <a:pPr algn="ctr" rtl="0" fontAlgn="ctr">
+                        <a:buNone/>
+                      </a:pPr>
+                      <a:r>
+                        <a:rPr lang="ru-RU" sz="1400" u="none" strike="noStrike">
+                          <a:effectLst/>
+                        </a:rPr>
+                        <a:t>Добавление комментария к занятию</a:t>
+                      </a:r>
+                      <a:endParaRPr lang="ru-RU" sz="1400" b="0" i="0" u="none" strike="noStrike">
+                        <a:solidFill>
+                          <a:srgbClr val="000000"/>
+                        </a:solidFill>
+                        <a:effectLst/>
+                        <a:latin typeface="Times New Roman" panose="02020603050405020304" pitchFamily="18" charset="0"/>
+                      </a:endParaRPr>
+                    </a:p>
+                  </a:txBody>
+                  <a:tcPr marL="3889" marR="3889" marT="3889" marB="0" anchor="ctr"/>
+                </a:tc>
+                <a:tc>
+                  <a:txBody>
+                    <a:bodyPr/>
+                    <a:lstStyle/>
+                    <a:p>
+                      <a:pPr algn="ctr" rtl="0" fontAlgn="ctr">
+                        <a:buNone/>
+                      </a:pPr>
+                      <a:r>
+                        <a:rPr lang="ru-RU" sz="2800" u="none" strike="noStrike">
+                          <a:effectLst/>
+                        </a:rPr>
+                        <a:t>-</a:t>
+                      </a:r>
+                      <a:endParaRPr lang="ru-RU" sz="2800" b="0" i="0" u="none" strike="noStrike">
+                        <a:solidFill>
+                          <a:srgbClr val="000000"/>
+                        </a:solidFill>
+                        <a:effectLst/>
+                        <a:latin typeface="Times New Roman" panose="02020603050405020304" pitchFamily="18" charset="0"/>
+                      </a:endParaRPr>
+                    </a:p>
+                  </a:txBody>
+                  <a:tcPr marL="3889" marR="3889" marT="3889" marB="0" anchor="ctr"/>
+                </a:tc>
+                <a:tc>
+                  <a:txBody>
+                    <a:bodyPr/>
+                    <a:lstStyle/>
+                    <a:p>
+                      <a:pPr algn="ctr" rtl="0" fontAlgn="ctr">
+                        <a:buNone/>
+                      </a:pPr>
+                      <a:r>
+                        <a:rPr lang="ru-RU" sz="2800" u="none" strike="noStrike">
+                          <a:effectLst/>
+                        </a:rPr>
+                        <a:t>-</a:t>
+                      </a:r>
+                      <a:endParaRPr lang="ru-RU" sz="2800" b="0" i="0" u="none" strike="noStrike">
+                        <a:solidFill>
+                          <a:srgbClr val="000000"/>
+                        </a:solidFill>
+                        <a:effectLst/>
+                        <a:latin typeface="Times New Roman" panose="02020603050405020304" pitchFamily="18" charset="0"/>
+                      </a:endParaRPr>
+                    </a:p>
+                  </a:txBody>
+                  <a:tcPr marL="3889" marR="3889" marT="3889" marB="0" anchor="ctr"/>
+                </a:tc>
+                <a:tc>
+                  <a:txBody>
+                    <a:bodyPr/>
+                    <a:lstStyle/>
+                    <a:p>
+                      <a:pPr algn="ctr" rtl="0" fontAlgn="ctr">
+                        <a:buNone/>
+                      </a:pPr>
+                      <a:r>
+                        <a:rPr lang="ru-RU" sz="2800" u="none" strike="noStrike">
+                          <a:effectLst/>
+                        </a:rPr>
+                        <a:t>+</a:t>
+                      </a:r>
+                      <a:endParaRPr lang="ru-RU" sz="2800" b="0" i="0" u="none" strike="noStrike">
+                        <a:solidFill>
+                          <a:srgbClr val="000000"/>
+                        </a:solidFill>
+                        <a:effectLst/>
+                        <a:latin typeface="Times New Roman" panose="02020603050405020304" pitchFamily="18" charset="0"/>
+                      </a:endParaRPr>
+                    </a:p>
+                  </a:txBody>
+                  <a:tcPr marL="3889" marR="3889" marT="3889" marB="0" anchor="ctr"/>
+                </a:tc>
+                <a:tc>
+                  <a:txBody>
+                    <a:bodyPr/>
+                    <a:lstStyle/>
+                    <a:p>
+                      <a:pPr algn="ctr" rtl="0" fontAlgn="ctr">
+                        <a:buNone/>
+                      </a:pPr>
+                      <a:r>
+                        <a:rPr lang="ru-RU" sz="2800" u="none" strike="noStrike">
+                          <a:effectLst/>
+                        </a:rPr>
+                        <a:t>+</a:t>
+                      </a:r>
+                      <a:endParaRPr lang="ru-RU" sz="2800" b="0" i="0" u="none" strike="noStrike">
+                        <a:solidFill>
+                          <a:srgbClr val="000000"/>
+                        </a:solidFill>
+                        <a:effectLst/>
+                        <a:latin typeface="Times New Roman" panose="02020603050405020304" pitchFamily="18" charset="0"/>
+                      </a:endParaRPr>
+                    </a:p>
+                  </a:txBody>
+                  <a:tcPr marL="3889" marR="3889" marT="3889" marB="0" anchor="ctr"/>
+                </a:tc>
+                <a:extLst>
+                  <a:ext uri="{0D108BD9-81ED-4DB2-BD59-A6C34878D82A}">
+                    <a16:rowId xmlns:a16="http://schemas.microsoft.com/office/drawing/2014/main" val="4223716219"/>
+                  </a:ext>
+                </a:extLst>
+              </a:tr>
+              <a:tr h="566510">
+                <a:tc>
+                  <a:txBody>
+                    <a:bodyPr/>
+                    <a:lstStyle/>
+                    <a:p>
+                      <a:pPr algn="ctr" rtl="0" fontAlgn="ctr">
+                        <a:buNone/>
+                      </a:pPr>
+                      <a:r>
+                        <a:rPr lang="ru-RU" sz="1400" u="none" strike="noStrike">
+                          <a:effectLst/>
+                        </a:rPr>
+                        <a:t>Групповое проставление отметок</a:t>
+                      </a:r>
+                      <a:endParaRPr lang="ru-RU" sz="1400" b="0" i="0" u="none" strike="noStrike">
+                        <a:solidFill>
+                          <a:srgbClr val="000000"/>
+                        </a:solidFill>
+                        <a:effectLst/>
+                        <a:latin typeface="Times New Roman" panose="02020603050405020304" pitchFamily="18" charset="0"/>
+                      </a:endParaRPr>
+                    </a:p>
+                  </a:txBody>
+                  <a:tcPr marL="3889" marR="3889" marT="3889" marB="0" anchor="ctr"/>
+                </a:tc>
+                <a:tc>
+                  <a:txBody>
+                    <a:bodyPr/>
+                    <a:lstStyle/>
+                    <a:p>
+                      <a:pPr algn="ctr" rtl="0" fontAlgn="ctr">
+                        <a:buNone/>
+                      </a:pPr>
+                      <a:r>
+                        <a:rPr lang="ru-RU" sz="2800" u="none" strike="noStrike">
+                          <a:effectLst/>
+                        </a:rPr>
+                        <a:t>-</a:t>
+                      </a:r>
+                      <a:endParaRPr lang="ru-RU" sz="2800" b="0" i="0" u="none" strike="noStrike">
+                        <a:solidFill>
+                          <a:srgbClr val="000000"/>
+                        </a:solidFill>
+                        <a:effectLst/>
+                        <a:latin typeface="Times New Roman" panose="02020603050405020304" pitchFamily="18" charset="0"/>
+                      </a:endParaRPr>
+                    </a:p>
+                  </a:txBody>
+                  <a:tcPr marL="3889" marR="3889" marT="3889" marB="0" anchor="ctr"/>
+                </a:tc>
+                <a:tc>
+                  <a:txBody>
+                    <a:bodyPr/>
+                    <a:lstStyle/>
+                    <a:p>
+                      <a:pPr algn="ctr" rtl="0" fontAlgn="ctr">
+                        <a:buNone/>
+                      </a:pPr>
+                      <a:r>
+                        <a:rPr lang="ru-RU" sz="2800" u="none" strike="noStrike">
+                          <a:effectLst/>
+                        </a:rPr>
+                        <a:t>+</a:t>
+                      </a:r>
+                      <a:endParaRPr lang="ru-RU" sz="2800" b="0" i="0" u="none" strike="noStrike">
+                        <a:solidFill>
+                          <a:srgbClr val="000000"/>
+                        </a:solidFill>
+                        <a:effectLst/>
+                        <a:latin typeface="Times New Roman" panose="02020603050405020304" pitchFamily="18" charset="0"/>
+                      </a:endParaRPr>
+                    </a:p>
+                  </a:txBody>
+                  <a:tcPr marL="3889" marR="3889" marT="3889" marB="0" anchor="ctr"/>
+                </a:tc>
+                <a:tc>
+                  <a:txBody>
+                    <a:bodyPr/>
+                    <a:lstStyle/>
+                    <a:p>
+                      <a:pPr algn="ctr" rtl="0" fontAlgn="ctr">
+                        <a:buNone/>
+                      </a:pPr>
+                      <a:r>
+                        <a:rPr lang="ru-RU" sz="2800" u="none" strike="noStrike">
+                          <a:effectLst/>
+                        </a:rPr>
+                        <a:t>+</a:t>
+                      </a:r>
+                      <a:endParaRPr lang="ru-RU" sz="2800" b="0" i="0" u="none" strike="noStrike">
+                        <a:solidFill>
+                          <a:srgbClr val="000000"/>
+                        </a:solidFill>
+                        <a:effectLst/>
+                        <a:latin typeface="Times New Roman" panose="02020603050405020304" pitchFamily="18" charset="0"/>
+                      </a:endParaRPr>
+                    </a:p>
+                  </a:txBody>
+                  <a:tcPr marL="3889" marR="3889" marT="3889" marB="0" anchor="ctr"/>
+                </a:tc>
+                <a:tc>
+                  <a:txBody>
+                    <a:bodyPr/>
+                    <a:lstStyle/>
+                    <a:p>
+                      <a:pPr algn="ctr" rtl="0" fontAlgn="ctr">
+                        <a:buNone/>
+                      </a:pPr>
+                      <a:r>
+                        <a:rPr lang="ru-RU" sz="2800" u="none" strike="noStrike">
+                          <a:effectLst/>
+                        </a:rPr>
+                        <a:t>+</a:t>
+                      </a:r>
+                      <a:endParaRPr lang="ru-RU" sz="2800" b="0" i="0" u="none" strike="noStrike">
+                        <a:solidFill>
+                          <a:srgbClr val="000000"/>
+                        </a:solidFill>
+                        <a:effectLst/>
+                        <a:latin typeface="Times New Roman" panose="02020603050405020304" pitchFamily="18" charset="0"/>
+                      </a:endParaRPr>
+                    </a:p>
+                  </a:txBody>
+                  <a:tcPr marL="3889" marR="3889" marT="3889" marB="0" anchor="ctr"/>
+                </a:tc>
+                <a:extLst>
+                  <a:ext uri="{0D108BD9-81ED-4DB2-BD59-A6C34878D82A}">
+                    <a16:rowId xmlns:a16="http://schemas.microsoft.com/office/drawing/2014/main" val="2411515100"/>
+                  </a:ext>
+                </a:extLst>
+              </a:tr>
+              <a:tr h="754206">
+                <a:tc>
+                  <a:txBody>
+                    <a:bodyPr/>
+                    <a:lstStyle/>
+                    <a:p>
+                      <a:pPr algn="ctr" rtl="0" fontAlgn="ctr">
+                        <a:buNone/>
+                      </a:pPr>
+                      <a:r>
+                        <a:rPr lang="ru-RU" sz="1400" u="none" strike="noStrike">
+                          <a:effectLst/>
+                        </a:rPr>
+                        <a:t>Автоматический вывод текущего занятия преподавателя</a:t>
+                      </a:r>
+                      <a:endParaRPr lang="ru-RU" sz="1400" b="0" i="0" u="none" strike="noStrike">
+                        <a:solidFill>
+                          <a:srgbClr val="000000"/>
+                        </a:solidFill>
+                        <a:effectLst/>
+                        <a:latin typeface="Times New Roman" panose="02020603050405020304" pitchFamily="18" charset="0"/>
+                      </a:endParaRPr>
+                    </a:p>
+                  </a:txBody>
+                  <a:tcPr marL="3889" marR="3889" marT="3889" marB="0" anchor="ctr"/>
+                </a:tc>
+                <a:tc>
+                  <a:txBody>
+                    <a:bodyPr/>
+                    <a:lstStyle/>
+                    <a:p>
+                      <a:pPr algn="ctr" rtl="0" fontAlgn="ctr">
+                        <a:buNone/>
+                      </a:pPr>
+                      <a:r>
+                        <a:rPr lang="ru-RU" sz="2800" u="none" strike="noStrike">
+                          <a:effectLst/>
+                        </a:rPr>
+                        <a:t>-</a:t>
+                      </a:r>
+                      <a:endParaRPr lang="ru-RU" sz="2800" b="0" i="0" u="none" strike="noStrike">
+                        <a:solidFill>
+                          <a:srgbClr val="000000"/>
+                        </a:solidFill>
+                        <a:effectLst/>
+                        <a:latin typeface="Times New Roman" panose="02020603050405020304" pitchFamily="18" charset="0"/>
+                      </a:endParaRPr>
+                    </a:p>
+                  </a:txBody>
+                  <a:tcPr marL="3889" marR="3889" marT="3889" marB="0" anchor="ctr"/>
+                </a:tc>
+                <a:tc>
+                  <a:txBody>
+                    <a:bodyPr/>
+                    <a:lstStyle/>
+                    <a:p>
+                      <a:pPr algn="ctr" rtl="0" fontAlgn="ctr">
+                        <a:buNone/>
+                      </a:pPr>
+                      <a:r>
+                        <a:rPr lang="ru-RU" sz="2800" u="none" strike="noStrike">
+                          <a:effectLst/>
+                        </a:rPr>
+                        <a:t>-</a:t>
+                      </a:r>
+                      <a:endParaRPr lang="ru-RU" sz="2800" b="0" i="0" u="none" strike="noStrike">
+                        <a:solidFill>
+                          <a:srgbClr val="000000"/>
+                        </a:solidFill>
+                        <a:effectLst/>
+                        <a:latin typeface="Times New Roman" panose="02020603050405020304" pitchFamily="18" charset="0"/>
+                      </a:endParaRPr>
+                    </a:p>
+                  </a:txBody>
+                  <a:tcPr marL="3889" marR="3889" marT="3889" marB="0" anchor="ctr"/>
+                </a:tc>
+                <a:tc>
+                  <a:txBody>
+                    <a:bodyPr/>
+                    <a:lstStyle/>
+                    <a:p>
+                      <a:pPr algn="ctr" rtl="0" fontAlgn="ctr">
+                        <a:buNone/>
+                      </a:pPr>
+                      <a:r>
+                        <a:rPr lang="ru-RU" sz="2800" u="none" strike="noStrike">
+                          <a:effectLst/>
+                        </a:rPr>
+                        <a:t>-</a:t>
+                      </a:r>
+                      <a:endParaRPr lang="ru-RU" sz="2800" b="0" i="0" u="none" strike="noStrike">
+                        <a:solidFill>
+                          <a:srgbClr val="000000"/>
+                        </a:solidFill>
+                        <a:effectLst/>
+                        <a:latin typeface="Times New Roman" panose="02020603050405020304" pitchFamily="18" charset="0"/>
+                      </a:endParaRPr>
+                    </a:p>
+                  </a:txBody>
+                  <a:tcPr marL="3889" marR="3889" marT="3889" marB="0" anchor="ctr"/>
+                </a:tc>
+                <a:tc>
+                  <a:txBody>
+                    <a:bodyPr/>
+                    <a:lstStyle/>
+                    <a:p>
+                      <a:pPr algn="ctr" rtl="0" fontAlgn="ctr">
+                        <a:buNone/>
+                      </a:pPr>
+                      <a:r>
+                        <a:rPr lang="ru-RU" sz="2800" u="none" strike="noStrike">
+                          <a:effectLst/>
+                        </a:rPr>
+                        <a:t>+</a:t>
+                      </a:r>
+                      <a:endParaRPr lang="ru-RU" sz="2800" b="0" i="0" u="none" strike="noStrike">
+                        <a:solidFill>
+                          <a:srgbClr val="000000"/>
+                        </a:solidFill>
+                        <a:effectLst/>
+                        <a:latin typeface="Times New Roman" panose="02020603050405020304" pitchFamily="18" charset="0"/>
+                      </a:endParaRPr>
+                    </a:p>
+                  </a:txBody>
+                  <a:tcPr marL="3889" marR="3889" marT="3889" marB="0" anchor="ctr"/>
+                </a:tc>
+                <a:extLst>
+                  <a:ext uri="{0D108BD9-81ED-4DB2-BD59-A6C34878D82A}">
+                    <a16:rowId xmlns:a16="http://schemas.microsoft.com/office/drawing/2014/main" val="619555368"/>
+                  </a:ext>
+                </a:extLst>
+              </a:tr>
+              <a:tr h="566510">
+                <a:tc>
+                  <a:txBody>
+                    <a:bodyPr/>
+                    <a:lstStyle/>
+                    <a:p>
+                      <a:pPr algn="ctr" rtl="0" fontAlgn="ctr">
+                        <a:buNone/>
+                      </a:pPr>
+                      <a:r>
+                        <a:rPr lang="ru-RU" sz="1400" u="none" strike="noStrike">
+                          <a:effectLst/>
+                        </a:rPr>
+                        <a:t>Автоматическое формирование списков групп</a:t>
+                      </a:r>
+                      <a:endParaRPr lang="ru-RU" sz="1400" b="0" i="0" u="none" strike="noStrike">
+                        <a:solidFill>
+                          <a:srgbClr val="000000"/>
+                        </a:solidFill>
+                        <a:effectLst/>
+                        <a:latin typeface="Times New Roman" panose="02020603050405020304" pitchFamily="18" charset="0"/>
+                      </a:endParaRPr>
+                    </a:p>
+                  </a:txBody>
+                  <a:tcPr marL="3889" marR="3889" marT="3889" marB="0" anchor="ctr"/>
+                </a:tc>
+                <a:tc>
+                  <a:txBody>
+                    <a:bodyPr/>
+                    <a:lstStyle/>
+                    <a:p>
+                      <a:pPr algn="ctr" rtl="0" fontAlgn="ctr">
+                        <a:buNone/>
+                      </a:pPr>
+                      <a:r>
+                        <a:rPr lang="ru-RU" sz="2800" u="none" strike="noStrike">
+                          <a:effectLst/>
+                        </a:rPr>
+                        <a:t>-</a:t>
+                      </a:r>
+                      <a:endParaRPr lang="ru-RU" sz="2800" b="0" i="0" u="none" strike="noStrike">
+                        <a:solidFill>
+                          <a:srgbClr val="000000"/>
+                        </a:solidFill>
+                        <a:effectLst/>
+                        <a:latin typeface="Times New Roman" panose="02020603050405020304" pitchFamily="18" charset="0"/>
+                      </a:endParaRPr>
+                    </a:p>
+                  </a:txBody>
+                  <a:tcPr marL="3889" marR="3889" marT="3889" marB="0" anchor="ctr"/>
+                </a:tc>
+                <a:tc>
+                  <a:txBody>
+                    <a:bodyPr/>
+                    <a:lstStyle/>
+                    <a:p>
+                      <a:pPr algn="ctr" rtl="0" fontAlgn="ctr">
+                        <a:buNone/>
+                      </a:pPr>
+                      <a:r>
+                        <a:rPr lang="ru-RU" sz="2800" u="none" strike="noStrike">
+                          <a:effectLst/>
+                        </a:rPr>
+                        <a:t>-</a:t>
+                      </a:r>
+                      <a:endParaRPr lang="ru-RU" sz="2800" b="0" i="0" u="none" strike="noStrike">
+                        <a:solidFill>
+                          <a:srgbClr val="000000"/>
+                        </a:solidFill>
+                        <a:effectLst/>
+                        <a:latin typeface="Times New Roman" panose="02020603050405020304" pitchFamily="18" charset="0"/>
+                      </a:endParaRPr>
+                    </a:p>
+                  </a:txBody>
+                  <a:tcPr marL="3889" marR="3889" marT="3889" marB="0" anchor="ctr"/>
+                </a:tc>
+                <a:tc>
+                  <a:txBody>
+                    <a:bodyPr/>
+                    <a:lstStyle/>
+                    <a:p>
+                      <a:pPr algn="ctr" rtl="0" fontAlgn="ctr">
+                        <a:buNone/>
+                      </a:pPr>
+                      <a:r>
+                        <a:rPr lang="ru-RU" sz="2800" u="none" strike="noStrike">
+                          <a:effectLst/>
+                        </a:rPr>
+                        <a:t>+</a:t>
+                      </a:r>
+                      <a:endParaRPr lang="ru-RU" sz="2800" b="0" i="0" u="none" strike="noStrike">
+                        <a:solidFill>
+                          <a:srgbClr val="000000"/>
+                        </a:solidFill>
+                        <a:effectLst/>
+                        <a:latin typeface="Times New Roman" panose="02020603050405020304" pitchFamily="18" charset="0"/>
+                      </a:endParaRPr>
+                    </a:p>
+                  </a:txBody>
+                  <a:tcPr marL="3889" marR="3889" marT="3889" marB="0" anchor="ctr"/>
+                </a:tc>
+                <a:tc>
+                  <a:txBody>
+                    <a:bodyPr/>
+                    <a:lstStyle/>
+                    <a:p>
+                      <a:pPr algn="ctr" rtl="0" fontAlgn="ctr">
+                        <a:buNone/>
+                      </a:pPr>
+                      <a:r>
+                        <a:rPr lang="ru-RU" sz="2800" u="none" strike="noStrike">
+                          <a:effectLst/>
+                        </a:rPr>
+                        <a:t>+</a:t>
+                      </a:r>
+                      <a:endParaRPr lang="ru-RU" sz="2800" b="0" i="0" u="none" strike="noStrike">
+                        <a:solidFill>
+                          <a:srgbClr val="000000"/>
+                        </a:solidFill>
+                        <a:effectLst/>
+                        <a:latin typeface="Times New Roman" panose="02020603050405020304" pitchFamily="18" charset="0"/>
+                      </a:endParaRPr>
+                    </a:p>
+                  </a:txBody>
+                  <a:tcPr marL="3889" marR="3889" marT="3889" marB="0" anchor="ctr"/>
+                </a:tc>
+                <a:extLst>
+                  <a:ext uri="{0D108BD9-81ED-4DB2-BD59-A6C34878D82A}">
+                    <a16:rowId xmlns:a16="http://schemas.microsoft.com/office/drawing/2014/main" val="379055900"/>
+                  </a:ext>
+                </a:extLst>
+              </a:tr>
+              <a:tr h="378814">
+                <a:tc>
+                  <a:txBody>
+                    <a:bodyPr/>
+                    <a:lstStyle/>
+                    <a:p>
+                      <a:pPr algn="ctr" rtl="0" fontAlgn="ctr">
+                        <a:buNone/>
+                      </a:pPr>
+                      <a:r>
+                        <a:rPr lang="ru-RU" sz="1400" u="none" strike="noStrike">
+                          <a:effectLst/>
+                        </a:rPr>
+                        <a:t>Троичная логика</a:t>
+                      </a:r>
+                      <a:endParaRPr lang="ru-RU" sz="1400" b="0" i="0" u="none" strike="noStrike">
+                        <a:solidFill>
+                          <a:srgbClr val="000000"/>
+                        </a:solidFill>
+                        <a:effectLst/>
+                        <a:latin typeface="Times New Roman" panose="02020603050405020304" pitchFamily="18" charset="0"/>
+                      </a:endParaRPr>
+                    </a:p>
+                  </a:txBody>
+                  <a:tcPr marL="3889" marR="3889" marT="3889" marB="0" anchor="ctr"/>
+                </a:tc>
+                <a:tc>
+                  <a:txBody>
+                    <a:bodyPr/>
+                    <a:lstStyle/>
+                    <a:p>
+                      <a:pPr algn="ctr" rtl="0" fontAlgn="ctr">
+                        <a:buNone/>
+                      </a:pPr>
+                      <a:r>
+                        <a:rPr lang="ru-RU" sz="2800" u="none" strike="noStrike">
+                          <a:effectLst/>
+                        </a:rPr>
+                        <a:t>-</a:t>
+                      </a:r>
+                      <a:endParaRPr lang="ru-RU" sz="2800" b="0" i="0" u="none" strike="noStrike">
+                        <a:solidFill>
+                          <a:srgbClr val="000000"/>
+                        </a:solidFill>
+                        <a:effectLst/>
+                        <a:latin typeface="Times New Roman" panose="02020603050405020304" pitchFamily="18" charset="0"/>
+                      </a:endParaRPr>
+                    </a:p>
+                  </a:txBody>
+                  <a:tcPr marL="3889" marR="3889" marT="3889" marB="0" anchor="ctr"/>
+                </a:tc>
+                <a:tc>
+                  <a:txBody>
+                    <a:bodyPr/>
+                    <a:lstStyle/>
+                    <a:p>
+                      <a:pPr algn="ctr" rtl="0" fontAlgn="ctr">
+                        <a:buNone/>
+                      </a:pPr>
+                      <a:r>
+                        <a:rPr lang="ru-RU" sz="2800" u="none" strike="noStrike">
+                          <a:effectLst/>
+                        </a:rPr>
+                        <a:t>-</a:t>
+                      </a:r>
+                      <a:endParaRPr lang="ru-RU" sz="2800" b="0" i="0" u="none" strike="noStrike">
+                        <a:solidFill>
+                          <a:srgbClr val="000000"/>
+                        </a:solidFill>
+                        <a:effectLst/>
+                        <a:latin typeface="Times New Roman" panose="02020603050405020304" pitchFamily="18" charset="0"/>
+                      </a:endParaRPr>
+                    </a:p>
+                  </a:txBody>
+                  <a:tcPr marL="3889" marR="3889" marT="3889" marB="0" anchor="ctr"/>
+                </a:tc>
+                <a:tc>
+                  <a:txBody>
+                    <a:bodyPr/>
+                    <a:lstStyle/>
+                    <a:p>
+                      <a:pPr algn="ctr" rtl="0" fontAlgn="ctr">
+                        <a:buNone/>
+                      </a:pPr>
+                      <a:r>
+                        <a:rPr lang="ru-RU" sz="2800" u="none" strike="noStrike">
+                          <a:effectLst/>
+                        </a:rPr>
+                        <a:t>-</a:t>
+                      </a:r>
+                      <a:endParaRPr lang="ru-RU" sz="2800" b="0" i="0" u="none" strike="noStrike">
+                        <a:solidFill>
+                          <a:srgbClr val="000000"/>
+                        </a:solidFill>
+                        <a:effectLst/>
+                        <a:latin typeface="Times New Roman" panose="02020603050405020304" pitchFamily="18" charset="0"/>
+                      </a:endParaRPr>
+                    </a:p>
+                  </a:txBody>
+                  <a:tcPr marL="3889" marR="3889" marT="3889" marB="0" anchor="ctr"/>
+                </a:tc>
+                <a:tc>
+                  <a:txBody>
+                    <a:bodyPr/>
+                    <a:lstStyle/>
+                    <a:p>
+                      <a:pPr algn="ctr" rtl="0" fontAlgn="ctr">
+                        <a:buNone/>
+                      </a:pPr>
+                      <a:r>
+                        <a:rPr lang="ru-RU" sz="2800" u="none" strike="noStrike">
+                          <a:effectLst/>
+                        </a:rPr>
+                        <a:t>+</a:t>
+                      </a:r>
+                      <a:endParaRPr lang="ru-RU" sz="2800" b="0" i="0" u="none" strike="noStrike">
+                        <a:solidFill>
+                          <a:srgbClr val="000000"/>
+                        </a:solidFill>
+                        <a:effectLst/>
+                        <a:latin typeface="Times New Roman" panose="02020603050405020304" pitchFamily="18" charset="0"/>
+                      </a:endParaRPr>
+                    </a:p>
+                  </a:txBody>
+                  <a:tcPr marL="3889" marR="3889" marT="3889" marB="0" anchor="ctr"/>
+                </a:tc>
+                <a:extLst>
+                  <a:ext uri="{0D108BD9-81ED-4DB2-BD59-A6C34878D82A}">
+                    <a16:rowId xmlns:a16="http://schemas.microsoft.com/office/drawing/2014/main" val="1077231980"/>
+                  </a:ext>
+                </a:extLst>
+              </a:tr>
+              <a:tr h="378814">
+                <a:tc>
+                  <a:txBody>
+                    <a:bodyPr/>
+                    <a:lstStyle/>
+                    <a:p>
+                      <a:pPr algn="ctr" rtl="0" fontAlgn="ctr">
+                        <a:buNone/>
+                      </a:pPr>
+                      <a:r>
+                        <a:rPr lang="ru-RU" sz="1400" u="none" strike="noStrike">
+                          <a:effectLst/>
+                        </a:rPr>
+                        <a:t>Разделение на подгруппы</a:t>
+                      </a:r>
+                      <a:endParaRPr lang="ru-RU" sz="1400" b="0" i="0" u="none" strike="noStrike">
+                        <a:solidFill>
+                          <a:srgbClr val="000000"/>
+                        </a:solidFill>
+                        <a:effectLst/>
+                        <a:latin typeface="Times New Roman" panose="02020603050405020304" pitchFamily="18" charset="0"/>
+                      </a:endParaRPr>
+                    </a:p>
+                  </a:txBody>
+                  <a:tcPr marL="3889" marR="3889" marT="3889" marB="0" anchor="ctr"/>
+                </a:tc>
+                <a:tc>
+                  <a:txBody>
+                    <a:bodyPr/>
+                    <a:lstStyle/>
+                    <a:p>
+                      <a:pPr algn="ctr" rtl="0" fontAlgn="ctr">
+                        <a:buNone/>
+                      </a:pPr>
+                      <a:r>
+                        <a:rPr lang="ru-RU" sz="2800" u="none" strike="noStrike">
+                          <a:effectLst/>
+                        </a:rPr>
+                        <a:t>-</a:t>
+                      </a:r>
+                      <a:endParaRPr lang="ru-RU" sz="2800" b="0" i="0" u="none" strike="noStrike">
+                        <a:solidFill>
+                          <a:srgbClr val="000000"/>
+                        </a:solidFill>
+                        <a:effectLst/>
+                        <a:latin typeface="Times New Roman" panose="02020603050405020304" pitchFamily="18" charset="0"/>
+                      </a:endParaRPr>
+                    </a:p>
+                  </a:txBody>
+                  <a:tcPr marL="3889" marR="3889" marT="3889" marB="0" anchor="ctr"/>
+                </a:tc>
+                <a:tc>
+                  <a:txBody>
+                    <a:bodyPr/>
+                    <a:lstStyle/>
+                    <a:p>
+                      <a:pPr algn="ctr" rtl="0" fontAlgn="ctr">
+                        <a:buNone/>
+                      </a:pPr>
+                      <a:r>
+                        <a:rPr lang="ru-RU" sz="2800" u="none" strike="noStrike" dirty="0">
+                          <a:effectLst/>
+                        </a:rPr>
+                        <a:t>+</a:t>
+                      </a:r>
+                      <a:endParaRPr lang="ru-RU" sz="2800" b="0" i="0" u="none" strike="noStrike" dirty="0">
+                        <a:solidFill>
+                          <a:srgbClr val="000000"/>
+                        </a:solidFill>
+                        <a:effectLst/>
+                        <a:latin typeface="Times New Roman" panose="02020603050405020304" pitchFamily="18" charset="0"/>
+                      </a:endParaRPr>
+                    </a:p>
+                  </a:txBody>
+                  <a:tcPr marL="3889" marR="3889" marT="3889" marB="0" anchor="ctr"/>
+                </a:tc>
+                <a:tc>
+                  <a:txBody>
+                    <a:bodyPr/>
+                    <a:lstStyle/>
+                    <a:p>
+                      <a:pPr algn="ctr" rtl="0" fontAlgn="ctr">
+                        <a:buNone/>
+                      </a:pPr>
+                      <a:r>
+                        <a:rPr lang="ru-RU" sz="2800" u="none" strike="noStrike">
+                          <a:effectLst/>
+                        </a:rPr>
+                        <a:t>-</a:t>
+                      </a:r>
+                      <a:endParaRPr lang="ru-RU" sz="2800" b="0" i="0" u="none" strike="noStrike">
+                        <a:solidFill>
+                          <a:srgbClr val="000000"/>
+                        </a:solidFill>
+                        <a:effectLst/>
+                        <a:latin typeface="Times New Roman" panose="02020603050405020304" pitchFamily="18" charset="0"/>
+                      </a:endParaRPr>
+                    </a:p>
+                  </a:txBody>
+                  <a:tcPr marL="3889" marR="3889" marT="3889" marB="0" anchor="ctr"/>
+                </a:tc>
+                <a:tc>
+                  <a:txBody>
+                    <a:bodyPr/>
+                    <a:lstStyle/>
+                    <a:p>
+                      <a:pPr algn="ctr" rtl="0" fontAlgn="ctr">
+                        <a:buNone/>
+                      </a:pPr>
+                      <a:r>
+                        <a:rPr lang="ru-RU" sz="2800" u="none" strike="noStrike" dirty="0">
+                          <a:effectLst/>
+                        </a:rPr>
+                        <a:t>+</a:t>
+                      </a:r>
+                      <a:endParaRPr lang="ru-RU" sz="2800" b="0" i="0" u="none" strike="noStrike" dirty="0">
+                        <a:solidFill>
+                          <a:srgbClr val="000000"/>
+                        </a:solidFill>
+                        <a:effectLst/>
+                        <a:latin typeface="Times New Roman" panose="02020603050405020304" pitchFamily="18" charset="0"/>
+                      </a:endParaRPr>
+                    </a:p>
+                  </a:txBody>
+                  <a:tcPr marL="3889" marR="3889" marT="3889" marB="0" anchor="ctr"/>
+                </a:tc>
+                <a:extLst>
+                  <a:ext uri="{0D108BD9-81ED-4DB2-BD59-A6C34878D82A}">
+                    <a16:rowId xmlns:a16="http://schemas.microsoft.com/office/drawing/2014/main" val="2818931807"/>
+                  </a:ext>
+                </a:extLst>
+              </a:tr>
+            </a:tbl>
+          </a:graphicData>
+        </a:graphic>
+      </p:graphicFrame>
     </p:spTree>
     <p:extLst>
       <p:ext uri="{BB962C8B-B14F-4D97-AF65-F5344CB8AC3E}">
@@ -8544,21 +6483,6 @@
   <p:clrMapOvr>
     <a:masterClrMapping/>
   </p:clrMapOvr>
-  <mc:AlternateContent xmlns:mc="http://schemas.openxmlformats.org/markup-compatibility/2006" xmlns:p14="http://schemas.microsoft.com/office/powerpoint/2010/main">
-    <mc:Choice Requires="p14">
-      <p:transition spd="slow" p14:dur="2000"/>
-    </mc:Choice>
-    <mc:Fallback xmlns="">
-      <p:transition spd="slow"/>
-    </mc:Fallback>
-  </mc:AlternateContent>
-  <p:timing>
-    <p:tnLst>
-      <p:par>
-        <p:cTn id="1" dur="indefinite" restart="never" nodeType="tmRoot"/>
-      </p:par>
-    </p:tnLst>
-  </p:timing>
 </p:sld>
 </file>
 
@@ -8809,14 +6733,13 @@
           <a:p>
             <a:pPr algn="ctr"/>
             <a:r>
-              <a:rPr lang="ru-RU" dirty="0" err="1" smtClean="0"/>
+              <a:rPr lang="ru-RU" dirty="0" err="1"/>
               <a:t>Логирование</a:t>
             </a:r>
             <a:r>
-              <a:rPr lang="ru-RU" dirty="0" smtClean="0"/>
+              <a:rPr lang="ru-RU" dirty="0"/>
               <a:t> изменений в БД</a:t>
             </a:r>
-            <a:endParaRPr lang="ru-RU" dirty="0"/>
           </a:p>
         </p:txBody>
       </p:sp>
@@ -9010,21 +6933,6 @@
   <p:clrMapOvr>
     <a:masterClrMapping/>
   </p:clrMapOvr>
-  <mc:AlternateContent xmlns:mc="http://schemas.openxmlformats.org/markup-compatibility/2006" xmlns:p14="http://schemas.microsoft.com/office/powerpoint/2010/main">
-    <mc:Choice Requires="p14">
-      <p:transition spd="slow" p14:dur="2000"/>
-    </mc:Choice>
-    <mc:Fallback xmlns="">
-      <p:transition spd="slow"/>
-    </mc:Fallback>
-  </mc:AlternateContent>
-  <p:timing>
-    <p:tnLst>
-      <p:par>
-        <p:cTn id="1" dur="indefinite" restart="never" nodeType="tmRoot"/>
-      </p:par>
-    </p:tnLst>
-  </p:timing>
 </p:sld>
 </file>
 
